--- a/pyfrc.pptx
+++ b/pyfrc.pptx
@@ -4,6 +4,9 @@
   <p:sldMasterIdLst>
     <p:sldMasterId id="2147483648" r:id="rId1"/>
   </p:sldMasterIdLst>
+  <p:notesMasterIdLst>
+    <p:notesMasterId r:id="rId45"/>
+  </p:notesMasterIdLst>
   <p:sldIdLst>
     <p:sldId id="256" r:id="rId2"/>
     <p:sldId id="257" r:id="rId3"/>
@@ -12,37 +15,42 @@
     <p:sldId id="299" r:id="rId6"/>
     <p:sldId id="264" r:id="rId7"/>
     <p:sldId id="270" r:id="rId8"/>
-    <p:sldId id="265" r:id="rId9"/>
-    <p:sldId id="275" r:id="rId10"/>
-    <p:sldId id="262" r:id="rId11"/>
-    <p:sldId id="263" r:id="rId12"/>
-    <p:sldId id="276" r:id="rId13"/>
-    <p:sldId id="277" r:id="rId14"/>
-    <p:sldId id="279" r:id="rId15"/>
-    <p:sldId id="278" r:id="rId16"/>
-    <p:sldId id="283" r:id="rId17"/>
-    <p:sldId id="285" r:id="rId18"/>
-    <p:sldId id="284" r:id="rId19"/>
-    <p:sldId id="286" r:id="rId20"/>
-    <p:sldId id="287" r:id="rId21"/>
-    <p:sldId id="281" r:id="rId22"/>
-    <p:sldId id="289" r:id="rId23"/>
-    <p:sldId id="292" r:id="rId24"/>
-    <p:sldId id="293" r:id="rId25"/>
-    <p:sldId id="294" r:id="rId26"/>
-    <p:sldId id="295" r:id="rId27"/>
-    <p:sldId id="296" r:id="rId28"/>
-    <p:sldId id="290" r:id="rId29"/>
-    <p:sldId id="297" r:id="rId30"/>
-    <p:sldId id="291" r:id="rId31"/>
-    <p:sldId id="272" r:id="rId32"/>
-    <p:sldId id="273" r:id="rId33"/>
-    <p:sldId id="298" r:id="rId34"/>
-    <p:sldId id="268" r:id="rId35"/>
-    <p:sldId id="266" r:id="rId36"/>
-    <p:sldId id="267" r:id="rId37"/>
-    <p:sldId id="260" r:id="rId38"/>
-    <p:sldId id="258" r:id="rId39"/>
+    <p:sldId id="300" r:id="rId9"/>
+    <p:sldId id="265" r:id="rId10"/>
+    <p:sldId id="275" r:id="rId11"/>
+    <p:sldId id="262" r:id="rId12"/>
+    <p:sldId id="263" r:id="rId13"/>
+    <p:sldId id="276" r:id="rId14"/>
+    <p:sldId id="277" r:id="rId15"/>
+    <p:sldId id="279" r:id="rId16"/>
+    <p:sldId id="278" r:id="rId17"/>
+    <p:sldId id="283" r:id="rId18"/>
+    <p:sldId id="285" r:id="rId19"/>
+    <p:sldId id="284" r:id="rId20"/>
+    <p:sldId id="286" r:id="rId21"/>
+    <p:sldId id="287" r:id="rId22"/>
+    <p:sldId id="281" r:id="rId23"/>
+    <p:sldId id="289" r:id="rId24"/>
+    <p:sldId id="292" r:id="rId25"/>
+    <p:sldId id="293" r:id="rId26"/>
+    <p:sldId id="294" r:id="rId27"/>
+    <p:sldId id="295" r:id="rId28"/>
+    <p:sldId id="296" r:id="rId29"/>
+    <p:sldId id="290" r:id="rId30"/>
+    <p:sldId id="297" r:id="rId31"/>
+    <p:sldId id="303" r:id="rId32"/>
+    <p:sldId id="307" r:id="rId33"/>
+    <p:sldId id="302" r:id="rId34"/>
+    <p:sldId id="305" r:id="rId35"/>
+    <p:sldId id="301" r:id="rId36"/>
+    <p:sldId id="291" r:id="rId37"/>
+    <p:sldId id="306" r:id="rId38"/>
+    <p:sldId id="304" r:id="rId39"/>
+    <p:sldId id="268" r:id="rId40"/>
+    <p:sldId id="266" r:id="rId41"/>
+    <p:sldId id="267" r:id="rId42"/>
+    <p:sldId id="260" r:id="rId43"/>
+    <p:sldId id="258" r:id="rId44"/>
   </p:sldIdLst>
   <p:sldSz cx="9144000" cy="6858000" type="screen4x3"/>
   <p:notesSz cx="6858000" cy="9144000"/>
@@ -144,6 +152,440 @@
 </p:presentation>
 </file>
 
+<file path=ppt/notesMasters/notesMaster1.xml><?xml version="1.0" encoding="utf-8"?>
+<p:notesMaster xmlns:a="http://schemas.openxmlformats.org/drawingml/2006/main" xmlns:r="http://schemas.openxmlformats.org/officeDocument/2006/relationships" xmlns:p="http://schemas.openxmlformats.org/presentationml/2006/main">
+  <p:cSld>
+    <p:bg>
+      <p:bgRef idx="1001">
+        <a:schemeClr val="bg1"/>
+      </p:bgRef>
+    </p:bg>
+    <p:spTree>
+      <p:nvGrpSpPr>
+        <p:cNvPr id="1" name=""/>
+        <p:cNvGrpSpPr/>
+        <p:nvPr/>
+      </p:nvGrpSpPr>
+      <p:grpSpPr>
+        <a:xfrm>
+          <a:off x="0" y="0"/>
+          <a:ext cx="0" cy="0"/>
+          <a:chOff x="0" y="0"/>
+          <a:chExt cx="0" cy="0"/>
+        </a:xfrm>
+      </p:grpSpPr>
+      <p:sp>
+        <p:nvSpPr>
+          <p:cNvPr id="2" name="Header Placeholder 1"/>
+          <p:cNvSpPr>
+            <a:spLocks noGrp="1"/>
+          </p:cNvSpPr>
+          <p:nvPr>
+            <p:ph type="hdr" sz="quarter"/>
+          </p:nvPr>
+        </p:nvSpPr>
+        <p:spPr>
+          <a:xfrm>
+            <a:off x="0" y="0"/>
+            <a:ext cx="2971800" cy="457200"/>
+          </a:xfrm>
+          <a:prstGeom prst="rect">
+            <a:avLst/>
+          </a:prstGeom>
+        </p:spPr>
+        <p:txBody>
+          <a:bodyPr vert="horz" lIns="91440" tIns="45720" rIns="91440" bIns="45720" rtlCol="0"/>
+          <a:lstStyle>
+            <a:lvl1pPr algn="l">
+              <a:defRPr sz="1200"/>
+            </a:lvl1pPr>
+          </a:lstStyle>
+          <a:p>
+            <a:endParaRPr lang="en-US"/>
+          </a:p>
+        </p:txBody>
+      </p:sp>
+      <p:sp>
+        <p:nvSpPr>
+          <p:cNvPr id="3" name="Date Placeholder 2"/>
+          <p:cNvSpPr>
+            <a:spLocks noGrp="1"/>
+          </p:cNvSpPr>
+          <p:nvPr>
+            <p:ph type="dt" idx="1"/>
+          </p:nvPr>
+        </p:nvSpPr>
+        <p:spPr>
+          <a:xfrm>
+            <a:off x="3884613" y="0"/>
+            <a:ext cx="2971800" cy="457200"/>
+          </a:xfrm>
+          <a:prstGeom prst="rect">
+            <a:avLst/>
+          </a:prstGeom>
+        </p:spPr>
+        <p:txBody>
+          <a:bodyPr vert="horz" lIns="91440" tIns="45720" rIns="91440" bIns="45720" rtlCol="0"/>
+          <a:lstStyle>
+            <a:lvl1pPr algn="r">
+              <a:defRPr sz="1200"/>
+            </a:lvl1pPr>
+          </a:lstStyle>
+          <a:p>
+            <a:fld id="{E59F1345-7B83-3F40-BB81-46EE4F819762}" type="datetimeFigureOut">
+              <a:rPr lang="en-US" smtClean="0"/>
+              <a:t>1/8/16</a:t>
+            </a:fld>
+            <a:endParaRPr lang="en-US"/>
+          </a:p>
+        </p:txBody>
+      </p:sp>
+      <p:sp>
+        <p:nvSpPr>
+          <p:cNvPr id="4" name="Slide Image Placeholder 3"/>
+          <p:cNvSpPr>
+            <a:spLocks noGrp="1" noRot="1" noChangeAspect="1"/>
+          </p:cNvSpPr>
+          <p:nvPr>
+            <p:ph type="sldImg" idx="2"/>
+          </p:nvPr>
+        </p:nvSpPr>
+        <p:spPr>
+          <a:xfrm>
+            <a:off x="1143000" y="685800"/>
+            <a:ext cx="4572000" cy="3429000"/>
+          </a:xfrm>
+          <a:prstGeom prst="rect">
+            <a:avLst/>
+          </a:prstGeom>
+          <a:noFill/>
+          <a:ln w="12700">
+            <a:solidFill>
+              <a:prstClr val="black"/>
+            </a:solidFill>
+          </a:ln>
+        </p:spPr>
+        <p:txBody>
+          <a:bodyPr vert="horz" lIns="91440" tIns="45720" rIns="91440" bIns="45720" rtlCol="0" anchor="ctr"/>
+          <a:lstStyle/>
+          <a:p>
+            <a:endParaRPr lang="en-US"/>
+          </a:p>
+        </p:txBody>
+      </p:sp>
+      <p:sp>
+        <p:nvSpPr>
+          <p:cNvPr id="5" name="Notes Placeholder 4"/>
+          <p:cNvSpPr>
+            <a:spLocks noGrp="1"/>
+          </p:cNvSpPr>
+          <p:nvPr>
+            <p:ph type="body" sz="quarter" idx="3"/>
+          </p:nvPr>
+        </p:nvSpPr>
+        <p:spPr>
+          <a:xfrm>
+            <a:off x="685800" y="4343400"/>
+            <a:ext cx="5486400" cy="4114800"/>
+          </a:xfrm>
+          <a:prstGeom prst="rect">
+            <a:avLst/>
+          </a:prstGeom>
+        </p:spPr>
+        <p:txBody>
+          <a:bodyPr vert="horz" lIns="91440" tIns="45720" rIns="91440" bIns="45720" rtlCol="0"/>
+          <a:lstStyle/>
+          <a:p>
+            <a:pPr lvl="0"/>
+            <a:r>
+              <a:rPr lang="en-US" smtClean="0"/>
+              <a:t>Click to edit Master text styles</a:t>
+            </a:r>
+          </a:p>
+          <a:p>
+            <a:pPr lvl="1"/>
+            <a:r>
+              <a:rPr lang="en-US" smtClean="0"/>
+              <a:t>Second level</a:t>
+            </a:r>
+          </a:p>
+          <a:p>
+            <a:pPr lvl="2"/>
+            <a:r>
+              <a:rPr lang="en-US" smtClean="0"/>
+              <a:t>Third level</a:t>
+            </a:r>
+          </a:p>
+          <a:p>
+            <a:pPr lvl="3"/>
+            <a:r>
+              <a:rPr lang="en-US" smtClean="0"/>
+              <a:t>Fourth level</a:t>
+            </a:r>
+          </a:p>
+          <a:p>
+            <a:pPr lvl="4"/>
+            <a:r>
+              <a:rPr lang="en-US" smtClean="0"/>
+              <a:t>Fifth level</a:t>
+            </a:r>
+            <a:endParaRPr lang="en-US"/>
+          </a:p>
+        </p:txBody>
+      </p:sp>
+      <p:sp>
+        <p:nvSpPr>
+          <p:cNvPr id="6" name="Footer Placeholder 5"/>
+          <p:cNvSpPr>
+            <a:spLocks noGrp="1"/>
+          </p:cNvSpPr>
+          <p:nvPr>
+            <p:ph type="ftr" sz="quarter" idx="4"/>
+          </p:nvPr>
+        </p:nvSpPr>
+        <p:spPr>
+          <a:xfrm>
+            <a:off x="0" y="8685213"/>
+            <a:ext cx="2971800" cy="457200"/>
+          </a:xfrm>
+          <a:prstGeom prst="rect">
+            <a:avLst/>
+          </a:prstGeom>
+        </p:spPr>
+        <p:txBody>
+          <a:bodyPr vert="horz" lIns="91440" tIns="45720" rIns="91440" bIns="45720" rtlCol="0" anchor="b"/>
+          <a:lstStyle>
+            <a:lvl1pPr algn="l">
+              <a:defRPr sz="1200"/>
+            </a:lvl1pPr>
+          </a:lstStyle>
+          <a:p>
+            <a:endParaRPr lang="en-US"/>
+          </a:p>
+        </p:txBody>
+      </p:sp>
+      <p:sp>
+        <p:nvSpPr>
+          <p:cNvPr id="7" name="Slide Number Placeholder 6"/>
+          <p:cNvSpPr>
+            <a:spLocks noGrp="1"/>
+          </p:cNvSpPr>
+          <p:nvPr>
+            <p:ph type="sldNum" sz="quarter" idx="5"/>
+          </p:nvPr>
+        </p:nvSpPr>
+        <p:spPr>
+          <a:xfrm>
+            <a:off x="3884613" y="8685213"/>
+            <a:ext cx="2971800" cy="457200"/>
+          </a:xfrm>
+          <a:prstGeom prst="rect">
+            <a:avLst/>
+          </a:prstGeom>
+        </p:spPr>
+        <p:txBody>
+          <a:bodyPr vert="horz" lIns="91440" tIns="45720" rIns="91440" bIns="45720" rtlCol="0" anchor="b"/>
+          <a:lstStyle>
+            <a:lvl1pPr algn="r">
+              <a:defRPr sz="1200"/>
+            </a:lvl1pPr>
+          </a:lstStyle>
+          <a:p>
+            <a:fld id="{1F2E0219-0E41-F742-95AC-09FF9046A077}" type="slidenum">
+              <a:rPr lang="en-US" smtClean="0"/>
+              <a:t>‹#›</a:t>
+            </a:fld>
+            <a:endParaRPr lang="en-US"/>
+          </a:p>
+        </p:txBody>
+      </p:sp>
+    </p:spTree>
+    <p:extLst>
+      <p:ext uri="{BB962C8B-B14F-4D97-AF65-F5344CB8AC3E}">
+        <p14:creationId xmlns:p14="http://schemas.microsoft.com/office/powerpoint/2010/main" val="1060764298"/>
+      </p:ext>
+    </p:extLst>
+  </p:cSld>
+  <p:clrMap bg1="lt1" tx1="dk1" bg2="lt2" tx2="dk2" accent1="accent1" accent2="accent2" accent3="accent3" accent4="accent4" accent5="accent5" accent6="accent6" hlink="hlink" folHlink="folHlink"/>
+  <p:notesStyle>
+    <a:lvl1pPr marL="0" algn="l" defTabSz="457200" rtl="0" eaLnBrk="1" latinLnBrk="0" hangingPunct="1">
+      <a:defRPr sz="1200" kern="1200">
+        <a:solidFill>
+          <a:schemeClr val="tx1"/>
+        </a:solidFill>
+        <a:latin typeface="+mn-lt"/>
+        <a:ea typeface="+mn-ea"/>
+        <a:cs typeface="+mn-cs"/>
+      </a:defRPr>
+    </a:lvl1pPr>
+    <a:lvl2pPr marL="457200" algn="l" defTabSz="457200" rtl="0" eaLnBrk="1" latinLnBrk="0" hangingPunct="1">
+      <a:defRPr sz="1200" kern="1200">
+        <a:solidFill>
+          <a:schemeClr val="tx1"/>
+        </a:solidFill>
+        <a:latin typeface="+mn-lt"/>
+        <a:ea typeface="+mn-ea"/>
+        <a:cs typeface="+mn-cs"/>
+      </a:defRPr>
+    </a:lvl2pPr>
+    <a:lvl3pPr marL="914400" algn="l" defTabSz="457200" rtl="0" eaLnBrk="1" latinLnBrk="0" hangingPunct="1">
+      <a:defRPr sz="1200" kern="1200">
+        <a:solidFill>
+          <a:schemeClr val="tx1"/>
+        </a:solidFill>
+        <a:latin typeface="+mn-lt"/>
+        <a:ea typeface="+mn-ea"/>
+        <a:cs typeface="+mn-cs"/>
+      </a:defRPr>
+    </a:lvl3pPr>
+    <a:lvl4pPr marL="1371600" algn="l" defTabSz="457200" rtl="0" eaLnBrk="1" latinLnBrk="0" hangingPunct="1">
+      <a:defRPr sz="1200" kern="1200">
+        <a:solidFill>
+          <a:schemeClr val="tx1"/>
+        </a:solidFill>
+        <a:latin typeface="+mn-lt"/>
+        <a:ea typeface="+mn-ea"/>
+        <a:cs typeface="+mn-cs"/>
+      </a:defRPr>
+    </a:lvl4pPr>
+    <a:lvl5pPr marL="1828800" algn="l" defTabSz="457200" rtl="0" eaLnBrk="1" latinLnBrk="0" hangingPunct="1">
+      <a:defRPr sz="1200" kern="1200">
+        <a:solidFill>
+          <a:schemeClr val="tx1"/>
+        </a:solidFill>
+        <a:latin typeface="+mn-lt"/>
+        <a:ea typeface="+mn-ea"/>
+        <a:cs typeface="+mn-cs"/>
+      </a:defRPr>
+    </a:lvl5pPr>
+    <a:lvl6pPr marL="2286000" algn="l" defTabSz="457200" rtl="0" eaLnBrk="1" latinLnBrk="0" hangingPunct="1">
+      <a:defRPr sz="1200" kern="1200">
+        <a:solidFill>
+          <a:schemeClr val="tx1"/>
+        </a:solidFill>
+        <a:latin typeface="+mn-lt"/>
+        <a:ea typeface="+mn-ea"/>
+        <a:cs typeface="+mn-cs"/>
+      </a:defRPr>
+    </a:lvl6pPr>
+    <a:lvl7pPr marL="2743200" algn="l" defTabSz="457200" rtl="0" eaLnBrk="1" latinLnBrk="0" hangingPunct="1">
+      <a:defRPr sz="1200" kern="1200">
+        <a:solidFill>
+          <a:schemeClr val="tx1"/>
+        </a:solidFill>
+        <a:latin typeface="+mn-lt"/>
+        <a:ea typeface="+mn-ea"/>
+        <a:cs typeface="+mn-cs"/>
+      </a:defRPr>
+    </a:lvl7pPr>
+    <a:lvl8pPr marL="3200400" algn="l" defTabSz="457200" rtl="0" eaLnBrk="1" latinLnBrk="0" hangingPunct="1">
+      <a:defRPr sz="1200" kern="1200">
+        <a:solidFill>
+          <a:schemeClr val="tx1"/>
+        </a:solidFill>
+        <a:latin typeface="+mn-lt"/>
+        <a:ea typeface="+mn-ea"/>
+        <a:cs typeface="+mn-cs"/>
+      </a:defRPr>
+    </a:lvl8pPr>
+    <a:lvl9pPr marL="3657600" algn="l" defTabSz="457200" rtl="0" eaLnBrk="1" latinLnBrk="0" hangingPunct="1">
+      <a:defRPr sz="1200" kern="1200">
+        <a:solidFill>
+          <a:schemeClr val="tx1"/>
+        </a:solidFill>
+        <a:latin typeface="+mn-lt"/>
+        <a:ea typeface="+mn-ea"/>
+        <a:cs typeface="+mn-cs"/>
+      </a:defRPr>
+    </a:lvl9pPr>
+  </p:notesStyle>
+</p:notesMaster>
+</file>
+
+<file path=ppt/notesSlides/notesSlide1.xml><?xml version="1.0" encoding="utf-8"?>
+<p:notes xmlns:a="http://schemas.openxmlformats.org/drawingml/2006/main" xmlns:r="http://schemas.openxmlformats.org/officeDocument/2006/relationships" xmlns:p="http://schemas.openxmlformats.org/presentationml/2006/main">
+  <p:cSld>
+    <p:spTree>
+      <p:nvGrpSpPr>
+        <p:cNvPr id="1" name=""/>
+        <p:cNvGrpSpPr/>
+        <p:nvPr/>
+      </p:nvGrpSpPr>
+      <p:grpSpPr>
+        <a:xfrm>
+          <a:off x="0" y="0"/>
+          <a:ext cx="0" cy="0"/>
+          <a:chOff x="0" y="0"/>
+          <a:chExt cx="0" cy="0"/>
+        </a:xfrm>
+      </p:grpSpPr>
+      <p:sp>
+        <p:nvSpPr>
+          <p:cNvPr id="2" name="Slide Image Placeholder 1"/>
+          <p:cNvSpPr>
+            <a:spLocks noGrp="1" noRot="1" noChangeAspect="1"/>
+          </p:cNvSpPr>
+          <p:nvPr>
+            <p:ph type="sldImg"/>
+          </p:nvPr>
+        </p:nvSpPr>
+        <p:spPr/>
+      </p:sp>
+      <p:sp>
+        <p:nvSpPr>
+          <p:cNvPr id="3" name="Notes Placeholder 2"/>
+          <p:cNvSpPr>
+            <a:spLocks noGrp="1"/>
+          </p:cNvSpPr>
+          <p:nvPr>
+            <p:ph type="body" idx="1"/>
+          </p:nvPr>
+        </p:nvSpPr>
+        <p:spPr/>
+        <p:txBody>
+          <a:bodyPr/>
+          <a:lstStyle/>
+          <a:p>
+            <a:endParaRPr lang="en-US"/>
+          </a:p>
+        </p:txBody>
+      </p:sp>
+      <p:sp>
+        <p:nvSpPr>
+          <p:cNvPr id="4" name="Slide Number Placeholder 3"/>
+          <p:cNvSpPr>
+            <a:spLocks noGrp="1"/>
+          </p:cNvSpPr>
+          <p:nvPr>
+            <p:ph type="sldNum" sz="quarter" idx="10"/>
+          </p:nvPr>
+        </p:nvSpPr>
+        <p:spPr/>
+        <p:txBody>
+          <a:bodyPr/>
+          <a:lstStyle/>
+          <a:p>
+            <a:fld id="{1F2E0219-0E41-F742-95AC-09FF9046A077}" type="slidenum">
+              <a:rPr lang="en-US" smtClean="0"/>
+              <a:t>2</a:t>
+            </a:fld>
+            <a:endParaRPr lang="en-US"/>
+          </a:p>
+        </p:txBody>
+      </p:sp>
+    </p:spTree>
+    <p:extLst>
+      <p:ext uri="{BB962C8B-B14F-4D97-AF65-F5344CB8AC3E}">
+        <p14:creationId xmlns:p14="http://schemas.microsoft.com/office/powerpoint/2010/main" val="4113243222"/>
+      </p:ext>
+    </p:extLst>
+  </p:cSld>
+  <p:clrMapOvr>
+    <a:masterClrMapping/>
+  </p:clrMapOvr>
+</p:notes>
+</file>
+
 <file path=ppt/slideLayouts/slideLayout1.xml><?xml version="1.0" encoding="utf-8"?>
 <p:sldLayout xmlns:a="http://schemas.openxmlformats.org/drawingml/2006/main" xmlns:r="http://schemas.openxmlformats.org/officeDocument/2006/relationships" xmlns:p="http://schemas.openxmlformats.org/presentationml/2006/main" type="title" preserve="1">
   <p:cSld name="Title Slide">
@@ -182,10 +624,10 @@
           <a:lstStyle/>
           <a:p>
             <a:r>
-              <a:rPr lang="en-US" smtClean="0"/>
+              <a:rPr lang="en-US" dirty="0" smtClean="0"/>
               <a:t>Click to edit Master title style</a:t>
             </a:r>
-            <a:endParaRPr lang="en-US"/>
+            <a:endParaRPr lang="en-US" dirty="0"/>
           </a:p>
         </p:txBody>
       </p:sp>
@@ -301,10 +743,10 @@
           </a:lstStyle>
           <a:p>
             <a:r>
-              <a:rPr lang="en-US" smtClean="0"/>
+              <a:rPr lang="en-US" dirty="0" smtClean="0"/>
               <a:t>Click to edit Master subtitle style</a:t>
             </a:r>
-            <a:endParaRPr lang="en-US"/>
+            <a:endParaRPr lang="en-US" dirty="0"/>
           </a:p>
         </p:txBody>
       </p:sp>
@@ -325,7 +767,7 @@
           <a:p>
             <a:fld id="{D535EA7C-FD01-9142-BA29-0F93DE6D4157}" type="datetimeFigureOut">
               <a:rPr lang="en-US" smtClean="0"/>
-              <a:t>12/13/14</a:t>
+              <a:t>1/8/16</a:t>
             </a:fld>
             <a:endParaRPr lang="en-US"/>
           </a:p>
@@ -495,7 +937,7 @@
           <a:p>
             <a:fld id="{D535EA7C-FD01-9142-BA29-0F93DE6D4157}" type="datetimeFigureOut">
               <a:rPr lang="en-US" smtClean="0"/>
-              <a:t>12/13/14</a:t>
+              <a:t>1/8/16</a:t>
             </a:fld>
             <a:endParaRPr lang="en-US"/>
           </a:p>
@@ -675,7 +1117,7 @@
           <a:p>
             <a:fld id="{D535EA7C-FD01-9142-BA29-0F93DE6D4157}" type="datetimeFigureOut">
               <a:rPr lang="en-US" smtClean="0"/>
-              <a:t>12/13/14</a:t>
+              <a:t>1/8/16</a:t>
             </a:fld>
             <a:endParaRPr lang="en-US"/>
           </a:p>
@@ -763,16 +1205,25 @@
             <p:ph type="title"/>
           </p:nvPr>
         </p:nvSpPr>
-        <p:spPr/>
+        <p:spPr>
+          <a:xfrm>
+            <a:off x="457200" y="274638"/>
+            <a:ext cx="6383177" cy="1143000"/>
+          </a:xfrm>
+        </p:spPr>
         <p:txBody>
           <a:bodyPr/>
-          <a:lstStyle/>
-          <a:p>
-            <a:r>
-              <a:rPr lang="en-US" smtClean="0"/>
+          <a:lstStyle>
+            <a:lvl1pPr algn="l">
+              <a:defRPr/>
+            </a:lvl1pPr>
+          </a:lstStyle>
+          <a:p>
+            <a:r>
+              <a:rPr lang="en-US" dirty="0" smtClean="0"/>
               <a:t>Click to edit Master title style</a:t>
             </a:r>
-            <a:endParaRPr lang="en-US"/>
+            <a:endParaRPr lang="en-US" dirty="0"/>
           </a:p>
         </p:txBody>
       </p:sp>
@@ -845,7 +1296,7 @@
           <a:p>
             <a:fld id="{D535EA7C-FD01-9142-BA29-0F93DE6D4157}" type="datetimeFigureOut">
               <a:rPr lang="en-US" smtClean="0"/>
-              <a:t>12/13/14</a:t>
+              <a:t>1/8/16</a:t>
             </a:fld>
             <a:endParaRPr lang="en-US"/>
           </a:p>
@@ -893,6 +1344,80 @@
           </a:p>
         </p:txBody>
       </p:sp>
+      <p:pic>
+        <p:nvPicPr>
+          <p:cNvPr id="7" name="Picture 6" descr="robotpy.png"/>
+          <p:cNvPicPr>
+            <a:picLocks noChangeAspect="1"/>
+          </p:cNvPicPr>
+          <p:nvPr userDrawn="1"/>
+        </p:nvPicPr>
+        <p:blipFill rotWithShape="1">
+          <a:blip r:embed="rId2">
+            <a:extLst>
+              <a:ext uri="{28A0092B-C50C-407E-A947-70E740481C1C}">
+                <a14:useLocalDpi xmlns:a14="http://schemas.microsoft.com/office/drawing/2010/main" val="0"/>
+              </a:ext>
+            </a:extLst>
+          </a:blip>
+          <a:srcRect l="17790" t="5233" r="10473"/>
+          <a:stretch/>
+        </p:blipFill>
+        <p:spPr>
+          <a:xfrm>
+            <a:off x="6840377" y="274638"/>
+            <a:ext cx="2303623" cy="1014408"/>
+          </a:xfrm>
+          <a:prstGeom prst="rect">
+            <a:avLst/>
+          </a:prstGeom>
+        </p:spPr>
+      </p:pic>
+      <p:cxnSp>
+        <p:nvCxnSpPr>
+          <p:cNvPr id="8" name="Straight Connector 7"/>
+          <p:cNvCxnSpPr/>
+          <p:nvPr userDrawn="1"/>
+        </p:nvCxnSpPr>
+        <p:spPr>
+          <a:xfrm>
+            <a:off x="0" y="1417638"/>
+            <a:ext cx="9144000" cy="0"/>
+          </a:xfrm>
+          <a:prstGeom prst="line">
+            <a:avLst/>
+          </a:prstGeom>
+          <a:ln w="76200" cmpd="sng">
+            <a:gradFill flip="none" rotWithShape="1">
+              <a:gsLst>
+                <a:gs pos="0">
+                  <a:srgbClr val="1DA4FE"/>
+                </a:gs>
+                <a:gs pos="100000">
+                  <a:prstClr val="white"/>
+                </a:gs>
+              </a:gsLst>
+              <a:lin ang="0" scaled="1"/>
+              <a:tileRect/>
+            </a:gradFill>
+          </a:ln>
+          <a:effectLst/>
+        </p:spPr>
+        <p:style>
+          <a:lnRef idx="2">
+            <a:schemeClr val="accent1"/>
+          </a:lnRef>
+          <a:fillRef idx="0">
+            <a:schemeClr val="accent1"/>
+          </a:fillRef>
+          <a:effectRef idx="1">
+            <a:schemeClr val="accent1"/>
+          </a:effectRef>
+          <a:fontRef idx="minor">
+            <a:schemeClr val="tx1"/>
+          </a:fontRef>
+        </p:style>
+      </p:cxnSp>
     </p:spTree>
     <p:extLst>
       <p:ext uri="{BB962C8B-B14F-4D97-AF65-F5344CB8AC3E}">
@@ -1091,7 +1616,7 @@
           <a:p>
             <a:fld id="{D535EA7C-FD01-9142-BA29-0F93DE6D4157}" type="datetimeFigureOut">
               <a:rPr lang="en-US" smtClean="0"/>
-              <a:t>12/13/14</a:t>
+              <a:t>1/8/16</a:t>
             </a:fld>
             <a:endParaRPr lang="en-US"/>
           </a:p>
@@ -1179,16 +1704,25 @@
             <p:ph type="title"/>
           </p:nvPr>
         </p:nvSpPr>
-        <p:spPr/>
+        <p:spPr>
+          <a:xfrm>
+            <a:off x="457200" y="274638"/>
+            <a:ext cx="6096000" cy="1143000"/>
+          </a:xfrm>
+        </p:spPr>
         <p:txBody>
           <a:bodyPr/>
-          <a:lstStyle/>
-          <a:p>
-            <a:r>
-              <a:rPr lang="en-US" smtClean="0"/>
+          <a:lstStyle>
+            <a:lvl1pPr algn="l">
+              <a:defRPr/>
+            </a:lvl1pPr>
+          </a:lstStyle>
+          <a:p>
+            <a:r>
+              <a:rPr lang="en-US" dirty="0" smtClean="0"/>
               <a:t>Click to edit Master title style</a:t>
             </a:r>
-            <a:endParaRPr lang="en-US"/>
+            <a:endParaRPr lang="en-US" dirty="0"/>
           </a:p>
         </p:txBody>
       </p:sp>
@@ -1379,7 +1913,7 @@
           <a:p>
             <a:fld id="{D535EA7C-FD01-9142-BA29-0F93DE6D4157}" type="datetimeFigureOut">
               <a:rPr lang="en-US" smtClean="0"/>
-              <a:t>12/13/14</a:t>
+              <a:t>1/8/16</a:t>
             </a:fld>
             <a:endParaRPr lang="en-US"/>
           </a:p>
@@ -1427,6 +1961,80 @@
           </a:p>
         </p:txBody>
       </p:sp>
+      <p:pic>
+        <p:nvPicPr>
+          <p:cNvPr id="8" name="Picture 7" descr="robotpy.png"/>
+          <p:cNvPicPr>
+            <a:picLocks noChangeAspect="1"/>
+          </p:cNvPicPr>
+          <p:nvPr userDrawn="1"/>
+        </p:nvPicPr>
+        <p:blipFill rotWithShape="1">
+          <a:blip r:embed="rId2">
+            <a:extLst>
+              <a:ext uri="{28A0092B-C50C-407E-A947-70E740481C1C}">
+                <a14:useLocalDpi xmlns:a14="http://schemas.microsoft.com/office/drawing/2010/main" val="0"/>
+              </a:ext>
+            </a:extLst>
+          </a:blip>
+          <a:srcRect l="17790" t="5233" r="10473"/>
+          <a:stretch/>
+        </p:blipFill>
+        <p:spPr>
+          <a:xfrm>
+            <a:off x="6840377" y="274638"/>
+            <a:ext cx="2303623" cy="1014408"/>
+          </a:xfrm>
+          <a:prstGeom prst="rect">
+            <a:avLst/>
+          </a:prstGeom>
+        </p:spPr>
+      </p:pic>
+      <p:cxnSp>
+        <p:nvCxnSpPr>
+          <p:cNvPr id="9" name="Straight Connector 8"/>
+          <p:cNvCxnSpPr/>
+          <p:nvPr userDrawn="1"/>
+        </p:nvCxnSpPr>
+        <p:spPr>
+          <a:xfrm>
+            <a:off x="0" y="1417638"/>
+            <a:ext cx="9144000" cy="0"/>
+          </a:xfrm>
+          <a:prstGeom prst="line">
+            <a:avLst/>
+          </a:prstGeom>
+          <a:ln w="76200" cmpd="sng">
+            <a:gradFill flip="none" rotWithShape="1">
+              <a:gsLst>
+                <a:gs pos="0">
+                  <a:srgbClr val="1DA4FE"/>
+                </a:gs>
+                <a:gs pos="100000">
+                  <a:prstClr val="white"/>
+                </a:gs>
+              </a:gsLst>
+              <a:lin ang="0" scaled="1"/>
+              <a:tileRect/>
+            </a:gradFill>
+          </a:ln>
+          <a:effectLst/>
+        </p:spPr>
+        <p:style>
+          <a:lnRef idx="2">
+            <a:schemeClr val="accent1"/>
+          </a:lnRef>
+          <a:fillRef idx="0">
+            <a:schemeClr val="accent1"/>
+          </a:fillRef>
+          <a:effectRef idx="1">
+            <a:schemeClr val="accent1"/>
+          </a:effectRef>
+          <a:fontRef idx="minor">
+            <a:schemeClr val="tx1"/>
+          </a:fontRef>
+        </p:style>
+      </p:cxnSp>
     </p:spTree>
     <p:extLst>
       <p:ext uri="{BB962C8B-B14F-4D97-AF65-F5344CB8AC3E}">
@@ -1467,20 +2075,25 @@
             <p:ph type="title"/>
           </p:nvPr>
         </p:nvSpPr>
-        <p:spPr/>
+        <p:spPr>
+          <a:xfrm>
+            <a:off x="457200" y="274638"/>
+            <a:ext cx="6096000" cy="1143000"/>
+          </a:xfrm>
+        </p:spPr>
         <p:txBody>
           <a:bodyPr/>
           <a:lstStyle>
-            <a:lvl1pPr>
+            <a:lvl1pPr algn="l">
               <a:defRPr/>
             </a:lvl1pPr>
           </a:lstStyle>
           <a:p>
             <a:r>
-              <a:rPr lang="en-US" smtClean="0"/>
+              <a:rPr lang="en-US" dirty="0" smtClean="0"/>
               <a:t>Click to edit Master title style</a:t>
             </a:r>
-            <a:endParaRPr lang="en-US"/>
+            <a:endParaRPr lang="en-US" dirty="0"/>
           </a:p>
         </p:txBody>
       </p:sp>
@@ -1543,7 +2156,7 @@
           <a:p>
             <a:pPr lvl="0"/>
             <a:r>
-              <a:rPr lang="en-US" smtClean="0"/>
+              <a:rPr lang="en-US" dirty="0" smtClean="0"/>
               <a:t>Click to edit Master text styles</a:t>
             </a:r>
           </a:p>
@@ -1801,7 +2414,7 @@
           <a:p>
             <a:fld id="{D535EA7C-FD01-9142-BA29-0F93DE6D4157}" type="datetimeFigureOut">
               <a:rPr lang="en-US" smtClean="0"/>
-              <a:t>12/13/14</a:t>
+              <a:t>1/8/16</a:t>
             </a:fld>
             <a:endParaRPr lang="en-US"/>
           </a:p>
@@ -1849,6 +2462,80 @@
           </a:p>
         </p:txBody>
       </p:sp>
+      <p:pic>
+        <p:nvPicPr>
+          <p:cNvPr id="10" name="Picture 9" descr="robotpy.png"/>
+          <p:cNvPicPr>
+            <a:picLocks noChangeAspect="1"/>
+          </p:cNvPicPr>
+          <p:nvPr userDrawn="1"/>
+        </p:nvPicPr>
+        <p:blipFill rotWithShape="1">
+          <a:blip r:embed="rId2">
+            <a:extLst>
+              <a:ext uri="{28A0092B-C50C-407E-A947-70E740481C1C}">
+                <a14:useLocalDpi xmlns:a14="http://schemas.microsoft.com/office/drawing/2010/main" val="0"/>
+              </a:ext>
+            </a:extLst>
+          </a:blip>
+          <a:srcRect l="17790" t="5233" r="10473"/>
+          <a:stretch/>
+        </p:blipFill>
+        <p:spPr>
+          <a:xfrm>
+            <a:off x="6840377" y="274638"/>
+            <a:ext cx="2303623" cy="1014408"/>
+          </a:xfrm>
+          <a:prstGeom prst="rect">
+            <a:avLst/>
+          </a:prstGeom>
+        </p:spPr>
+      </p:pic>
+      <p:cxnSp>
+        <p:nvCxnSpPr>
+          <p:cNvPr id="11" name="Straight Connector 10"/>
+          <p:cNvCxnSpPr/>
+          <p:nvPr userDrawn="1"/>
+        </p:nvCxnSpPr>
+        <p:spPr>
+          <a:xfrm>
+            <a:off x="0" y="1417638"/>
+            <a:ext cx="9144000" cy="0"/>
+          </a:xfrm>
+          <a:prstGeom prst="line">
+            <a:avLst/>
+          </a:prstGeom>
+          <a:ln w="76200" cmpd="sng">
+            <a:gradFill flip="none" rotWithShape="1">
+              <a:gsLst>
+                <a:gs pos="0">
+                  <a:srgbClr val="1DA4FE"/>
+                </a:gs>
+                <a:gs pos="100000">
+                  <a:prstClr val="white"/>
+                </a:gs>
+              </a:gsLst>
+              <a:lin ang="0" scaled="1"/>
+              <a:tileRect/>
+            </a:gradFill>
+          </a:ln>
+          <a:effectLst/>
+        </p:spPr>
+        <p:style>
+          <a:lnRef idx="2">
+            <a:schemeClr val="accent1"/>
+          </a:lnRef>
+          <a:fillRef idx="0">
+            <a:schemeClr val="accent1"/>
+          </a:fillRef>
+          <a:effectRef idx="1">
+            <a:schemeClr val="accent1"/>
+          </a:effectRef>
+          <a:fontRef idx="minor">
+            <a:schemeClr val="tx1"/>
+          </a:fontRef>
+        </p:style>
+      </p:cxnSp>
     </p:spTree>
     <p:extLst>
       <p:ext uri="{BB962C8B-B14F-4D97-AF65-F5344CB8AC3E}">
@@ -1889,16 +2576,25 @@
             <p:ph type="title"/>
           </p:nvPr>
         </p:nvSpPr>
-        <p:spPr/>
+        <p:spPr>
+          <a:xfrm>
+            <a:off x="457200" y="274638"/>
+            <a:ext cx="6096000" cy="1143000"/>
+          </a:xfrm>
+        </p:spPr>
         <p:txBody>
           <a:bodyPr/>
-          <a:lstStyle/>
-          <a:p>
-            <a:r>
-              <a:rPr lang="en-US" smtClean="0"/>
+          <a:lstStyle>
+            <a:lvl1pPr algn="l">
+              <a:defRPr/>
+            </a:lvl1pPr>
+          </a:lstStyle>
+          <a:p>
+            <a:r>
+              <a:rPr lang="en-US" dirty="0" smtClean="0"/>
               <a:t>Click to edit Master title style</a:t>
             </a:r>
-            <a:endParaRPr lang="en-US"/>
+            <a:endParaRPr lang="en-US" dirty="0"/>
           </a:p>
         </p:txBody>
       </p:sp>
@@ -1919,7 +2615,7 @@
           <a:p>
             <a:fld id="{D535EA7C-FD01-9142-BA29-0F93DE6D4157}" type="datetimeFigureOut">
               <a:rPr lang="en-US" smtClean="0"/>
-              <a:t>12/13/14</a:t>
+              <a:t>1/8/16</a:t>
             </a:fld>
             <a:endParaRPr lang="en-US"/>
           </a:p>
@@ -1967,6 +2663,80 @@
           </a:p>
         </p:txBody>
       </p:sp>
+      <p:pic>
+        <p:nvPicPr>
+          <p:cNvPr id="6" name="Picture 5" descr="robotpy.png"/>
+          <p:cNvPicPr>
+            <a:picLocks noChangeAspect="1"/>
+          </p:cNvPicPr>
+          <p:nvPr userDrawn="1"/>
+        </p:nvPicPr>
+        <p:blipFill rotWithShape="1">
+          <a:blip r:embed="rId2">
+            <a:extLst>
+              <a:ext uri="{28A0092B-C50C-407E-A947-70E740481C1C}">
+                <a14:useLocalDpi xmlns:a14="http://schemas.microsoft.com/office/drawing/2010/main" val="0"/>
+              </a:ext>
+            </a:extLst>
+          </a:blip>
+          <a:srcRect l="17790" t="5233" r="10473"/>
+          <a:stretch/>
+        </p:blipFill>
+        <p:spPr>
+          <a:xfrm>
+            <a:off x="6840377" y="274638"/>
+            <a:ext cx="2303623" cy="1014408"/>
+          </a:xfrm>
+          <a:prstGeom prst="rect">
+            <a:avLst/>
+          </a:prstGeom>
+        </p:spPr>
+      </p:pic>
+      <p:cxnSp>
+        <p:nvCxnSpPr>
+          <p:cNvPr id="7" name="Straight Connector 6"/>
+          <p:cNvCxnSpPr/>
+          <p:nvPr userDrawn="1"/>
+        </p:nvCxnSpPr>
+        <p:spPr>
+          <a:xfrm>
+            <a:off x="0" y="1417638"/>
+            <a:ext cx="9144000" cy="0"/>
+          </a:xfrm>
+          <a:prstGeom prst="line">
+            <a:avLst/>
+          </a:prstGeom>
+          <a:ln w="76200" cmpd="sng">
+            <a:gradFill flip="none" rotWithShape="1">
+              <a:gsLst>
+                <a:gs pos="0">
+                  <a:srgbClr val="1DA4FE"/>
+                </a:gs>
+                <a:gs pos="100000">
+                  <a:prstClr val="white"/>
+                </a:gs>
+              </a:gsLst>
+              <a:lin ang="0" scaled="1"/>
+              <a:tileRect/>
+            </a:gradFill>
+          </a:ln>
+          <a:effectLst/>
+        </p:spPr>
+        <p:style>
+          <a:lnRef idx="2">
+            <a:schemeClr val="accent1"/>
+          </a:lnRef>
+          <a:fillRef idx="0">
+            <a:schemeClr val="accent1"/>
+          </a:fillRef>
+          <a:effectRef idx="1">
+            <a:schemeClr val="accent1"/>
+          </a:effectRef>
+          <a:fontRef idx="minor">
+            <a:schemeClr val="tx1"/>
+          </a:fontRef>
+        </p:style>
+      </p:cxnSp>
     </p:spTree>
     <p:extLst>
       <p:ext uri="{BB962C8B-B14F-4D97-AF65-F5344CB8AC3E}">
@@ -2014,7 +2784,7 @@
           <a:p>
             <a:fld id="{D535EA7C-FD01-9142-BA29-0F93DE6D4157}" type="datetimeFigureOut">
               <a:rPr lang="en-US" smtClean="0"/>
-              <a:t>12/13/14</a:t>
+              <a:t>1/8/16</a:t>
             </a:fld>
             <a:endParaRPr lang="en-US"/>
           </a:p>
@@ -2291,7 +3061,7 @@
           <a:p>
             <a:fld id="{D535EA7C-FD01-9142-BA29-0F93DE6D4157}" type="datetimeFigureOut">
               <a:rPr lang="en-US" smtClean="0"/>
-              <a:t>12/13/14</a:t>
+              <a:t>1/8/16</a:t>
             </a:fld>
             <a:endParaRPr lang="en-US"/>
           </a:p>
@@ -2544,7 +3314,7 @@
           <a:p>
             <a:fld id="{D535EA7C-FD01-9142-BA29-0F93DE6D4157}" type="datetimeFigureOut">
               <a:rPr lang="en-US" smtClean="0"/>
-              <a:t>12/13/14</a:t>
+              <a:t>1/8/16</a:t>
             </a:fld>
             <a:endParaRPr lang="en-US"/>
           </a:p>
@@ -2653,10 +3423,10 @@
           <a:lstStyle/>
           <a:p>
             <a:r>
-              <a:rPr lang="en-US" smtClean="0"/>
+              <a:rPr lang="en-US" dirty="0" smtClean="0"/>
               <a:t>Click to edit Master title style</a:t>
             </a:r>
-            <a:endParaRPr lang="en-US"/>
+            <a:endParaRPr lang="en-US" dirty="0"/>
           </a:p>
         </p:txBody>
       </p:sp>
@@ -2687,38 +3457,38 @@
           <a:p>
             <a:pPr lvl="0"/>
             <a:r>
-              <a:rPr lang="en-US" smtClean="0"/>
+              <a:rPr lang="en-US" dirty="0" smtClean="0"/>
               <a:t>Click to edit Master text styles</a:t>
             </a:r>
           </a:p>
           <a:p>
             <a:pPr lvl="1"/>
             <a:r>
-              <a:rPr lang="en-US" smtClean="0"/>
+              <a:rPr lang="en-US" dirty="0" smtClean="0"/>
               <a:t>Second level</a:t>
             </a:r>
           </a:p>
           <a:p>
             <a:pPr lvl="2"/>
             <a:r>
-              <a:rPr lang="en-US" smtClean="0"/>
+              <a:rPr lang="en-US" dirty="0" smtClean="0"/>
               <a:t>Third level</a:t>
             </a:r>
           </a:p>
           <a:p>
             <a:pPr lvl="3"/>
             <a:r>
-              <a:rPr lang="en-US" smtClean="0"/>
+              <a:rPr lang="en-US" dirty="0" smtClean="0"/>
               <a:t>Fourth level</a:t>
             </a:r>
           </a:p>
           <a:p>
             <a:pPr lvl="4"/>
             <a:r>
-              <a:rPr lang="en-US" smtClean="0"/>
+              <a:rPr lang="en-US" dirty="0" smtClean="0"/>
               <a:t>Fifth level</a:t>
             </a:r>
-            <a:endParaRPr lang="en-US"/>
+            <a:endParaRPr lang="en-US" dirty="0"/>
           </a:p>
         </p:txBody>
       </p:sp>
@@ -2757,7 +3527,7 @@
           <a:p>
             <a:fld id="{D535EA7C-FD01-9142-BA29-0F93DE6D4157}" type="datetimeFigureOut">
               <a:rPr lang="en-US" smtClean="0"/>
-              <a:t>12/13/14</a:t>
+              <a:t>1/8/16</a:t>
             </a:fld>
             <a:endParaRPr lang="en-US"/>
           </a:p>
@@ -2862,6 +3632,13 @@
     <p:sldLayoutId id="2147483658" r:id="rId10"/>
     <p:sldLayoutId id="2147483659" r:id="rId11"/>
   </p:sldLayoutIdLst>
+  <p:timing>
+    <p:tnLst>
+      <p:par>
+        <p:cTn xmlns:p14="http://schemas.microsoft.com/office/powerpoint/2010/main" id="1" dur="indefinite" restart="never" nodeType="tmRoot"/>
+      </p:par>
+    </p:tnLst>
+  </p:timing>
   <p:txStyles>
     <p:titleStyle>
       <a:lvl1pPr algn="ctr" defTabSz="457200" rtl="0" eaLnBrk="1" latinLnBrk="0" hangingPunct="1">
@@ -2869,13 +3646,13 @@
           <a:spcPct val="0"/>
         </a:spcBef>
         <a:buNone/>
-        <a:defRPr sz="4400" kern="1200">
+        <a:defRPr sz="4400" b="0" i="0" kern="1200">
           <a:solidFill>
             <a:schemeClr val="tx1"/>
           </a:solidFill>
-          <a:latin typeface="+mj-lt"/>
+          <a:latin typeface="Roboto Condensed Regular"/>
           <a:ea typeface="+mj-ea"/>
-          <a:cs typeface="+mj-cs"/>
+          <a:cs typeface="Roboto Condensed Regular"/>
         </a:defRPr>
       </a:lvl1pPr>
     </p:titleStyle>
@@ -2886,13 +3663,13 @@
         </a:spcBef>
         <a:buFont typeface="Arial"/>
         <a:buChar char="•"/>
-        <a:defRPr sz="3200" kern="1200">
+        <a:defRPr sz="3200" b="0" i="0" kern="1200" spc="30">
           <a:solidFill>
             <a:schemeClr val="tx1"/>
           </a:solidFill>
-          <a:latin typeface="+mn-lt"/>
+          <a:latin typeface="Roboto Light"/>
           <a:ea typeface="+mn-ea"/>
-          <a:cs typeface="+mn-cs"/>
+          <a:cs typeface="Roboto Light"/>
         </a:defRPr>
       </a:lvl1pPr>
       <a:lvl2pPr marL="742950" indent="-285750" algn="l" defTabSz="457200" rtl="0" eaLnBrk="1" latinLnBrk="0" hangingPunct="1">
@@ -2901,13 +3678,13 @@
         </a:spcBef>
         <a:buFont typeface="Arial"/>
         <a:buChar char="–"/>
-        <a:defRPr sz="2800" kern="1200">
+        <a:defRPr sz="2800" b="0" i="0" kern="1200" spc="30">
           <a:solidFill>
             <a:schemeClr val="tx1"/>
           </a:solidFill>
-          <a:latin typeface="+mn-lt"/>
+          <a:latin typeface="Roboto Light"/>
           <a:ea typeface="+mn-ea"/>
-          <a:cs typeface="+mn-cs"/>
+          <a:cs typeface="Roboto Light"/>
         </a:defRPr>
       </a:lvl2pPr>
       <a:lvl3pPr marL="1143000" indent="-228600" algn="l" defTabSz="457200" rtl="0" eaLnBrk="1" latinLnBrk="0" hangingPunct="1">
@@ -2916,13 +3693,13 @@
         </a:spcBef>
         <a:buFont typeface="Arial"/>
         <a:buChar char="•"/>
-        <a:defRPr sz="2400" kern="1200">
+        <a:defRPr sz="2400" b="0" i="0" kern="1200" spc="30">
           <a:solidFill>
             <a:schemeClr val="tx1"/>
           </a:solidFill>
-          <a:latin typeface="+mn-lt"/>
+          <a:latin typeface="Roboto Light"/>
           <a:ea typeface="+mn-ea"/>
-          <a:cs typeface="+mn-cs"/>
+          <a:cs typeface="Roboto Light"/>
         </a:defRPr>
       </a:lvl3pPr>
       <a:lvl4pPr marL="1600200" indent="-228600" algn="l" defTabSz="457200" rtl="0" eaLnBrk="1" latinLnBrk="0" hangingPunct="1">
@@ -2931,13 +3708,13 @@
         </a:spcBef>
         <a:buFont typeface="Arial"/>
         <a:buChar char="–"/>
-        <a:defRPr sz="2000" kern="1200">
+        <a:defRPr sz="2000" b="0" i="0" kern="1200" spc="30">
           <a:solidFill>
             <a:schemeClr val="tx1"/>
           </a:solidFill>
-          <a:latin typeface="+mn-lt"/>
+          <a:latin typeface="Roboto Light"/>
           <a:ea typeface="+mn-ea"/>
-          <a:cs typeface="+mn-cs"/>
+          <a:cs typeface="Roboto Light"/>
         </a:defRPr>
       </a:lvl4pPr>
       <a:lvl5pPr marL="2057400" indent="-228600" algn="l" defTabSz="457200" rtl="0" eaLnBrk="1" latinLnBrk="0" hangingPunct="1">
@@ -2946,13 +3723,13 @@
         </a:spcBef>
         <a:buFont typeface="Arial"/>
         <a:buChar char="»"/>
-        <a:defRPr sz="2000" kern="1200">
+        <a:defRPr sz="2000" b="0" i="0" kern="1200" spc="30">
           <a:solidFill>
             <a:schemeClr val="tx1"/>
           </a:solidFill>
-          <a:latin typeface="+mn-lt"/>
+          <a:latin typeface="Roboto Light"/>
           <a:ea typeface="+mn-ea"/>
-          <a:cs typeface="+mn-cs"/>
+          <a:cs typeface="Roboto Light"/>
         </a:defRPr>
       </a:lvl5pPr>
       <a:lvl6pPr marL="2514600" indent="-228600" algn="l" defTabSz="457200" rtl="0" eaLnBrk="1" latinLnBrk="0" hangingPunct="1">
@@ -3142,25 +3919,19 @@
             <p:ph type="ctrTitle"/>
           </p:nvPr>
         </p:nvSpPr>
-        <p:spPr/>
+        <p:spPr>
+          <a:xfrm>
+            <a:off x="685800" y="3003622"/>
+            <a:ext cx="7772400" cy="1470025"/>
+          </a:xfrm>
+        </p:spPr>
         <p:txBody>
           <a:bodyPr/>
           <a:lstStyle/>
           <a:p>
             <a:r>
               <a:rPr lang="en-US" dirty="0" smtClean="0"/>
-              <a:t>Introduction to</a:t>
-            </a:r>
-            <a:br>
-              <a:rPr lang="en-US" dirty="0" smtClean="0"/>
-            </a:br>
-            <a:r>
-              <a:rPr lang="en-US" dirty="0" err="1" smtClean="0"/>
-              <a:t>RobotPy</a:t>
-            </a:r>
-            <a:r>
-              <a:rPr lang="en-US" dirty="0" smtClean="0"/>
-              <a:t> &amp; pyfrc simulator</a:t>
+              <a:t>Robot programming &amp; simulation using Python</a:t>
             </a:r>
             <a:endParaRPr lang="en-US" dirty="0"/>
           </a:p>
@@ -3176,7 +3947,12 @@
             <p:ph type="subTitle" idx="1"/>
           </p:nvPr>
         </p:nvSpPr>
-        <p:spPr/>
+        <p:spPr>
+          <a:xfrm>
+            <a:off x="1371600" y="4762500"/>
+            <a:ext cx="6400800" cy="1752600"/>
+          </a:xfrm>
+        </p:spPr>
         <p:txBody>
           <a:bodyPr>
             <a:normAutofit fontScale="85000" lnSpcReduction="20000"/>
@@ -3185,13 +3961,13 @@
           <a:p>
             <a:r>
               <a:rPr lang="en-US" dirty="0" smtClean="0"/>
-              <a:t>Dustin Spicuzza (Team 1418)</a:t>
-            </a:r>
-          </a:p>
-          <a:p>
-            <a:r>
-              <a:rPr lang="en-US" dirty="0" smtClean="0"/>
-              <a:t>December 13, 2014</a:t>
+              <a:t>Dustin Spicuzza (Team 2423)</a:t>
+            </a:r>
+          </a:p>
+          <a:p>
+            <a:r>
+              <a:rPr lang="en-US" dirty="0" smtClean="0"/>
+              <a:t>January 9, 2015</a:t>
             </a:r>
           </a:p>
           <a:p>
@@ -3200,12 +3976,46 @@
           <a:p>
             <a:r>
               <a:rPr lang="en-US" dirty="0" smtClean="0"/>
-              <a:t>Team 1418 Workshops</a:t>
+              <a:t>NEU Kickoff </a:t>
+            </a:r>
+            <a:r>
+              <a:rPr lang="en-US" dirty="0" smtClean="0"/>
+              <a:t>Seminar</a:t>
             </a:r>
             <a:endParaRPr lang="en-US" dirty="0"/>
           </a:p>
         </p:txBody>
       </p:sp>
+      <p:pic>
+        <p:nvPicPr>
+          <p:cNvPr id="4" name="Picture 3" descr="robotpy.png"/>
+          <p:cNvPicPr>
+            <a:picLocks noChangeAspect="1"/>
+          </p:cNvPicPr>
+          <p:nvPr/>
+        </p:nvPicPr>
+        <p:blipFill>
+          <a:blip r:embed="rId2">
+            <a:extLst>
+              <a:ext uri="{28A0092B-C50C-407E-A947-70E740481C1C}">
+                <a14:useLocalDpi xmlns:a14="http://schemas.microsoft.com/office/drawing/2010/main" val="0"/>
+              </a:ext>
+            </a:extLst>
+          </a:blip>
+          <a:stretch>
+            <a:fillRect/>
+          </a:stretch>
+        </p:blipFill>
+        <p:spPr>
+          <a:xfrm>
+            <a:off x="0" y="18270"/>
+            <a:ext cx="9144000" cy="3048000"/>
+          </a:xfrm>
+          <a:prstGeom prst="rect">
+            <a:avLst/>
+          </a:prstGeom>
+        </p:spPr>
+      </p:pic>
     </p:spTree>
     <p:extLst>
       <p:ext uri="{BB962C8B-B14F-4D97-AF65-F5344CB8AC3E}">
@@ -3216,6 +4026,13 @@
   <p:clrMapOvr>
     <a:masterClrMapping/>
   </p:clrMapOvr>
+  <p:timing>
+    <p:tnLst>
+      <p:par>
+        <p:cTn xmlns:p14="http://schemas.microsoft.com/office/powerpoint/2010/main" id="1" dur="indefinite" restart="never" nodeType="tmRoot"/>
+      </p:par>
+    </p:tnLst>
+  </p:timing>
 </p:sld>
 </file>
 
@@ -3253,7 +4070,7 @@
           <a:p>
             <a:r>
               <a:rPr lang="en-US" dirty="0" smtClean="0"/>
-              <a:t>Quick Demo</a:t>
+              <a:t>Why Not Python?</a:t>
             </a:r>
             <a:endParaRPr lang="en-US" dirty="0"/>
           </a:p>
@@ -3276,28 +4093,34 @@
           <a:p>
             <a:r>
               <a:rPr lang="en-US" dirty="0" smtClean="0"/>
-              <a:t>Team 1418’s robot code for 2014</a:t>
+              <a:t>Spacing matters</a:t>
             </a:r>
           </a:p>
           <a:p>
             <a:pPr lvl="1"/>
             <a:r>
               <a:rPr lang="en-US" dirty="0" smtClean="0"/>
-              <a:t>Same code runs on the Robot &amp; on your PC</a:t>
+              <a:t>Indentation is syntax</a:t>
+            </a:r>
+          </a:p>
+          <a:p>
+            <a:r>
+              <a:rPr lang="en-US" dirty="0" smtClean="0"/>
+              <a:t>Requires that you actually test your code</a:t>
             </a:r>
           </a:p>
           <a:p>
             <a:pPr lvl="1"/>
             <a:r>
               <a:rPr lang="en-US" dirty="0" smtClean="0"/>
-              <a:t>Running as simulation with pyfrc</a:t>
+              <a:t>Syntax error or mistyping something could crash your code</a:t>
             </a:r>
           </a:p>
           <a:p>
             <a:pPr lvl="1"/>
             <a:r>
               <a:rPr lang="en-US" dirty="0" smtClean="0"/>
-              <a:t>Supports connection to UI on driver station laptop</a:t>
+              <a:t>You DO test your code, right?</a:t>
             </a:r>
             <a:endParaRPr lang="en-US" dirty="0"/>
           </a:p>
@@ -3306,13 +4129,20 @@
     </p:spTree>
     <p:extLst>
       <p:ext uri="{BB962C8B-B14F-4D97-AF65-F5344CB8AC3E}">
-        <p14:creationId xmlns:p14="http://schemas.microsoft.com/office/powerpoint/2010/main" val="100999338"/>
+        <p14:creationId xmlns:p14="http://schemas.microsoft.com/office/powerpoint/2010/main" val="1758515311"/>
       </p:ext>
     </p:extLst>
   </p:cSld>
   <p:clrMapOvr>
     <a:masterClrMapping/>
   </p:clrMapOvr>
+  <p:timing>
+    <p:tnLst>
+      <p:par>
+        <p:cTn xmlns:p14="http://schemas.microsoft.com/office/powerpoint/2010/main" id="1" dur="indefinite" restart="never" nodeType="tmRoot"/>
+      </p:par>
+    </p:tnLst>
+  </p:timing>
 </p:sld>
 </file>
 
@@ -3350,7 +4180,7 @@
           <a:p>
             <a:r>
               <a:rPr lang="en-US" dirty="0" smtClean="0"/>
-              <a:t>How does this work?</a:t>
+              <a:t>Quick Demo</a:t>
             </a:r>
             <a:endParaRPr lang="en-US" dirty="0"/>
           </a:p>
@@ -3373,72 +4203,57 @@
           <a:p>
             <a:r>
               <a:rPr lang="en-US" dirty="0" smtClean="0"/>
-              <a:t>Robot code is written in python, using </a:t>
-            </a:r>
-            <a:r>
-              <a:rPr lang="en-US" dirty="0" err="1" smtClean="0"/>
-              <a:t>WPILib</a:t>
-            </a:r>
-            <a:endParaRPr lang="en-US" dirty="0" smtClean="0"/>
+              <a:t>Team 1418’s robot code for 2015</a:t>
+            </a:r>
           </a:p>
           <a:p>
             <a:pPr lvl="1"/>
             <a:r>
               <a:rPr lang="en-US" dirty="0" smtClean="0"/>
-              <a:t>2014: wrappers around C++</a:t>
+              <a:t>Same code runs on the Robot &amp; on your PC</a:t>
             </a:r>
           </a:p>
           <a:p>
             <a:pPr lvl="1"/>
             <a:r>
               <a:rPr lang="en-US" dirty="0" smtClean="0"/>
-              <a:t>2015: pure python</a:t>
-            </a:r>
-          </a:p>
-          <a:p>
-            <a:r>
-              <a:rPr lang="en-US" dirty="0" smtClean="0"/>
-              <a:t>Communications via </a:t>
-            </a:r>
-            <a:r>
-              <a:rPr lang="en-US" dirty="0" err="1" smtClean="0"/>
-              <a:t>pynetworktables</a:t>
-            </a:r>
-            <a:endParaRPr lang="en-US" dirty="0" smtClean="0"/>
+              <a:t>Running as simulation with pyfrc</a:t>
+            </a:r>
           </a:p>
           <a:p>
             <a:pPr lvl="1"/>
             <a:r>
               <a:rPr lang="en-US" dirty="0" smtClean="0"/>
-              <a:t>Compatible with </a:t>
-            </a:r>
-            <a:r>
-              <a:rPr lang="en-US" dirty="0" err="1" smtClean="0"/>
-              <a:t>SmartDashboard</a:t>
-            </a:r>
-            <a:r>
-              <a:rPr lang="en-US" dirty="0" smtClean="0"/>
-              <a:t>/SFX</a:t>
-            </a:r>
-          </a:p>
-          <a:p>
-            <a:r>
-              <a:rPr lang="en-US" dirty="0" smtClean="0"/>
-              <a:t>Simulation engine is pyfrc</a:t>
-            </a:r>
+              <a:t>Supports connection to UI on driver station laptop</a:t>
+            </a:r>
+          </a:p>
+          <a:p>
+            <a:pPr lvl="1"/>
+            <a:r>
+              <a:rPr lang="en-US" dirty="0" smtClean="0"/>
+              <a:t>Innovation in Control award @ DC Regional</a:t>
+            </a:r>
+            <a:endParaRPr lang="en-US" dirty="0"/>
           </a:p>
         </p:txBody>
       </p:sp>
     </p:spTree>
     <p:extLst>
       <p:ext uri="{BB962C8B-B14F-4D97-AF65-F5344CB8AC3E}">
-        <p14:creationId xmlns:p14="http://schemas.microsoft.com/office/powerpoint/2010/main" val="2320986314"/>
+        <p14:creationId xmlns:p14="http://schemas.microsoft.com/office/powerpoint/2010/main" val="100999338"/>
       </p:ext>
     </p:extLst>
   </p:cSld>
   <p:clrMapOvr>
     <a:masterClrMapping/>
   </p:clrMapOvr>
+  <p:timing>
+    <p:tnLst>
+      <p:par>
+        <p:cTn xmlns:p14="http://schemas.microsoft.com/office/powerpoint/2010/main" id="1" dur="indefinite" restart="never" nodeType="tmRoot"/>
+      </p:par>
+    </p:tnLst>
+  </p:timing>
 </p:sld>
 </file>
 
@@ -3476,7 +4291,7 @@
           <a:p>
             <a:r>
               <a:rPr lang="en-US" dirty="0" smtClean="0"/>
-              <a:t>pyfrc</a:t>
+              <a:t>How does this work?</a:t>
             </a:r>
             <a:endParaRPr lang="en-US" dirty="0"/>
           </a:p>
@@ -3499,7 +4314,65 @@
           <a:p>
             <a:r>
               <a:rPr lang="en-US" dirty="0" smtClean="0"/>
-              <a:t>A python library designed to make developing robot code easier</a:t>
+              <a:t>Dashboard is HTML/</a:t>
+            </a:r>
+            <a:r>
+              <a:rPr lang="en-US" dirty="0" err="1" smtClean="0"/>
+              <a:t>Javascript</a:t>
+            </a:r>
+            <a:endParaRPr lang="en-US" dirty="0" smtClean="0"/>
+          </a:p>
+          <a:p>
+            <a:r>
+              <a:rPr lang="en-US" dirty="0" smtClean="0"/>
+              <a:t>Robot </a:t>
+            </a:r>
+            <a:r>
+              <a:rPr lang="en-US" dirty="0" smtClean="0"/>
+              <a:t>code is written in python</a:t>
+            </a:r>
+          </a:p>
+          <a:p>
+            <a:r>
+              <a:rPr lang="en-US" dirty="0" smtClean="0"/>
+              <a:t>Pure python implementation of </a:t>
+            </a:r>
+            <a:r>
+              <a:rPr lang="en-US" dirty="0" err="1" smtClean="0"/>
+              <a:t>WPILib</a:t>
+            </a:r>
+            <a:endParaRPr lang="en-US" dirty="0"/>
+          </a:p>
+          <a:p>
+            <a:r>
+              <a:rPr lang="en-US" dirty="0" smtClean="0"/>
+              <a:t>Communications via </a:t>
+            </a:r>
+            <a:r>
+              <a:rPr lang="en-US" dirty="0" err="1" smtClean="0"/>
+              <a:t>pynetworktables</a:t>
+            </a:r>
+            <a:endParaRPr lang="en-US" dirty="0" smtClean="0"/>
+          </a:p>
+          <a:p>
+            <a:pPr lvl="1"/>
+            <a:r>
+              <a:rPr lang="en-US" dirty="0" smtClean="0"/>
+              <a:t>Compatible with </a:t>
+            </a:r>
+            <a:r>
+              <a:rPr lang="en-US" dirty="0" err="1" smtClean="0"/>
+              <a:t>SmartDashboard</a:t>
+            </a:r>
+            <a:r>
+              <a:rPr lang="en-US" dirty="0" smtClean="0"/>
+              <a:t>/SFX</a:t>
+            </a:r>
+          </a:p>
+          <a:p>
+            <a:r>
+              <a:rPr lang="en-US" dirty="0" smtClean="0"/>
+              <a:t>Simulation engine is pyfrc</a:t>
             </a:r>
           </a:p>
         </p:txBody>
@@ -3507,13 +4380,20 @@
     </p:spTree>
     <p:extLst>
       <p:ext uri="{BB962C8B-B14F-4D97-AF65-F5344CB8AC3E}">
-        <p14:creationId xmlns:p14="http://schemas.microsoft.com/office/powerpoint/2010/main" val="1743252631"/>
+        <p14:creationId xmlns:p14="http://schemas.microsoft.com/office/powerpoint/2010/main" val="2320986314"/>
       </p:ext>
     </p:extLst>
   </p:cSld>
   <p:clrMapOvr>
     <a:masterClrMapping/>
   </p:clrMapOvr>
+  <p:timing>
+    <p:tnLst>
+      <p:par>
+        <p:cTn xmlns:p14="http://schemas.microsoft.com/office/powerpoint/2010/main" id="1" dur="indefinite" restart="never" nodeType="tmRoot"/>
+      </p:par>
+    </p:tnLst>
+  </p:timing>
 </p:sld>
 </file>
 
@@ -3574,43 +4454,28 @@
           <a:p>
             <a:r>
               <a:rPr lang="en-US" dirty="0" smtClean="0"/>
-              <a:t>Easy to use testing framework you can use to test your robot code at home</a:t>
-            </a:r>
-          </a:p>
-          <a:p>
-            <a:r>
-              <a:rPr lang="en-US" dirty="0" smtClean="0"/>
-              <a:t>Tool to upload code to the robot</a:t>
-            </a:r>
-          </a:p>
-          <a:p>
-            <a:pPr lvl="1"/>
-            <a:r>
-              <a:rPr lang="en-US" dirty="0" smtClean="0"/>
-              <a:t>Integrated with testing framework to prevent uploading bad code</a:t>
-            </a:r>
-          </a:p>
-          <a:p>
-            <a:r>
-              <a:rPr lang="en-US" dirty="0" smtClean="0"/>
-              <a:t>Low fidelity robot simulator</a:t>
-            </a:r>
-          </a:p>
-          <a:p>
-            <a:endParaRPr lang="en-US" dirty="0"/>
+              <a:t>A python library designed to make developing robot code easier</a:t>
+            </a:r>
           </a:p>
         </p:txBody>
       </p:sp>
     </p:spTree>
     <p:extLst>
       <p:ext uri="{BB962C8B-B14F-4D97-AF65-F5344CB8AC3E}">
-        <p14:creationId xmlns:p14="http://schemas.microsoft.com/office/powerpoint/2010/main" val="725817487"/>
+        <p14:creationId xmlns:p14="http://schemas.microsoft.com/office/powerpoint/2010/main" val="1743252631"/>
       </p:ext>
     </p:extLst>
   </p:cSld>
   <p:clrMapOvr>
     <a:masterClrMapping/>
   </p:clrMapOvr>
+  <p:timing>
+    <p:tnLst>
+      <p:par>
+        <p:cTn xmlns:p14="http://schemas.microsoft.com/office/powerpoint/2010/main" id="1" dur="indefinite" restart="never" nodeType="tmRoot"/>
+      </p:par>
+    </p:tnLst>
+  </p:timing>
 </p:sld>
 </file>
 
@@ -3633,7 +4498,7 @@
       </p:grpSpPr>
       <p:sp>
         <p:nvSpPr>
-          <p:cNvPr id="4" name="Title 3"/>
+          <p:cNvPr id="2" name="Title 1"/>
           <p:cNvSpPr>
             <a:spLocks noGrp="1"/>
           </p:cNvSpPr>
@@ -3648,7 +4513,7 @@
           <a:p>
             <a:r>
               <a:rPr lang="en-US" dirty="0" smtClean="0"/>
-              <a:t>Python Primer</a:t>
+              <a:t>pyfrc</a:t>
             </a:r>
             <a:endParaRPr lang="en-US" dirty="0"/>
           </a:p>
@@ -3656,12 +4521,12 @@
       </p:sp>
       <p:sp>
         <p:nvSpPr>
-          <p:cNvPr id="5" name="Text Placeholder 4"/>
-          <p:cNvSpPr>
-            <a:spLocks noGrp="1"/>
-          </p:cNvSpPr>
-          <p:nvPr>
-            <p:ph type="body" idx="1"/>
+          <p:cNvPr id="3" name="Content Placeholder 2"/>
+          <p:cNvSpPr>
+            <a:spLocks noGrp="1"/>
+          </p:cNvSpPr>
+          <p:nvPr>
+            <p:ph idx="1"/>
           </p:nvPr>
         </p:nvSpPr>
         <p:spPr/>
@@ -3671,8 +4536,29 @@
           <a:p>
             <a:r>
               <a:rPr lang="en-US" dirty="0" smtClean="0"/>
-              <a:t>Python syntax compared to Java</a:t>
-            </a:r>
+              <a:t>Easy to use testing framework you can use to test your robot code at home</a:t>
+            </a:r>
+          </a:p>
+          <a:p>
+            <a:r>
+              <a:rPr lang="en-US" dirty="0" smtClean="0"/>
+              <a:t>Tool to upload code to the robot</a:t>
+            </a:r>
+          </a:p>
+          <a:p>
+            <a:pPr lvl="1"/>
+            <a:r>
+              <a:rPr lang="en-US" dirty="0" smtClean="0"/>
+              <a:t>Integrated with testing framework to prevent uploading bad code</a:t>
+            </a:r>
+          </a:p>
+          <a:p>
+            <a:r>
+              <a:rPr lang="en-US" dirty="0" smtClean="0"/>
+              <a:t>Low fidelity robot simulator</a:t>
+            </a:r>
+          </a:p>
+          <a:p>
             <a:endParaRPr lang="en-US" dirty="0"/>
           </a:p>
         </p:txBody>
@@ -3680,13 +4566,20 @@
     </p:spTree>
     <p:extLst>
       <p:ext uri="{BB962C8B-B14F-4D97-AF65-F5344CB8AC3E}">
-        <p14:creationId xmlns:p14="http://schemas.microsoft.com/office/powerpoint/2010/main" val="3138244297"/>
+        <p14:creationId xmlns:p14="http://schemas.microsoft.com/office/powerpoint/2010/main" val="725817487"/>
       </p:ext>
     </p:extLst>
   </p:cSld>
   <p:clrMapOvr>
     <a:masterClrMapping/>
   </p:clrMapOvr>
+  <p:timing>
+    <p:tnLst>
+      <p:par>
+        <p:cTn xmlns:p14="http://schemas.microsoft.com/office/powerpoint/2010/main" id="1" dur="indefinite" restart="never" nodeType="tmRoot"/>
+      </p:par>
+    </p:tnLst>
+  </p:timing>
 </p:sld>
 </file>
 
@@ -3709,6 +4602,95 @@
       </p:grpSpPr>
       <p:sp>
         <p:nvSpPr>
+          <p:cNvPr id="4" name="Title 3"/>
+          <p:cNvSpPr>
+            <a:spLocks noGrp="1"/>
+          </p:cNvSpPr>
+          <p:nvPr>
+            <p:ph type="title"/>
+          </p:nvPr>
+        </p:nvSpPr>
+        <p:spPr/>
+        <p:txBody>
+          <a:bodyPr/>
+          <a:lstStyle/>
+          <a:p>
+            <a:r>
+              <a:rPr lang="en-US" b="0" dirty="0" smtClean="0">
+                <a:latin typeface="Roboto Black"/>
+                <a:cs typeface="Roboto Black"/>
+              </a:rPr>
+              <a:t>Python Primer</a:t>
+            </a:r>
+            <a:endParaRPr lang="en-US" b="0" dirty="0">
+              <a:latin typeface="Roboto Black"/>
+              <a:cs typeface="Roboto Black"/>
+            </a:endParaRPr>
+          </a:p>
+        </p:txBody>
+      </p:sp>
+      <p:sp>
+        <p:nvSpPr>
+          <p:cNvPr id="5" name="Text Placeholder 4"/>
+          <p:cNvSpPr>
+            <a:spLocks noGrp="1"/>
+          </p:cNvSpPr>
+          <p:nvPr>
+            <p:ph type="body" idx="1"/>
+          </p:nvPr>
+        </p:nvSpPr>
+        <p:spPr/>
+        <p:txBody>
+          <a:bodyPr/>
+          <a:lstStyle/>
+          <a:p>
+            <a:r>
+              <a:rPr lang="en-US" dirty="0" smtClean="0"/>
+              <a:t>Python syntax compared to Java</a:t>
+            </a:r>
+            <a:endParaRPr lang="en-US" dirty="0"/>
+          </a:p>
+        </p:txBody>
+      </p:sp>
+    </p:spTree>
+    <p:extLst>
+      <p:ext uri="{BB962C8B-B14F-4D97-AF65-F5344CB8AC3E}">
+        <p14:creationId xmlns:p14="http://schemas.microsoft.com/office/powerpoint/2010/main" val="3138244297"/>
+      </p:ext>
+    </p:extLst>
+  </p:cSld>
+  <p:clrMapOvr>
+    <a:masterClrMapping/>
+  </p:clrMapOvr>
+  <p:timing>
+    <p:tnLst>
+      <p:par>
+        <p:cTn xmlns:p14="http://schemas.microsoft.com/office/powerpoint/2010/main" id="1" dur="indefinite" restart="never" nodeType="tmRoot"/>
+      </p:par>
+    </p:tnLst>
+  </p:timing>
+</p:sld>
+</file>
+
+<file path=ppt/slides/slide16.xml><?xml version="1.0" encoding="utf-8"?>
+<p:sld xmlns:a="http://schemas.openxmlformats.org/drawingml/2006/main" xmlns:r="http://schemas.openxmlformats.org/officeDocument/2006/relationships" xmlns:p="http://schemas.openxmlformats.org/presentationml/2006/main">
+  <p:cSld>
+    <p:spTree>
+      <p:nvGrpSpPr>
+        <p:cNvPr id="1" name=""/>
+        <p:cNvGrpSpPr/>
+        <p:nvPr/>
+      </p:nvGrpSpPr>
+      <p:grpSpPr>
+        <a:xfrm>
+          <a:off x="0" y="0"/>
+          <a:ext cx="0" cy="0"/>
+          <a:chOff x="0" y="0"/>
+          <a:chExt cx="0" cy="0"/>
+        </a:xfrm>
+      </p:grpSpPr>
+      <p:sp>
+        <p:nvSpPr>
           <p:cNvPr id="2" name="Title 1"/>
           <p:cNvSpPr>
             <a:spLocks noGrp="1"/>
@@ -3719,7 +4701,9 @@
         </p:nvSpPr>
         <p:spPr/>
         <p:txBody>
-          <a:bodyPr/>
+          <a:bodyPr>
+            <a:normAutofit/>
+          </a:bodyPr>
           <a:lstStyle/>
           <a:p>
             <a:r>
@@ -3727,66 +4711,6 @@
               <a:t>Python primer: comments</a:t>
             </a:r>
             <a:endParaRPr lang="en-US" dirty="0"/>
-          </a:p>
-        </p:txBody>
-      </p:sp>
-      <p:sp>
-        <p:nvSpPr>
-          <p:cNvPr id="5" name="TextBox 4"/>
-          <p:cNvSpPr txBox="1"/>
-          <p:nvPr/>
-        </p:nvSpPr>
-        <p:spPr>
-          <a:xfrm>
-            <a:off x="635020" y="1417638"/>
-            <a:ext cx="1248734" cy="523220"/>
-          </a:xfrm>
-          <a:prstGeom prst="rect">
-            <a:avLst/>
-          </a:prstGeom>
-          <a:noFill/>
-        </p:spPr>
-        <p:txBody>
-          <a:bodyPr wrap="none" rtlCol="0">
-            <a:spAutoFit/>
-          </a:bodyPr>
-          <a:lstStyle/>
-          <a:p>
-            <a:r>
-              <a:rPr lang="en-US" sz="2800" b="1" dirty="0" smtClean="0"/>
-              <a:t>Python</a:t>
-            </a:r>
-            <a:endParaRPr lang="en-US" sz="2800" b="1" dirty="0"/>
-          </a:p>
-        </p:txBody>
-      </p:sp>
-      <p:sp>
-        <p:nvSpPr>
-          <p:cNvPr id="7" name="TextBox 6"/>
-          <p:cNvSpPr txBox="1"/>
-          <p:nvPr/>
-        </p:nvSpPr>
-        <p:spPr>
-          <a:xfrm>
-            <a:off x="4569874" y="1441417"/>
-            <a:ext cx="827946" cy="523220"/>
-          </a:xfrm>
-          <a:prstGeom prst="rect">
-            <a:avLst/>
-          </a:prstGeom>
-          <a:noFill/>
-        </p:spPr>
-        <p:txBody>
-          <a:bodyPr wrap="none" rtlCol="0">
-            <a:spAutoFit/>
-          </a:bodyPr>
-          <a:lstStyle/>
-          <a:p>
-            <a:r>
-              <a:rPr lang="en-US" sz="2800" b="1" dirty="0" smtClean="0"/>
-              <a:t>Java</a:t>
-            </a:r>
-            <a:endParaRPr lang="en-US" sz="2800" b="1" dirty="0"/>
           </a:p>
         </p:txBody>
       </p:sp>
@@ -4030,6 +4954,66 @@
           </a:graphicData>
         </a:graphic>
       </p:graphicFrame>
+      <p:sp>
+        <p:nvSpPr>
+          <p:cNvPr id="10" name="TextBox 9"/>
+          <p:cNvSpPr txBox="1"/>
+          <p:nvPr/>
+        </p:nvSpPr>
+        <p:spPr>
+          <a:xfrm>
+            <a:off x="635020" y="1483332"/>
+            <a:ext cx="1248734" cy="523220"/>
+          </a:xfrm>
+          <a:prstGeom prst="rect">
+            <a:avLst/>
+          </a:prstGeom>
+          <a:noFill/>
+        </p:spPr>
+        <p:txBody>
+          <a:bodyPr wrap="none" rtlCol="0">
+            <a:spAutoFit/>
+          </a:bodyPr>
+          <a:lstStyle/>
+          <a:p>
+            <a:r>
+              <a:rPr lang="en-US" sz="2800" b="1" dirty="0" smtClean="0"/>
+              <a:t>Python</a:t>
+            </a:r>
+            <a:endParaRPr lang="en-US" sz="2800" b="1" dirty="0"/>
+          </a:p>
+        </p:txBody>
+      </p:sp>
+      <p:sp>
+        <p:nvSpPr>
+          <p:cNvPr id="11" name="TextBox 10"/>
+          <p:cNvSpPr txBox="1"/>
+          <p:nvPr/>
+        </p:nvSpPr>
+        <p:spPr>
+          <a:xfrm>
+            <a:off x="4569874" y="1507111"/>
+            <a:ext cx="827946" cy="523220"/>
+          </a:xfrm>
+          <a:prstGeom prst="rect">
+            <a:avLst/>
+          </a:prstGeom>
+          <a:noFill/>
+        </p:spPr>
+        <p:txBody>
+          <a:bodyPr wrap="none" rtlCol="0">
+            <a:spAutoFit/>
+          </a:bodyPr>
+          <a:lstStyle/>
+          <a:p>
+            <a:r>
+              <a:rPr lang="en-US" sz="2800" b="1" dirty="0" smtClean="0"/>
+              <a:t>Java</a:t>
+            </a:r>
+            <a:endParaRPr lang="en-US" sz="2800" b="1" dirty="0"/>
+          </a:p>
+        </p:txBody>
+      </p:sp>
     </p:spTree>
     <p:extLst>
       <p:ext uri="{BB962C8B-B14F-4D97-AF65-F5344CB8AC3E}">
@@ -4040,10 +5024,17 @@
   <p:clrMapOvr>
     <a:masterClrMapping/>
   </p:clrMapOvr>
+  <p:timing>
+    <p:tnLst>
+      <p:par>
+        <p:cTn xmlns:p14="http://schemas.microsoft.com/office/powerpoint/2010/main" id="1" dur="indefinite" restart="never" nodeType="tmRoot"/>
+      </p:par>
+    </p:tnLst>
+  </p:timing>
 </p:sld>
 </file>
 
-<file path=ppt/slides/slide16.xml><?xml version="1.0" encoding="utf-8"?>
+<file path=ppt/slides/slide17.xml><?xml version="1.0" encoding="utf-8"?>
 <p:sld xmlns:a="http://schemas.openxmlformats.org/drawingml/2006/main" xmlns:r="http://schemas.openxmlformats.org/officeDocument/2006/relationships" xmlns:p="http://schemas.openxmlformats.org/presentationml/2006/main">
   <p:cSld>
     <p:spTree>
@@ -4091,7 +5082,7 @@
         </p:nvSpPr>
         <p:spPr>
           <a:xfrm>
-            <a:off x="635020" y="1417638"/>
+            <a:off x="635020" y="1483332"/>
             <a:ext cx="1248734" cy="523220"/>
           </a:xfrm>
           <a:prstGeom prst="rect">
@@ -4121,7 +5112,7 @@
         </p:nvSpPr>
         <p:spPr>
           <a:xfrm>
-            <a:off x="4569874" y="1441417"/>
+            <a:off x="4569874" y="1507111"/>
             <a:ext cx="827946" cy="523220"/>
           </a:xfrm>
           <a:prstGeom prst="rect">
@@ -4462,10 +5453,17 @@
   <p:clrMapOvr>
     <a:masterClrMapping/>
   </p:clrMapOvr>
+  <p:timing>
+    <p:tnLst>
+      <p:par>
+        <p:cTn xmlns:p14="http://schemas.microsoft.com/office/powerpoint/2010/main" id="1" dur="indefinite" restart="never" nodeType="tmRoot"/>
+      </p:par>
+    </p:tnLst>
+  </p:timing>
 </p:sld>
 </file>
 
-<file path=ppt/slides/slide17.xml><?xml version="1.0" encoding="utf-8"?>
+<file path=ppt/slides/slide18.xml><?xml version="1.0" encoding="utf-8"?>
 <p:sld xmlns:a="http://schemas.openxmlformats.org/drawingml/2006/main" xmlns:r="http://schemas.openxmlformats.org/officeDocument/2006/relationships" xmlns:p="http://schemas.openxmlformats.org/presentationml/2006/main">
   <p:cSld>
     <p:spTree>
@@ -4513,7 +5511,7 @@
         </p:nvSpPr>
         <p:spPr>
           <a:xfrm>
-            <a:off x="635020" y="1417638"/>
+            <a:off x="635020" y="1483332"/>
             <a:ext cx="1248734" cy="523220"/>
           </a:xfrm>
           <a:prstGeom prst="rect">
@@ -4543,7 +5541,7 @@
         </p:nvSpPr>
         <p:spPr>
           <a:xfrm>
-            <a:off x="4569874" y="1441417"/>
+            <a:off x="4569874" y="1507111"/>
             <a:ext cx="827946" cy="523220"/>
           </a:xfrm>
           <a:prstGeom prst="rect">
@@ -4911,10 +5909,17 @@
   <p:clrMapOvr>
     <a:masterClrMapping/>
   </p:clrMapOvr>
+  <p:timing>
+    <p:tnLst>
+      <p:par>
+        <p:cTn xmlns:p14="http://schemas.microsoft.com/office/powerpoint/2010/main" id="1" dur="indefinite" restart="never" nodeType="tmRoot"/>
+      </p:par>
+    </p:tnLst>
+  </p:timing>
 </p:sld>
 </file>
 
-<file path=ppt/slides/slide18.xml><?xml version="1.0" encoding="utf-8"?>
+<file path=ppt/slides/slide19.xml><?xml version="1.0" encoding="utf-8"?>
 <p:sld xmlns:a="http://schemas.openxmlformats.org/drawingml/2006/main" xmlns:r="http://schemas.openxmlformats.org/officeDocument/2006/relationships" xmlns:p="http://schemas.openxmlformats.org/presentationml/2006/main">
   <p:cSld>
     <p:spTree>
@@ -4962,7 +5967,7 @@
         </p:nvSpPr>
         <p:spPr>
           <a:xfrm>
-            <a:off x="635020" y="1417638"/>
+            <a:off x="635020" y="1483332"/>
             <a:ext cx="1248734" cy="523220"/>
           </a:xfrm>
           <a:prstGeom prst="rect">
@@ -4992,7 +5997,7 @@
         </p:nvSpPr>
         <p:spPr>
           <a:xfrm>
-            <a:off x="4569874" y="1441417"/>
+            <a:off x="4569874" y="1507111"/>
             <a:ext cx="827946" cy="523220"/>
           </a:xfrm>
           <a:prstGeom prst="rect">
@@ -5452,7 +6457,7 @@
 </p:sld>
 </file>
 
-<file path=ppt/slides/slide19.xml><?xml version="1.0" encoding="utf-8"?>
+<file path=ppt/slides/slide2.xml><?xml version="1.0" encoding="utf-8"?>
 <p:sld xmlns:a="http://schemas.openxmlformats.org/drawingml/2006/main" xmlns:r="http://schemas.openxmlformats.org/officeDocument/2006/relationships" xmlns:p="http://schemas.openxmlformats.org/presentationml/2006/main">
   <p:cSld>
     <p:spTree>
@@ -5486,6 +6491,137 @@
           <a:p>
             <a:r>
               <a:rPr lang="en-US" dirty="0" smtClean="0"/>
+              <a:t>Agenda</a:t>
+            </a:r>
+            <a:endParaRPr lang="en-US" dirty="0"/>
+          </a:p>
+        </p:txBody>
+      </p:sp>
+      <p:sp>
+        <p:nvSpPr>
+          <p:cNvPr id="3" name="Content Placeholder 2"/>
+          <p:cNvSpPr>
+            <a:spLocks noGrp="1"/>
+          </p:cNvSpPr>
+          <p:nvPr>
+            <p:ph idx="1"/>
+          </p:nvPr>
+        </p:nvSpPr>
+        <p:spPr/>
+        <p:txBody>
+          <a:bodyPr/>
+          <a:lstStyle/>
+          <a:p>
+            <a:r>
+              <a:rPr lang="en-US" dirty="0" smtClean="0"/>
+              <a:t>Why Python?</a:t>
+            </a:r>
+          </a:p>
+          <a:p>
+            <a:r>
+              <a:rPr lang="en-US" dirty="0" smtClean="0"/>
+              <a:t>Quick Simulation Demo</a:t>
+            </a:r>
+            <a:endParaRPr lang="en-US" dirty="0" smtClean="0"/>
+          </a:p>
+          <a:p>
+            <a:r>
+              <a:rPr lang="en-US" dirty="0" smtClean="0"/>
+              <a:t>Quick Python Primer</a:t>
+            </a:r>
+          </a:p>
+          <a:p>
+            <a:r>
+              <a:rPr lang="en-US" dirty="0" smtClean="0"/>
+              <a:t>Putting it all </a:t>
+            </a:r>
+            <a:r>
+              <a:rPr lang="en-US" dirty="0" smtClean="0"/>
+              <a:t>together</a:t>
+            </a:r>
+          </a:p>
+          <a:p>
+            <a:pPr lvl="1"/>
+            <a:r>
+              <a:rPr lang="en-US" dirty="0" smtClean="0"/>
+              <a:t>Robot code</a:t>
+            </a:r>
+          </a:p>
+          <a:p>
+            <a:pPr lvl="1"/>
+            <a:r>
+              <a:rPr lang="en-US" dirty="0" smtClean="0"/>
+              <a:t>Encoder demo</a:t>
+            </a:r>
+            <a:endParaRPr lang="en-US" dirty="0" smtClean="0"/>
+          </a:p>
+          <a:p>
+            <a:r>
+              <a:rPr lang="en-US" dirty="0" err="1" smtClean="0"/>
+              <a:t>RoboRIO</a:t>
+            </a:r>
+            <a:r>
+              <a:rPr lang="en-US" dirty="0" smtClean="0"/>
+              <a:t> Demo</a:t>
+            </a:r>
+            <a:endParaRPr lang="en-US" dirty="0"/>
+          </a:p>
+        </p:txBody>
+      </p:sp>
+    </p:spTree>
+    <p:extLst>
+      <p:ext uri="{BB962C8B-B14F-4D97-AF65-F5344CB8AC3E}">
+        <p14:creationId xmlns:p14="http://schemas.microsoft.com/office/powerpoint/2010/main" val="1723115445"/>
+      </p:ext>
+    </p:extLst>
+  </p:cSld>
+  <p:clrMapOvr>
+    <a:masterClrMapping/>
+  </p:clrMapOvr>
+  <p:timing>
+    <p:tnLst>
+      <p:par>
+        <p:cTn xmlns:p14="http://schemas.microsoft.com/office/powerpoint/2010/main" id="1" dur="indefinite" restart="never" nodeType="tmRoot"/>
+      </p:par>
+    </p:tnLst>
+  </p:timing>
+</p:sld>
+</file>
+
+<file path=ppt/slides/slide20.xml><?xml version="1.0" encoding="utf-8"?>
+<p:sld xmlns:a="http://schemas.openxmlformats.org/drawingml/2006/main" xmlns:r="http://schemas.openxmlformats.org/officeDocument/2006/relationships" xmlns:p="http://schemas.openxmlformats.org/presentationml/2006/main">
+  <p:cSld>
+    <p:spTree>
+      <p:nvGrpSpPr>
+        <p:cNvPr id="1" name=""/>
+        <p:cNvGrpSpPr/>
+        <p:nvPr/>
+      </p:nvGrpSpPr>
+      <p:grpSpPr>
+        <a:xfrm>
+          <a:off x="0" y="0"/>
+          <a:ext cx="0" cy="0"/>
+          <a:chOff x="0" y="0"/>
+          <a:chExt cx="0" cy="0"/>
+        </a:xfrm>
+      </p:grpSpPr>
+      <p:sp>
+        <p:nvSpPr>
+          <p:cNvPr id="2" name="Title 1"/>
+          <p:cNvSpPr>
+            <a:spLocks noGrp="1"/>
+          </p:cNvSpPr>
+          <p:nvPr>
+            <p:ph type="title"/>
+          </p:nvPr>
+        </p:nvSpPr>
+        <p:spPr/>
+        <p:txBody>
+          <a:bodyPr/>
+          <a:lstStyle/>
+          <a:p>
+            <a:r>
+              <a:rPr lang="en-US" dirty="0" smtClean="0"/>
               <a:t>Python primer: if/else</a:t>
             </a:r>
             <a:endParaRPr lang="en-US" dirty="0"/>
@@ -5500,7 +6636,7 @@
         </p:nvSpPr>
         <p:spPr>
           <a:xfrm>
-            <a:off x="635020" y="1417638"/>
+            <a:off x="635020" y="1483332"/>
             <a:ext cx="1248734" cy="523220"/>
           </a:xfrm>
           <a:prstGeom prst="rect">
@@ -5530,7 +6666,7 @@
         </p:nvSpPr>
         <p:spPr>
           <a:xfrm>
-            <a:off x="4569874" y="1441417"/>
+            <a:off x="4569874" y="1507111"/>
             <a:ext cx="827946" cy="523220"/>
           </a:xfrm>
           <a:prstGeom prst="rect">
@@ -5918,7 +7054,7 @@
 </p:sld>
 </file>
 
-<file path=ppt/slides/slide2.xml><?xml version="1.0" encoding="utf-8"?>
+<file path=ppt/slides/slide21.xml><?xml version="1.0" encoding="utf-8"?>
 <p:sld xmlns:a="http://schemas.openxmlformats.org/drawingml/2006/main" xmlns:r="http://schemas.openxmlformats.org/officeDocument/2006/relationships" xmlns:p="http://schemas.openxmlformats.org/presentationml/2006/main">
   <p:cSld>
     <p:spTree>
@@ -5952,106 +7088,6 @@
           <a:p>
             <a:r>
               <a:rPr lang="en-US" dirty="0" smtClean="0"/>
-              <a:t>Agenda</a:t>
-            </a:r>
-            <a:endParaRPr lang="en-US" dirty="0"/>
-          </a:p>
-        </p:txBody>
-      </p:sp>
-      <p:sp>
-        <p:nvSpPr>
-          <p:cNvPr id="3" name="Content Placeholder 2"/>
-          <p:cNvSpPr>
-            <a:spLocks noGrp="1"/>
-          </p:cNvSpPr>
-          <p:nvPr>
-            <p:ph idx="1"/>
-          </p:nvPr>
-        </p:nvSpPr>
-        <p:spPr/>
-        <p:txBody>
-          <a:bodyPr/>
-          <a:lstStyle/>
-          <a:p>
-            <a:r>
-              <a:rPr lang="en-US" dirty="0" smtClean="0"/>
-              <a:t>Why Python?</a:t>
-            </a:r>
-          </a:p>
-          <a:p>
-            <a:r>
-              <a:rPr lang="en-US" dirty="0" smtClean="0"/>
-              <a:t>Quick Demo</a:t>
-            </a:r>
-          </a:p>
-          <a:p>
-            <a:r>
-              <a:rPr lang="en-US" dirty="0" smtClean="0"/>
-              <a:t>Quick Python Primer</a:t>
-            </a:r>
-          </a:p>
-          <a:p>
-            <a:r>
-              <a:rPr lang="en-US" dirty="0" smtClean="0"/>
-              <a:t>Putting it all together</a:t>
-            </a:r>
-          </a:p>
-          <a:p>
-            <a:r>
-              <a:rPr lang="en-US" dirty="0" smtClean="0"/>
-              <a:t>New features coming in 2015</a:t>
-            </a:r>
-            <a:endParaRPr lang="en-US" dirty="0"/>
-          </a:p>
-        </p:txBody>
-      </p:sp>
-    </p:spTree>
-    <p:extLst>
-      <p:ext uri="{BB962C8B-B14F-4D97-AF65-F5344CB8AC3E}">
-        <p14:creationId xmlns:p14="http://schemas.microsoft.com/office/powerpoint/2010/main" val="1723115445"/>
-      </p:ext>
-    </p:extLst>
-  </p:cSld>
-  <p:clrMapOvr>
-    <a:masterClrMapping/>
-  </p:clrMapOvr>
-</p:sld>
-</file>
-
-<file path=ppt/slides/slide20.xml><?xml version="1.0" encoding="utf-8"?>
-<p:sld xmlns:a="http://schemas.openxmlformats.org/drawingml/2006/main" xmlns:r="http://schemas.openxmlformats.org/officeDocument/2006/relationships" xmlns:p="http://schemas.openxmlformats.org/presentationml/2006/main">
-  <p:cSld>
-    <p:spTree>
-      <p:nvGrpSpPr>
-        <p:cNvPr id="1" name=""/>
-        <p:cNvGrpSpPr/>
-        <p:nvPr/>
-      </p:nvGrpSpPr>
-      <p:grpSpPr>
-        <a:xfrm>
-          <a:off x="0" y="0"/>
-          <a:ext cx="0" cy="0"/>
-          <a:chOff x="0" y="0"/>
-          <a:chExt cx="0" cy="0"/>
-        </a:xfrm>
-      </p:grpSpPr>
-      <p:sp>
-        <p:nvSpPr>
-          <p:cNvPr id="2" name="Title 1"/>
-          <p:cNvSpPr>
-            <a:spLocks noGrp="1"/>
-          </p:cNvSpPr>
-          <p:nvPr>
-            <p:ph type="title"/>
-          </p:nvPr>
-        </p:nvSpPr>
-        <p:spPr/>
-        <p:txBody>
-          <a:bodyPr/>
-          <a:lstStyle/>
-          <a:p>
-            <a:r>
-              <a:rPr lang="en-US" dirty="0" smtClean="0"/>
               <a:t>Python primer: objects</a:t>
             </a:r>
             <a:endParaRPr lang="en-US" dirty="0"/>
@@ -6066,7 +7102,7 @@
         </p:nvSpPr>
         <p:spPr>
           <a:xfrm>
-            <a:off x="635020" y="1417638"/>
+            <a:off x="635020" y="1483332"/>
             <a:ext cx="1248734" cy="523220"/>
           </a:xfrm>
           <a:prstGeom prst="rect">
@@ -6096,7 +7132,7 @@
         </p:nvSpPr>
         <p:spPr>
           <a:xfrm>
-            <a:off x="4569874" y="1441417"/>
+            <a:off x="4569874" y="1507111"/>
             <a:ext cx="827946" cy="523220"/>
           </a:xfrm>
           <a:prstGeom prst="rect">
@@ -6640,82 +7676,6 @@
 </p:sld>
 </file>
 
-<file path=ppt/slides/slide21.xml><?xml version="1.0" encoding="utf-8"?>
-<p:sld xmlns:a="http://schemas.openxmlformats.org/drawingml/2006/main" xmlns:r="http://schemas.openxmlformats.org/officeDocument/2006/relationships" xmlns:p="http://schemas.openxmlformats.org/presentationml/2006/main">
-  <p:cSld>
-    <p:spTree>
-      <p:nvGrpSpPr>
-        <p:cNvPr id="1" name=""/>
-        <p:cNvGrpSpPr/>
-        <p:nvPr/>
-      </p:nvGrpSpPr>
-      <p:grpSpPr>
-        <a:xfrm>
-          <a:off x="0" y="0"/>
-          <a:ext cx="0" cy="0"/>
-          <a:chOff x="0" y="0"/>
-          <a:chExt cx="0" cy="0"/>
-        </a:xfrm>
-      </p:grpSpPr>
-      <p:sp>
-        <p:nvSpPr>
-          <p:cNvPr id="2" name="Title 1"/>
-          <p:cNvSpPr>
-            <a:spLocks noGrp="1"/>
-          </p:cNvSpPr>
-          <p:nvPr>
-            <p:ph type="title"/>
-          </p:nvPr>
-        </p:nvSpPr>
-        <p:spPr/>
-        <p:txBody>
-          <a:bodyPr/>
-          <a:lstStyle/>
-          <a:p>
-            <a:r>
-              <a:rPr lang="en-US" dirty="0" smtClean="0"/>
-              <a:t>Putting it all Together</a:t>
-            </a:r>
-            <a:endParaRPr lang="en-US" dirty="0"/>
-          </a:p>
-        </p:txBody>
-      </p:sp>
-      <p:sp>
-        <p:nvSpPr>
-          <p:cNvPr id="3" name="Text Placeholder 2"/>
-          <p:cNvSpPr>
-            <a:spLocks noGrp="1"/>
-          </p:cNvSpPr>
-          <p:nvPr>
-            <p:ph type="body" idx="1"/>
-          </p:nvPr>
-        </p:nvSpPr>
-        <p:spPr/>
-        <p:txBody>
-          <a:bodyPr/>
-          <a:lstStyle/>
-          <a:p>
-            <a:r>
-              <a:rPr lang="en-US" dirty="0" smtClean="0"/>
-              <a:t>Real robot code</a:t>
-            </a:r>
-            <a:endParaRPr lang="en-US" dirty="0"/>
-          </a:p>
-        </p:txBody>
-      </p:sp>
-    </p:spTree>
-    <p:extLst>
-      <p:ext uri="{BB962C8B-B14F-4D97-AF65-F5344CB8AC3E}">
-        <p14:creationId xmlns:p14="http://schemas.microsoft.com/office/powerpoint/2010/main" val="3213909711"/>
-      </p:ext>
-    </p:extLst>
-  </p:cSld>
-  <p:clrMapOvr>
-    <a:masterClrMapping/>
-  </p:clrMapOvr>
-</p:sld>
-</file>
-
 <file path=ppt/slides/slide22.xml><?xml version="1.0" encoding="utf-8"?>
 <p:sld xmlns:a="http://schemas.openxmlformats.org/drawingml/2006/main" xmlns:r="http://schemas.openxmlformats.org/officeDocument/2006/relationships" xmlns:p="http://schemas.openxmlformats.org/presentationml/2006/main">
   <p:cSld>
@@ -6735,7 +7695,7 @@
       </p:grpSpPr>
       <p:sp>
         <p:nvSpPr>
-          <p:cNvPr id="4" name="Title 3"/>
+          <p:cNvPr id="2" name="Title 1"/>
           <p:cNvSpPr>
             <a:spLocks noGrp="1"/>
           </p:cNvSpPr>
@@ -6749,21 +7709,27 @@
           <a:lstStyle/>
           <a:p>
             <a:r>
-              <a:rPr lang="en-US" dirty="0" smtClean="0"/>
-              <a:t>Real robot code</a:t>
-            </a:r>
-            <a:endParaRPr lang="en-US" dirty="0"/>
-          </a:p>
-        </p:txBody>
-      </p:sp>
-      <p:sp>
-        <p:nvSpPr>
-          <p:cNvPr id="5" name="Content Placeholder 4"/>
-          <p:cNvSpPr>
-            <a:spLocks noGrp="1"/>
-          </p:cNvSpPr>
-          <p:nvPr>
-            <p:ph idx="1"/>
+              <a:rPr lang="en-US" b="0" dirty="0" smtClean="0">
+                <a:latin typeface="Roboto Black"/>
+                <a:cs typeface="Roboto Black"/>
+              </a:rPr>
+              <a:t>REAL ROBOT CODE</a:t>
+            </a:r>
+            <a:endParaRPr lang="en-US" b="0" dirty="0">
+              <a:latin typeface="Roboto Black"/>
+              <a:cs typeface="Roboto Black"/>
+            </a:endParaRPr>
+          </a:p>
+        </p:txBody>
+      </p:sp>
+      <p:sp>
+        <p:nvSpPr>
+          <p:cNvPr id="3" name="Text Placeholder 2"/>
+          <p:cNvSpPr>
+            <a:spLocks noGrp="1"/>
+          </p:cNvSpPr>
+          <p:nvPr>
+            <p:ph type="body" idx="1"/>
           </p:nvPr>
         </p:nvSpPr>
         <p:spPr/>
@@ -6773,25 +7739,7 @@
           <a:p>
             <a:r>
               <a:rPr lang="en-US" dirty="0" smtClean="0"/>
-              <a:t>python uses </a:t>
-            </a:r>
-            <a:r>
-              <a:rPr lang="en-US" dirty="0" err="1" smtClean="0"/>
-              <a:t>WPILib</a:t>
-            </a:r>
-            <a:endParaRPr lang="en-US" dirty="0" smtClean="0"/>
-          </a:p>
-          <a:p>
-            <a:pPr lvl="1"/>
-            <a:r>
-              <a:rPr lang="en-US" dirty="0" smtClean="0"/>
-              <a:t>Robot code isn’t that different from C++/Java, same principles still apply</a:t>
-            </a:r>
-          </a:p>
-          <a:p>
-            <a:r>
-              <a:rPr lang="en-US" dirty="0" smtClean="0"/>
-              <a:t>Let’s create a robot that changes a solenoid based on a joystick trigger</a:t>
+              <a:t>Putting it all together</a:t>
             </a:r>
             <a:endParaRPr lang="en-US" dirty="0"/>
           </a:p>
@@ -6800,7 +7748,7 @@
     </p:spTree>
     <p:extLst>
       <p:ext uri="{BB962C8B-B14F-4D97-AF65-F5344CB8AC3E}">
-        <p14:creationId xmlns:p14="http://schemas.microsoft.com/office/powerpoint/2010/main" val="627441915"/>
+        <p14:creationId xmlns:p14="http://schemas.microsoft.com/office/powerpoint/2010/main" val="3213909711"/>
       </p:ext>
     </p:extLst>
   </p:cSld>
@@ -6829,6 +7777,100 @@
       </p:grpSpPr>
       <p:sp>
         <p:nvSpPr>
+          <p:cNvPr id="4" name="Title 3"/>
+          <p:cNvSpPr>
+            <a:spLocks noGrp="1"/>
+          </p:cNvSpPr>
+          <p:nvPr>
+            <p:ph type="title"/>
+          </p:nvPr>
+        </p:nvSpPr>
+        <p:spPr/>
+        <p:txBody>
+          <a:bodyPr/>
+          <a:lstStyle/>
+          <a:p>
+            <a:r>
+              <a:rPr lang="en-US" dirty="0" smtClean="0"/>
+              <a:t>Real robot code</a:t>
+            </a:r>
+            <a:endParaRPr lang="en-US" dirty="0"/>
+          </a:p>
+        </p:txBody>
+      </p:sp>
+      <p:sp>
+        <p:nvSpPr>
+          <p:cNvPr id="5" name="Content Placeholder 4"/>
+          <p:cNvSpPr>
+            <a:spLocks noGrp="1"/>
+          </p:cNvSpPr>
+          <p:nvPr>
+            <p:ph idx="1"/>
+          </p:nvPr>
+        </p:nvSpPr>
+        <p:spPr/>
+        <p:txBody>
+          <a:bodyPr/>
+          <a:lstStyle/>
+          <a:p>
+            <a:r>
+              <a:rPr lang="en-US" dirty="0" smtClean="0"/>
+              <a:t>python uses </a:t>
+            </a:r>
+            <a:r>
+              <a:rPr lang="en-US" dirty="0" err="1" smtClean="0"/>
+              <a:t>WPILib</a:t>
+            </a:r>
+            <a:endParaRPr lang="en-US" dirty="0" smtClean="0"/>
+          </a:p>
+          <a:p>
+            <a:pPr lvl="1"/>
+            <a:r>
+              <a:rPr lang="en-US" dirty="0" smtClean="0"/>
+              <a:t>Robot code isn’t that different from C++/Java, same principles still apply</a:t>
+            </a:r>
+          </a:p>
+          <a:p>
+            <a:r>
+              <a:rPr lang="en-US" dirty="0" smtClean="0"/>
+              <a:t>Let’s create a robot that changes a solenoid based on a joystick trigger</a:t>
+            </a:r>
+            <a:endParaRPr lang="en-US" dirty="0"/>
+          </a:p>
+        </p:txBody>
+      </p:sp>
+    </p:spTree>
+    <p:extLst>
+      <p:ext uri="{BB962C8B-B14F-4D97-AF65-F5344CB8AC3E}">
+        <p14:creationId xmlns:p14="http://schemas.microsoft.com/office/powerpoint/2010/main" val="627441915"/>
+      </p:ext>
+    </p:extLst>
+  </p:cSld>
+  <p:clrMapOvr>
+    <a:masterClrMapping/>
+  </p:clrMapOvr>
+</p:sld>
+</file>
+
+<file path=ppt/slides/slide24.xml><?xml version="1.0" encoding="utf-8"?>
+<p:sld xmlns:a="http://schemas.openxmlformats.org/drawingml/2006/main" xmlns:r="http://schemas.openxmlformats.org/officeDocument/2006/relationships" xmlns:p="http://schemas.openxmlformats.org/presentationml/2006/main">
+  <p:cSld>
+    <p:spTree>
+      <p:nvGrpSpPr>
+        <p:cNvPr id="1" name=""/>
+        <p:cNvGrpSpPr/>
+        <p:nvPr/>
+      </p:nvGrpSpPr>
+      <p:grpSpPr>
+        <a:xfrm>
+          <a:off x="0" y="0"/>
+          <a:ext cx="0" cy="0"/>
+          <a:chOff x="0" y="0"/>
+          <a:chExt cx="0" cy="0"/>
+        </a:xfrm>
+      </p:grpSpPr>
+      <p:sp>
+        <p:nvSpPr>
           <p:cNvPr id="2" name="Title 1"/>
           <p:cNvSpPr>
             <a:spLocks noGrp="1"/>
@@ -6839,7 +7881,9 @@
         </p:nvSpPr>
         <p:spPr/>
         <p:txBody>
-          <a:bodyPr/>
+          <a:bodyPr>
+            <a:normAutofit/>
+          </a:bodyPr>
           <a:lstStyle/>
           <a:p>
             <a:r>
@@ -6912,7 +7956,7 @@
           <p:nvPr>
             <p:extLst>
               <p:ext uri="{D42A27DB-BD31-4B8C-83A1-F6EECF244321}">
-                <p14:modId xmlns:p14="http://schemas.microsoft.com/office/powerpoint/2010/main" val="2623988285"/>
+                <p14:modId xmlns:p14="http://schemas.microsoft.com/office/powerpoint/2010/main" val="4254530966"/>
               </p:ext>
             </p:extLst>
           </p:nvPr>
@@ -6947,45 +7991,7 @@
                           <a:latin typeface="Consolas"/>
                           <a:cs typeface="Consolas"/>
                         </a:rPr>
-                        <a:t>try:</a:t>
-                      </a:r>
-                    </a:p>
-                    <a:p>
-                      <a:r>
-                        <a:rPr lang="en-US" sz="2400" baseline="0" dirty="0" smtClean="0">
-                          <a:latin typeface="Consolas"/>
-                          <a:cs typeface="Consolas"/>
-                        </a:rPr>
-                        <a:t>    import </a:t>
-                      </a:r>
-                      <a:r>
-                        <a:rPr lang="en-US" sz="2400" baseline="0" dirty="0" err="1" smtClean="0">
-                          <a:latin typeface="Consolas"/>
-                          <a:cs typeface="Consolas"/>
-                        </a:rPr>
-                        <a:t>wpilib</a:t>
-                      </a:r>
-                      <a:endParaRPr lang="en-US" sz="2400" baseline="0" dirty="0" smtClean="0">
-                        <a:latin typeface="Consolas"/>
-                        <a:cs typeface="Consolas"/>
-                      </a:endParaRPr>
-                    </a:p>
-                    <a:p>
-                      <a:r>
-                        <a:rPr lang="en-US" sz="2400" baseline="0" dirty="0" smtClean="0">
-                          <a:latin typeface="Consolas"/>
-                          <a:cs typeface="Consolas"/>
-                        </a:rPr>
-                        <a:t>except:</a:t>
-                      </a:r>
-                    </a:p>
-                    <a:p>
-                      <a:r>
-                        <a:rPr lang="en-US" sz="2400" baseline="0" dirty="0" smtClean="0">
-                          <a:latin typeface="Consolas"/>
-                          <a:cs typeface="Consolas"/>
-                        </a:rPr>
-                        <a:t>    import pyfrc as </a:t>
+                        <a:t>import </a:t>
                       </a:r>
                       <a:r>
                         <a:rPr lang="en-US" sz="2400" baseline="0" dirty="0" err="1" smtClean="0">
@@ -7062,7 +8068,7 @@
 </p:sld>
 </file>
 
-<file path=ppt/slides/slide24.xml><?xml version="1.0" encoding="utf-8"?>
+<file path=ppt/slides/slide25.xml><?xml version="1.0" encoding="utf-8"?>
 <p:sld xmlns:a="http://schemas.openxmlformats.org/drawingml/2006/main" xmlns:r="http://schemas.openxmlformats.org/officeDocument/2006/relationships" xmlns:p="http://schemas.openxmlformats.org/presentationml/2006/main">
   <p:cSld>
     <p:spTree>
@@ -7091,7 +8097,9 @@
         </p:nvSpPr>
         <p:spPr/>
         <p:txBody>
-          <a:bodyPr/>
+          <a:bodyPr>
+            <a:normAutofit/>
+          </a:bodyPr>
           <a:lstStyle/>
           <a:p>
             <a:r>
@@ -7160,7 +8168,7 @@
           <p:nvPr>
             <p:extLst>
               <p:ext uri="{D42A27DB-BD31-4B8C-83A1-F6EECF244321}">
-                <p14:modId xmlns:p14="http://schemas.microsoft.com/office/powerpoint/2010/main" val="1517515333"/>
+                <p14:modId xmlns:p14="http://schemas.microsoft.com/office/powerpoint/2010/main" val="3896089841"/>
               </p:ext>
             </p:extLst>
           </p:nvPr>
@@ -7255,21 +8263,21 @@
                           <a:latin typeface="Consolas"/>
                           <a:cs typeface="Consolas"/>
                         </a:rPr>
-                        <a:t> __</a:t>
+                        <a:t> </a:t>
                       </a:r>
                       <a:r>
                         <a:rPr lang="en-US" sz="2400" baseline="0" dirty="0" err="1" smtClean="0">
                           <a:latin typeface="Consolas"/>
                           <a:cs typeface="Consolas"/>
                         </a:rPr>
-                        <a:t>init</a:t>
+                        <a:t>robotInit</a:t>
                       </a:r>
                       <a:r>
                         <a:rPr lang="en-US" sz="2400" baseline="0" dirty="0" smtClean="0">
                           <a:latin typeface="Consolas"/>
                           <a:cs typeface="Consolas"/>
                         </a:rPr>
-                        <a:t>__(self):</a:t>
+                        <a:t>(self):</a:t>
                       </a:r>
                     </a:p>
                     <a:p>
@@ -7278,21 +8286,7 @@
                           <a:latin typeface="Consolas"/>
                           <a:cs typeface="Consolas"/>
                         </a:rPr>
-                        <a:t>        super().__</a:t>
-                      </a:r>
-                      <a:r>
-                        <a:rPr lang="en-US" sz="2400" baseline="0" dirty="0" err="1" smtClean="0">
-                          <a:latin typeface="Consolas"/>
-                          <a:cs typeface="Consolas"/>
-                        </a:rPr>
-                        <a:t>init</a:t>
-                      </a:r>
-                      <a:r>
-                        <a:rPr lang="en-US" sz="2400" baseline="0" dirty="0" smtClean="0">
-                          <a:latin typeface="Consolas"/>
-                          <a:cs typeface="Consolas"/>
-                        </a:rPr>
-                        <a:t>__()</a:t>
+                        <a:t>        ‘’’Called at startup’’’</a:t>
                       </a:r>
                     </a:p>
                   </a:txBody>
@@ -7358,7 +8352,7 @@
 </p:sld>
 </file>
 
-<file path=ppt/slides/slide25.xml><?xml version="1.0" encoding="utf-8"?>
+<file path=ppt/slides/slide26.xml><?xml version="1.0" encoding="utf-8"?>
 <p:sld xmlns:a="http://schemas.openxmlformats.org/drawingml/2006/main" xmlns:r="http://schemas.openxmlformats.org/officeDocument/2006/relationships" xmlns:p="http://schemas.openxmlformats.org/presentationml/2006/main">
   <p:cSld>
     <p:spTree>
@@ -7387,7 +8381,9 @@
         </p:nvSpPr>
         <p:spPr/>
         <p:txBody>
-          <a:bodyPr/>
+          <a:bodyPr>
+            <a:normAutofit/>
+          </a:bodyPr>
           <a:lstStyle/>
           <a:p>
             <a:r>
@@ -7426,15 +8422,15 @@
           <a:p>
             <a:r>
               <a:rPr lang="en-US" dirty="0" smtClean="0"/>
-              <a:t>Create a joystick and some devices in the __</a:t>
+              <a:t>Create a joystick and some devices in the </a:t>
             </a:r>
             <a:r>
               <a:rPr lang="en-US" dirty="0" err="1" smtClean="0"/>
-              <a:t>init</a:t>
-            </a:r>
-            <a:r>
-              <a:rPr lang="en-US" dirty="0" smtClean="0"/>
-              <a:t>__ function</a:t>
+              <a:t>robotInit</a:t>
+            </a:r>
+            <a:r>
+              <a:rPr lang="en-US" dirty="0" smtClean="0"/>
+              <a:t> function</a:t>
             </a:r>
           </a:p>
           <a:p>
@@ -7451,14 +8447,14 @@
           <p:nvPr>
             <p:extLst>
               <p:ext uri="{D42A27DB-BD31-4B8C-83A1-F6EECF244321}">
-                <p14:modId xmlns:p14="http://schemas.microsoft.com/office/powerpoint/2010/main" val="2350561213"/>
+                <p14:modId xmlns:p14="http://schemas.microsoft.com/office/powerpoint/2010/main" val="2052892141"/>
               </p:ext>
             </p:extLst>
           </p:nvPr>
         </p:nvGraphicFramePr>
         <p:xfrm>
           <a:off x="457200" y="2789695"/>
-          <a:ext cx="8229600" cy="3749040"/>
+          <a:ext cx="8229600" cy="3628385"/>
         </p:xfrm>
         <a:graphic>
           <a:graphicData uri="http://schemas.openxmlformats.org/drawingml/2006/table">
@@ -7577,26 +8573,6 @@
                         </a:rPr>
                         <a:t>    </a:t>
                       </a:r>
-                      <a:r>
-                        <a:rPr lang="en-US" sz="2400" baseline="0" dirty="0" err="1" smtClean="0">
-                          <a:latin typeface="Consolas"/>
-                          <a:cs typeface="Consolas"/>
-                        </a:rPr>
-                        <a:t>self.dio.label</a:t>
-                      </a:r>
-                      <a:r>
-                        <a:rPr lang="en-US" sz="2400" baseline="0" dirty="0" smtClean="0">
-                          <a:latin typeface="Consolas"/>
-                          <a:cs typeface="Consolas"/>
-                        </a:rPr>
-                        <a:t> = “Device label in simulator”</a:t>
-                      </a:r>
-                    </a:p>
-                    <a:p>
-                      <a:endParaRPr lang="en-US" sz="2400" baseline="0" dirty="0" smtClean="0">
-                        <a:latin typeface="Consolas"/>
-                        <a:cs typeface="Consolas"/>
-                      </a:endParaRPr>
                     </a:p>
                     <a:p>
                       <a:r>
@@ -7730,7 +8706,7 @@
 </p:sld>
 </file>
 
-<file path=ppt/slides/slide26.xml><?xml version="1.0" encoding="utf-8"?>
+<file path=ppt/slides/slide27.xml><?xml version="1.0" encoding="utf-8"?>
 <p:sld xmlns:a="http://schemas.openxmlformats.org/drawingml/2006/main" xmlns:r="http://schemas.openxmlformats.org/officeDocument/2006/relationships" xmlns:p="http://schemas.openxmlformats.org/presentationml/2006/main">
   <p:cSld>
     <p:spTree>
@@ -7759,7 +8735,9 @@
         </p:nvSpPr>
         <p:spPr/>
         <p:txBody>
-          <a:bodyPr/>
+          <a:bodyPr>
+            <a:normAutofit/>
+          </a:bodyPr>
           <a:lstStyle/>
           <a:p>
             <a:r>
@@ -7820,7 +8798,7 @@
           <p:nvPr>
             <p:extLst>
               <p:ext uri="{D42A27DB-BD31-4B8C-83A1-F6EECF244321}">
-                <p14:modId xmlns:p14="http://schemas.microsoft.com/office/powerpoint/2010/main" val="1261340036"/>
+                <p14:modId xmlns:p14="http://schemas.microsoft.com/office/powerpoint/2010/main" val="2917931173"/>
               </p:ext>
             </p:extLst>
           </p:nvPr>
@@ -7869,7 +8847,7 @@
                           <a:latin typeface="Consolas"/>
                           <a:cs typeface="Consolas"/>
                         </a:rPr>
-                        <a:t>TeleopPeriodic</a:t>
+                        <a:t>teleopPeriodic</a:t>
                       </a:r>
                       <a:r>
                         <a:rPr lang="en-US" sz="2400" baseline="0" dirty="0" smtClean="0">
@@ -7911,14 +8889,14 @@
                           <a:latin typeface="Consolas"/>
                           <a:cs typeface="Consolas"/>
                         </a:rPr>
-                        <a:t>  self.solenoid1.Set(</a:t>
+                        <a:t>  self.solenoid1.set(</a:t>
                       </a:r>
                       <a:r>
                         <a:rPr lang="en-US" sz="2400" baseline="0" dirty="0" err="1" smtClean="0">
                           <a:latin typeface="Consolas"/>
                           <a:cs typeface="Consolas"/>
                         </a:rPr>
-                        <a:t>self.joystick.GetTrigger</a:t>
+                        <a:t>self.joystick.getTrigger</a:t>
                       </a:r>
                       <a:r>
                         <a:rPr lang="en-US" sz="2400" baseline="0" dirty="0" smtClean="0">
@@ -7949,14 +8927,14 @@
                           <a:latin typeface="Consolas"/>
                           <a:cs typeface="Consolas"/>
                         </a:rPr>
-                        <a:t>  self.solenoid4.Set(</a:t>
+                        <a:t>  self.solenoid4.set(</a:t>
                       </a:r>
                       <a:r>
                         <a:rPr lang="en-US" sz="2400" baseline="0" dirty="0" err="1" smtClean="0">
                           <a:latin typeface="Consolas"/>
                           <a:cs typeface="Consolas"/>
                         </a:rPr>
-                        <a:t>self.dio.Get</a:t>
+                        <a:t>self.dio.get</a:t>
                       </a:r>
                       <a:r>
                         <a:rPr lang="en-US" sz="2400" baseline="0" dirty="0" smtClean="0">
@@ -8029,7 +9007,7 @@
 </p:sld>
 </file>
 
-<file path=ppt/slides/slide27.xml><?xml version="1.0" encoding="utf-8"?>
+<file path=ppt/slides/slide28.xml><?xml version="1.0" encoding="utf-8"?>
 <p:sld xmlns:a="http://schemas.openxmlformats.org/drawingml/2006/main" xmlns:r="http://schemas.openxmlformats.org/officeDocument/2006/relationships" xmlns:p="http://schemas.openxmlformats.org/presentationml/2006/main">
   <p:cSld>
     <p:spTree>
@@ -8115,14 +9093,14 @@
           <p:nvPr>
             <p:extLst>
               <p:ext uri="{D42A27DB-BD31-4B8C-83A1-F6EECF244321}">
-                <p14:modId xmlns:p14="http://schemas.microsoft.com/office/powerpoint/2010/main" val="3962225744"/>
+                <p14:modId xmlns:p14="http://schemas.microsoft.com/office/powerpoint/2010/main" val="803622702"/>
               </p:ext>
             </p:extLst>
           </p:nvPr>
         </p:nvGraphicFramePr>
         <p:xfrm>
           <a:off x="457200" y="2835055"/>
-          <a:ext cx="8229600" cy="3749040"/>
+          <a:ext cx="8229600" cy="3526324"/>
         </p:xfrm>
         <a:graphic>
           <a:graphicData uri="http://schemas.openxmlformats.org/drawingml/2006/table">
@@ -8150,126 +9128,49 @@
                           <a:latin typeface="Consolas"/>
                           <a:cs typeface="Consolas"/>
                         </a:rPr>
-                        <a:t># This won’t be needed in 2015</a:t>
-                      </a:r>
-                    </a:p>
-                    <a:p>
+                        <a:t>if __name__ == '__main__':</a:t>
+                      </a:r>
+                    </a:p>
+                    <a:p>
+                      <a:r>
+                        <a:rPr lang="en-US" sz="2400" baseline="0" dirty="0" smtClean="0">
+                          <a:latin typeface="Consolas"/>
+                          <a:cs typeface="Consolas"/>
+                        </a:rPr>
+                        <a:t>    </a:t>
+                      </a:r>
                       <a:r>
                         <a:rPr lang="en-US" sz="2400" baseline="0" dirty="0" err="1" smtClean="0">
                           <a:latin typeface="Consolas"/>
                           <a:cs typeface="Consolas"/>
                         </a:rPr>
-                        <a:t>def</a:t>
+                        <a:t>wpilib.run</a:t>
                       </a:r>
                       <a:r>
                         <a:rPr lang="en-US" sz="2400" baseline="0" dirty="0" smtClean="0">
                           <a:latin typeface="Consolas"/>
                           <a:cs typeface="Consolas"/>
                         </a:rPr>
-                        <a:t> run():</a:t>
-                      </a:r>
-                    </a:p>
-                    <a:p>
+                        <a:t>(</a:t>
+                      </a:r>
+                      <a:r>
+                        <a:rPr lang="en-US" sz="2400" baseline="0" dirty="0" err="1" smtClean="0">
+                          <a:latin typeface="Consolas"/>
+                          <a:cs typeface="Consolas"/>
+                        </a:rPr>
+                        <a:t>MyRobot</a:t>
+                      </a:r>
                       <a:r>
                         <a:rPr lang="en-US" sz="2400" baseline="0" dirty="0" smtClean="0">
                           <a:latin typeface="Consolas"/>
                           <a:cs typeface="Consolas"/>
                         </a:rPr>
-                        <a:t>    robot = </a:t>
-                      </a:r>
-                      <a:r>
-                        <a:rPr lang="en-US" sz="2400" baseline="0" dirty="0" err="1" smtClean="0">
-                          <a:latin typeface="Consolas"/>
-                          <a:cs typeface="Consolas"/>
-                        </a:rPr>
-                        <a:t>MyRobot</a:t>
-                      </a:r>
-                      <a:r>
-                        <a:rPr lang="en-US" sz="2400" baseline="0" dirty="0" smtClean="0">
-                          <a:latin typeface="Consolas"/>
-                          <a:cs typeface="Consolas"/>
-                        </a:rPr>
-                        <a:t>()</a:t>
-                      </a:r>
-                    </a:p>
-                    <a:p>
-                      <a:r>
-                        <a:rPr lang="en-US" sz="2400" baseline="0" dirty="0" smtClean="0">
-                          <a:latin typeface="Consolas"/>
-                          <a:cs typeface="Consolas"/>
-                        </a:rPr>
-                        <a:t>    </a:t>
-                      </a:r>
-                      <a:r>
-                        <a:rPr lang="en-US" sz="2400" baseline="0" dirty="0" err="1" smtClean="0">
-                          <a:latin typeface="Consolas"/>
-                          <a:cs typeface="Consolas"/>
-                        </a:rPr>
-                        <a:t>robot.StartCompetition</a:t>
-                      </a:r>
-                      <a:r>
-                        <a:rPr lang="en-US" sz="2400" baseline="0" dirty="0" smtClean="0">
-                          <a:latin typeface="Consolas"/>
-                          <a:cs typeface="Consolas"/>
-                        </a:rPr>
-                        <a:t>()</a:t>
-                      </a:r>
-                    </a:p>
-                    <a:p>
-                      <a:r>
-                        <a:rPr lang="en-US" sz="2400" baseline="0" dirty="0" smtClean="0">
-                          <a:latin typeface="Consolas"/>
-                          <a:cs typeface="Consolas"/>
-                        </a:rPr>
-                        <a:t>    return robot</a:t>
-                      </a:r>
-                    </a:p>
-                    <a:p>
+                        <a:t>)</a:t>
+                      </a:r>
                       <a:endParaRPr lang="en-US" sz="2400" baseline="0" dirty="0" smtClean="0">
                         <a:latin typeface="Consolas"/>
                         <a:cs typeface="Consolas"/>
                       </a:endParaRPr>
-                    </a:p>
-                    <a:p>
-                      <a:r>
-                        <a:rPr lang="en-US" sz="2400" baseline="0" dirty="0" smtClean="0">
-                          <a:latin typeface="Consolas"/>
-                          <a:cs typeface="Consolas"/>
-                        </a:rPr>
-                        <a:t># This will still be needed in 2015</a:t>
-                      </a:r>
-                    </a:p>
-                    <a:p>
-                      <a:r>
-                        <a:rPr lang="en-US" sz="2400" baseline="0" dirty="0" smtClean="0">
-                          <a:latin typeface="Consolas"/>
-                          <a:cs typeface="Consolas"/>
-                        </a:rPr>
-                        <a:t>if __name__ == '__main__':</a:t>
-                      </a:r>
-                    </a:p>
-                    <a:p>
-                      <a:r>
-                        <a:rPr lang="en-US" sz="2400" baseline="0" dirty="0" smtClean="0">
-                          <a:latin typeface="Consolas"/>
-                          <a:cs typeface="Consolas"/>
-                        </a:rPr>
-                        <a:t>    </a:t>
-                      </a:r>
-                      <a:r>
-                        <a:rPr lang="en-US" sz="2400" baseline="0" dirty="0" err="1" smtClean="0">
-                          <a:latin typeface="Consolas"/>
-                          <a:cs typeface="Consolas"/>
-                        </a:rPr>
-                        <a:t>wpilib.run</a:t>
-                      </a:r>
-                      <a:r>
-                        <a:rPr lang="en-US" sz="2400" baseline="0" dirty="0" smtClean="0">
-                          <a:latin typeface="Consolas"/>
-                          <a:cs typeface="Consolas"/>
-                        </a:rPr>
-                        <a:t>()</a:t>
-                      </a:r>
                     </a:p>
                   </a:txBody>
                   <a:tcPr>
@@ -8334,187 +9235,6 @@
 </p:sld>
 </file>
 
-<file path=ppt/slides/slide28.xml><?xml version="1.0" encoding="utf-8"?>
-<p:sld xmlns:a="http://schemas.openxmlformats.org/drawingml/2006/main" xmlns:r="http://schemas.openxmlformats.org/officeDocument/2006/relationships" xmlns:p="http://schemas.openxmlformats.org/presentationml/2006/main">
-  <p:cSld>
-    <p:spTree>
-      <p:nvGrpSpPr>
-        <p:cNvPr id="1" name=""/>
-        <p:cNvGrpSpPr/>
-        <p:nvPr/>
-      </p:nvGrpSpPr>
-      <p:grpSpPr>
-        <a:xfrm>
-          <a:off x="0" y="0"/>
-          <a:ext cx="0" cy="0"/>
-          <a:chOff x="0" y="0"/>
-          <a:chExt cx="0" cy="0"/>
-        </a:xfrm>
-      </p:grpSpPr>
-      <p:sp>
-        <p:nvSpPr>
-          <p:cNvPr id="2" name="Title 1"/>
-          <p:cNvSpPr>
-            <a:spLocks noGrp="1"/>
-          </p:cNvSpPr>
-          <p:nvPr>
-            <p:ph type="title"/>
-          </p:nvPr>
-        </p:nvSpPr>
-        <p:spPr/>
-        <p:txBody>
-          <a:bodyPr/>
-          <a:lstStyle/>
-          <a:p>
-            <a:r>
-              <a:rPr lang="en-US" dirty="0" smtClean="0"/>
-              <a:t>Real Robot Code: Running it</a:t>
-            </a:r>
-            <a:endParaRPr lang="en-US" dirty="0"/>
-          </a:p>
-        </p:txBody>
-      </p:sp>
-      <p:sp>
-        <p:nvSpPr>
-          <p:cNvPr id="3" name="Content Placeholder 2"/>
-          <p:cNvSpPr>
-            <a:spLocks noGrp="1"/>
-          </p:cNvSpPr>
-          <p:nvPr>
-            <p:ph idx="1"/>
-          </p:nvPr>
-        </p:nvSpPr>
-        <p:spPr/>
-        <p:txBody>
-          <a:bodyPr/>
-          <a:lstStyle/>
-          <a:p>
-            <a:r>
-              <a:rPr lang="en-US" dirty="0" smtClean="0"/>
-              <a:t>Use python3 to execute </a:t>
-            </a:r>
-            <a:r>
-              <a:rPr lang="en-US" dirty="0" err="1" smtClean="0"/>
-              <a:t>robot.py</a:t>
-            </a:r>
-            <a:r>
-              <a:rPr lang="en-US" dirty="0" smtClean="0"/>
-              <a:t>, and pass it the ‘</a:t>
-            </a:r>
-            <a:r>
-              <a:rPr lang="en-US" dirty="0" err="1" smtClean="0"/>
-              <a:t>sim</a:t>
-            </a:r>
-            <a:r>
-              <a:rPr lang="en-US" dirty="0" smtClean="0"/>
-              <a:t>’ argument</a:t>
-            </a:r>
-          </a:p>
-          <a:p>
-            <a:r>
-              <a:rPr lang="en-US" dirty="0" smtClean="0"/>
-              <a:t>Windows: Open </a:t>
-            </a:r>
-            <a:r>
-              <a:rPr lang="en-US" dirty="0" err="1" smtClean="0"/>
-              <a:t>cmd</a:t>
-            </a:r>
-            <a:r>
-              <a:rPr lang="en-US" dirty="0" smtClean="0"/>
-              <a:t>, and…</a:t>
-            </a:r>
-          </a:p>
-          <a:p>
-            <a:pPr lvl="1"/>
-            <a:r>
-              <a:rPr lang="en-US" dirty="0" smtClean="0"/>
-              <a:t>cd path</a:t>
-            </a:r>
-            <a:r>
-              <a:rPr lang="en-US" dirty="0"/>
-              <a:t>\</a:t>
-            </a:r>
-            <a:r>
-              <a:rPr lang="en-US" dirty="0" smtClean="0"/>
-              <a:t>to</a:t>
-            </a:r>
-            <a:r>
-              <a:rPr lang="en-US" dirty="0"/>
-              <a:t>\</a:t>
-            </a:r>
-            <a:r>
-              <a:rPr lang="en-US" dirty="0" smtClean="0"/>
-              <a:t>robot</a:t>
-            </a:r>
-          </a:p>
-          <a:p>
-            <a:pPr lvl="1"/>
-            <a:r>
-              <a:rPr lang="en-US" dirty="0" smtClean="0"/>
-              <a:t>python3 </a:t>
-            </a:r>
-            <a:r>
-              <a:rPr lang="en-US" dirty="0" err="1" smtClean="0"/>
-              <a:t>robot.py</a:t>
-            </a:r>
-            <a:r>
-              <a:rPr lang="en-US" dirty="0" smtClean="0"/>
-              <a:t> </a:t>
-            </a:r>
-            <a:r>
-              <a:rPr lang="en-US" dirty="0" err="1" smtClean="0"/>
-              <a:t>sim</a:t>
-            </a:r>
-            <a:endParaRPr lang="en-US" dirty="0" smtClean="0"/>
-          </a:p>
-          <a:p>
-            <a:r>
-              <a:rPr lang="en-US" dirty="0" smtClean="0"/>
-              <a:t>OSX: Open Terminal, and…</a:t>
-            </a:r>
-          </a:p>
-          <a:p>
-            <a:pPr lvl="1"/>
-            <a:r>
-              <a:rPr lang="en-US" dirty="0" smtClean="0"/>
-              <a:t>cd path/to/robot</a:t>
-            </a:r>
-          </a:p>
-          <a:p>
-            <a:pPr lvl="1"/>
-            <a:r>
-              <a:rPr lang="en-US" dirty="0" smtClean="0"/>
-              <a:t>python3 </a:t>
-            </a:r>
-            <a:r>
-              <a:rPr lang="en-US" dirty="0" err="1" smtClean="0"/>
-              <a:t>robot.py</a:t>
-            </a:r>
-            <a:r>
-              <a:rPr lang="en-US" dirty="0" smtClean="0"/>
-              <a:t> </a:t>
-            </a:r>
-            <a:r>
-              <a:rPr lang="en-US" dirty="0" err="1" smtClean="0"/>
-              <a:t>sim</a:t>
-            </a:r>
-            <a:endParaRPr lang="en-US" dirty="0"/>
-          </a:p>
-        </p:txBody>
-      </p:sp>
-    </p:spTree>
-    <p:extLst>
-      <p:ext uri="{BB962C8B-B14F-4D97-AF65-F5344CB8AC3E}">
-        <p14:creationId xmlns:p14="http://schemas.microsoft.com/office/powerpoint/2010/main" val="515816622"/>
-      </p:ext>
-    </p:extLst>
-  </p:cSld>
-  <p:clrMapOvr>
-    <a:masterClrMapping/>
-  </p:clrMapOvr>
-</p:sld>
-</file>
-
 <file path=ppt/slides/slide29.xml><?xml version="1.0" encoding="utf-8"?>
 <p:sld xmlns:a="http://schemas.openxmlformats.org/drawingml/2006/main" xmlns:r="http://schemas.openxmlformats.org/officeDocument/2006/relationships" xmlns:p="http://schemas.openxmlformats.org/presentationml/2006/main">
   <p:cSld>
@@ -8544,51 +9264,167 @@
         </p:nvSpPr>
         <p:spPr/>
         <p:txBody>
+          <a:bodyPr>
+            <a:normAutofit/>
+          </a:bodyPr>
+          <a:lstStyle/>
+          <a:p>
+            <a:r>
+              <a:rPr lang="en-US" dirty="0" smtClean="0"/>
+              <a:t>Real Robot </a:t>
+            </a:r>
+            <a:r>
+              <a:rPr lang="en-US" dirty="0" smtClean="0"/>
+              <a:t>Code: Running </a:t>
+            </a:r>
+            <a:r>
+              <a:rPr lang="en-US" dirty="0" smtClean="0"/>
+              <a:t>it</a:t>
+            </a:r>
+            <a:endParaRPr lang="en-US" dirty="0"/>
+          </a:p>
+        </p:txBody>
+      </p:sp>
+      <p:sp>
+        <p:nvSpPr>
+          <p:cNvPr id="3" name="Content Placeholder 2"/>
+          <p:cNvSpPr>
+            <a:spLocks noGrp="1"/>
+          </p:cNvSpPr>
+          <p:nvPr>
+            <p:ph idx="1"/>
+          </p:nvPr>
+        </p:nvSpPr>
+        <p:spPr/>
+        <p:txBody>
           <a:bodyPr/>
           <a:lstStyle/>
           <a:p>
             <a:r>
               <a:rPr lang="en-US" dirty="0" smtClean="0"/>
-              <a:t>The result</a:t>
+              <a:t>Use python3 to execute </a:t>
+            </a:r>
+            <a:r>
+              <a:rPr lang="en-US" dirty="0" err="1" smtClean="0"/>
+              <a:t>robot.py</a:t>
+            </a:r>
+            <a:r>
+              <a:rPr lang="en-US" dirty="0" smtClean="0"/>
+              <a:t>, and pass it the ‘</a:t>
+            </a:r>
+            <a:r>
+              <a:rPr lang="en-US" dirty="0" err="1" smtClean="0"/>
+              <a:t>sim</a:t>
+            </a:r>
+            <a:r>
+              <a:rPr lang="en-US" dirty="0" smtClean="0"/>
+              <a:t>’ argument</a:t>
+            </a:r>
+          </a:p>
+          <a:p>
+            <a:r>
+              <a:rPr lang="en-US" dirty="0" smtClean="0"/>
+              <a:t>Windows: Open </a:t>
+            </a:r>
+            <a:r>
+              <a:rPr lang="en-US" dirty="0" err="1" smtClean="0"/>
+              <a:t>cmd</a:t>
+            </a:r>
+            <a:r>
+              <a:rPr lang="en-US" dirty="0" smtClean="0"/>
+              <a:t>, and…</a:t>
+            </a:r>
+          </a:p>
+          <a:p>
+            <a:pPr lvl="1"/>
+            <a:r>
+              <a:rPr lang="en-US" dirty="0" smtClean="0"/>
+              <a:t>cd path</a:t>
+            </a:r>
+            <a:r>
+              <a:rPr lang="en-US" dirty="0"/>
+              <a:t>\</a:t>
+            </a:r>
+            <a:r>
+              <a:rPr lang="en-US" dirty="0" smtClean="0"/>
+              <a:t>to</a:t>
+            </a:r>
+            <a:r>
+              <a:rPr lang="en-US" dirty="0"/>
+              <a:t>\</a:t>
+            </a:r>
+            <a:r>
+              <a:rPr lang="en-US" dirty="0" smtClean="0"/>
+              <a:t>robot</a:t>
+            </a:r>
+          </a:p>
+          <a:p>
+            <a:pPr lvl="1"/>
+            <a:r>
+              <a:rPr lang="en-US" dirty="0" err="1"/>
+              <a:t>p</a:t>
+            </a:r>
+            <a:r>
+              <a:rPr lang="en-US" dirty="0" err="1" smtClean="0"/>
+              <a:t>y</a:t>
+            </a:r>
+            <a:r>
+              <a:rPr lang="en-US" dirty="0" smtClean="0"/>
+              <a:t> -3 </a:t>
+            </a:r>
+            <a:r>
+              <a:rPr lang="en-US" dirty="0" err="1" smtClean="0"/>
+              <a:t>robot.py</a:t>
+            </a:r>
+            <a:r>
+              <a:rPr lang="en-US" dirty="0" smtClean="0"/>
+              <a:t> </a:t>
+            </a:r>
+            <a:r>
+              <a:rPr lang="en-US" dirty="0" err="1" smtClean="0"/>
+              <a:t>sim</a:t>
+            </a:r>
+            <a:endParaRPr lang="en-US" dirty="0" smtClean="0"/>
+          </a:p>
+          <a:p>
+            <a:r>
+              <a:rPr lang="en-US" dirty="0" smtClean="0"/>
+              <a:t>OSX: Open Terminal, and…</a:t>
+            </a:r>
+          </a:p>
+          <a:p>
+            <a:pPr lvl="1"/>
+            <a:r>
+              <a:rPr lang="en-US" dirty="0" smtClean="0"/>
+              <a:t>cd path/to/robot</a:t>
+            </a:r>
+          </a:p>
+          <a:p>
+            <a:pPr lvl="1"/>
+            <a:r>
+              <a:rPr lang="en-US" dirty="0" smtClean="0"/>
+              <a:t>python3 </a:t>
+            </a:r>
+            <a:r>
+              <a:rPr lang="en-US" dirty="0" err="1" smtClean="0"/>
+              <a:t>robot.py</a:t>
+            </a:r>
+            <a:r>
+              <a:rPr lang="en-US" dirty="0" smtClean="0"/>
+              <a:t> </a:t>
+            </a:r>
+            <a:r>
+              <a:rPr lang="en-US" dirty="0" err="1" smtClean="0"/>
+              <a:t>sim</a:t>
             </a:r>
             <a:endParaRPr lang="en-US" dirty="0"/>
           </a:p>
         </p:txBody>
       </p:sp>
-      <p:pic>
-        <p:nvPicPr>
-          <p:cNvPr id="8" name="Picture 7" descr="Screen Shot 2014-12-13 at 2.51.50 AM.png"/>
-          <p:cNvPicPr>
-            <a:picLocks noChangeAspect="1"/>
-          </p:cNvPicPr>
-          <p:nvPr/>
-        </p:nvPicPr>
-        <p:blipFill>
-          <a:blip r:embed="rId2">
-            <a:extLst>
-              <a:ext uri="{28A0092B-C50C-407E-A947-70E740481C1C}">
-                <a14:useLocalDpi xmlns:a14="http://schemas.microsoft.com/office/drawing/2010/main" val="0"/>
-              </a:ext>
-            </a:extLst>
-          </a:blip>
-          <a:stretch>
-            <a:fillRect/>
-          </a:stretch>
-        </p:blipFill>
-        <p:spPr>
-          <a:xfrm>
-            <a:off x="0" y="1354593"/>
-            <a:ext cx="9144000" cy="5469733"/>
-          </a:xfrm>
-          <a:prstGeom prst="rect">
-            <a:avLst/>
-          </a:prstGeom>
-        </p:spPr>
-      </p:pic>
     </p:spTree>
     <p:extLst>
       <p:ext uri="{BB962C8B-B14F-4D97-AF65-F5344CB8AC3E}">
-        <p14:creationId xmlns:p14="http://schemas.microsoft.com/office/powerpoint/2010/main" val="3832895871"/>
+        <p14:creationId xmlns:p14="http://schemas.microsoft.com/office/powerpoint/2010/main" val="515816622"/>
       </p:ext>
     </p:extLst>
   </p:cSld>
@@ -8691,6 +9527,13 @@
   <p:clrMapOvr>
     <a:masterClrMapping/>
   </p:clrMapOvr>
+  <p:timing>
+    <p:tnLst>
+      <p:par>
+        <p:cTn xmlns:p14="http://schemas.microsoft.com/office/powerpoint/2010/main" id="1" dur="indefinite" restart="never" nodeType="tmRoot"/>
+      </p:par>
+    </p:tnLst>
+  </p:timing>
 </p:sld>
 </file>
 
@@ -8728,79 +9571,46 @@
           <a:p>
             <a:r>
               <a:rPr lang="en-US" dirty="0" smtClean="0"/>
-              <a:t>Want More?</a:t>
+              <a:t>The result</a:t>
             </a:r>
             <a:endParaRPr lang="en-US" dirty="0"/>
           </a:p>
         </p:txBody>
       </p:sp>
-      <p:sp>
-        <p:nvSpPr>
-          <p:cNvPr id="3" name="Content Placeholder 2"/>
-          <p:cNvSpPr>
-            <a:spLocks noGrp="1"/>
-          </p:cNvSpPr>
-          <p:nvPr>
-            <p:ph idx="1"/>
-          </p:nvPr>
-        </p:nvSpPr>
-        <p:spPr/>
-        <p:txBody>
-          <a:bodyPr/>
-          <a:lstStyle/>
-          <a:p>
-            <a:r>
-              <a:rPr lang="en-US" dirty="0" smtClean="0"/>
-              <a:t>pyfrc has ‘physics’ support</a:t>
-            </a:r>
-          </a:p>
-          <a:p>
-            <a:pPr lvl="1"/>
-            <a:r>
-              <a:rPr lang="en-US" dirty="0" smtClean="0"/>
-              <a:t>Allows you to adjust various robot objects on the fly to make the simulation more useful</a:t>
-            </a:r>
-          </a:p>
-          <a:p>
-            <a:pPr lvl="1"/>
-            <a:r>
-              <a:rPr lang="en-US" dirty="0" smtClean="0"/>
-              <a:t>This will be easier in 2015</a:t>
-            </a:r>
-          </a:p>
-          <a:p>
-            <a:r>
-              <a:rPr lang="en-US" dirty="0" smtClean="0"/>
-              <a:t>There are more pyfrc samples on </a:t>
-            </a:r>
-            <a:r>
-              <a:rPr lang="en-US" dirty="0" err="1" smtClean="0"/>
-              <a:t>github</a:t>
-            </a:r>
-            <a:endParaRPr lang="en-US" dirty="0" smtClean="0"/>
-          </a:p>
-          <a:p>
-            <a:pPr lvl="1"/>
-            <a:r>
-              <a:rPr lang="en-US" dirty="0" smtClean="0">
-                <a:hlinkClick r:id="rId2"/>
-              </a:rPr>
-              <a:t>https://github.com/robotpy/pyfrc/tree/master/samples</a:t>
-            </a:r>
-            <a:endParaRPr lang="en-US" dirty="0" smtClean="0"/>
-          </a:p>
-          <a:p>
-            <a:pPr marL="457200" lvl="1" indent="0">
-              <a:buNone/>
-            </a:pPr>
-            <a:endParaRPr lang="en-US" dirty="0"/>
-          </a:p>
-        </p:txBody>
-      </p:sp>
+      <p:pic>
+        <p:nvPicPr>
+          <p:cNvPr id="3" name="Picture 2" descr="Screen Shot 2016-01-08 at 11.48.26 PM.png"/>
+          <p:cNvPicPr>
+            <a:picLocks noChangeAspect="1"/>
+          </p:cNvPicPr>
+          <p:nvPr/>
+        </p:nvPicPr>
+        <p:blipFill>
+          <a:blip r:embed="rId2">
+            <a:extLst>
+              <a:ext uri="{28A0092B-C50C-407E-A947-70E740481C1C}">
+                <a14:useLocalDpi xmlns:a14="http://schemas.microsoft.com/office/drawing/2010/main" val="0"/>
+              </a:ext>
+            </a:extLst>
+          </a:blip>
+          <a:stretch>
+            <a:fillRect/>
+          </a:stretch>
+        </p:blipFill>
+        <p:spPr>
+          <a:xfrm>
+            <a:off x="1018128" y="1849159"/>
+            <a:ext cx="6786827" cy="5008841"/>
+          </a:xfrm>
+          <a:prstGeom prst="rect">
+            <a:avLst/>
+          </a:prstGeom>
+        </p:spPr>
+      </p:pic>
     </p:spTree>
     <p:extLst>
       <p:ext uri="{BB962C8B-B14F-4D97-AF65-F5344CB8AC3E}">
-        <p14:creationId xmlns:p14="http://schemas.microsoft.com/office/powerpoint/2010/main" val="3196418949"/>
+        <p14:creationId xmlns:p14="http://schemas.microsoft.com/office/powerpoint/2010/main" val="3832895871"/>
       </p:ext>
     </p:extLst>
   </p:cSld>
@@ -8843,21 +9653,27 @@
           <a:lstStyle/>
           <a:p>
             <a:r>
-              <a:rPr lang="en-US" dirty="0" smtClean="0"/>
-              <a:t>2015 Changes</a:t>
-            </a:r>
-            <a:endParaRPr lang="en-US" dirty="0"/>
-          </a:p>
-        </p:txBody>
-      </p:sp>
-      <p:sp>
-        <p:nvSpPr>
-          <p:cNvPr id="3" name="Content Placeholder 2"/>
-          <p:cNvSpPr>
-            <a:spLocks noGrp="1"/>
-          </p:cNvSpPr>
-          <p:nvPr>
-            <p:ph idx="1"/>
+              <a:rPr lang="en-US" b="0" dirty="0" smtClean="0">
+                <a:latin typeface="Roboto Black"/>
+                <a:cs typeface="Roboto Black"/>
+              </a:rPr>
+              <a:t>ENCODER DEMO</a:t>
+            </a:r>
+            <a:endParaRPr lang="en-US" b="0" dirty="0">
+              <a:latin typeface="Roboto Black"/>
+              <a:cs typeface="Roboto Black"/>
+            </a:endParaRPr>
+          </a:p>
+        </p:txBody>
+      </p:sp>
+      <p:sp>
+        <p:nvSpPr>
+          <p:cNvPr id="3" name="Text Placeholder 2"/>
+          <p:cNvSpPr>
+            <a:spLocks noGrp="1"/>
+          </p:cNvSpPr>
+          <p:nvPr>
+            <p:ph type="body" idx="1"/>
           </p:nvPr>
         </p:nvSpPr>
         <p:spPr/>
@@ -8866,50 +9682,9 @@
           <a:lstStyle/>
           <a:p>
             <a:r>
-              <a:rPr lang="en-US" dirty="0" err="1" smtClean="0"/>
-              <a:t>WPILib</a:t>
-            </a:r>
-            <a:r>
-              <a:rPr lang="en-US" dirty="0" smtClean="0"/>
-              <a:t> is now 100% pure python</a:t>
-            </a:r>
-          </a:p>
-          <a:p>
-            <a:pPr lvl="1"/>
-            <a:r>
-              <a:rPr lang="en-US" dirty="0" smtClean="0"/>
-              <a:t>And you can run it on your PC</a:t>
-            </a:r>
-          </a:p>
-          <a:p>
-            <a:r>
-              <a:rPr lang="en-US" dirty="0" smtClean="0"/>
-              <a:t>API is based on Java, not C++</a:t>
-            </a:r>
-          </a:p>
-          <a:p>
-            <a:pPr lvl="1"/>
-            <a:r>
-              <a:rPr lang="en-US" dirty="0" err="1" smtClean="0"/>
-              <a:t>getRawButton</a:t>
-            </a:r>
-            <a:r>
-              <a:rPr lang="en-US" dirty="0" smtClean="0"/>
-              <a:t>() instead of </a:t>
-            </a:r>
-            <a:r>
-              <a:rPr lang="en-US" dirty="0" err="1" smtClean="0"/>
-              <a:t>GetRawButton</a:t>
-            </a:r>
-            <a:r>
-              <a:rPr lang="en-US" dirty="0" smtClean="0"/>
-              <a:t>()</a:t>
-            </a:r>
-          </a:p>
-          <a:p>
-            <a:pPr marL="0" indent="0">
-              <a:buNone/>
-            </a:pPr>
+              <a:rPr lang="en-US" dirty="0" smtClean="0"/>
+              <a:t>Putting it all together</a:t>
+            </a:r>
             <a:endParaRPr lang="en-US" dirty="0"/>
           </a:p>
         </p:txBody>
@@ -8917,7 +9692,7 @@
     </p:spTree>
     <p:extLst>
       <p:ext uri="{BB962C8B-B14F-4D97-AF65-F5344CB8AC3E}">
-        <p14:creationId xmlns:p14="http://schemas.microsoft.com/office/powerpoint/2010/main" val="1058532410"/>
+        <p14:creationId xmlns:p14="http://schemas.microsoft.com/office/powerpoint/2010/main" val="192753455"/>
       </p:ext>
     </p:extLst>
   </p:cSld>
@@ -8946,7 +9721,7 @@
       </p:grpSpPr>
       <p:sp>
         <p:nvSpPr>
-          <p:cNvPr id="2" name="Title 1"/>
+          <p:cNvPr id="4" name="Title 3"/>
           <p:cNvSpPr>
             <a:spLocks noGrp="1"/>
           </p:cNvSpPr>
@@ -8961,7 +9736,7 @@
           <a:p>
             <a:r>
               <a:rPr lang="en-US" dirty="0" smtClean="0"/>
-              <a:t>2015 Features</a:t>
+              <a:t>Encoder Demo</a:t>
             </a:r>
             <a:endParaRPr lang="en-US" dirty="0"/>
           </a:p>
@@ -8969,7 +9744,7 @@
       </p:sp>
       <p:sp>
         <p:nvSpPr>
-          <p:cNvPr id="3" name="Content Placeholder 2"/>
+          <p:cNvPr id="5" name="Content Placeholder 4"/>
           <p:cNvSpPr>
             <a:spLocks noGrp="1"/>
           </p:cNvSpPr>
@@ -8984,26 +9759,33 @@
           <a:p>
             <a:r>
               <a:rPr lang="en-US" dirty="0" smtClean="0"/>
-              <a:t>Gazebo 3D simulator support</a:t>
-            </a:r>
-          </a:p>
-          <a:p>
-            <a:r>
-              <a:rPr lang="en-US" dirty="0" smtClean="0"/>
-              <a:t>Eclipse plugins to simplify development</a:t>
+              <a:t>A small snippet of code that:</a:t>
             </a:r>
           </a:p>
           <a:p>
             <a:pPr lvl="1"/>
             <a:r>
               <a:rPr lang="en-US" dirty="0" smtClean="0"/>
-              <a:t>You don’t have to use Eclipse</a:t>
-            </a:r>
-          </a:p>
-          <a:p>
-            <a:r>
-              <a:rPr lang="en-US" dirty="0" smtClean="0"/>
-              <a:t>pyfrc simulator upgrades</a:t>
+              <a:t>Runs on a </a:t>
+            </a:r>
+            <a:r>
+              <a:rPr lang="en-US" dirty="0" err="1" smtClean="0"/>
+              <a:t>RoboRIO</a:t>
+            </a:r>
+            <a:endParaRPr lang="en-US" dirty="0" smtClean="0"/>
+          </a:p>
+          <a:p>
+            <a:pPr lvl="1"/>
+            <a:r>
+              <a:rPr lang="en-US" dirty="0" smtClean="0"/>
+              <a:t>Runs in simulation</a:t>
+            </a:r>
+          </a:p>
+          <a:p>
+            <a:pPr lvl="1"/>
+            <a:r>
+              <a:rPr lang="en-US" dirty="0" smtClean="0"/>
+              <a:t>Connects to a webpage</a:t>
             </a:r>
             <a:endParaRPr lang="en-US" dirty="0"/>
           </a:p>
@@ -9012,7 +9794,7 @@
     </p:spTree>
     <p:extLst>
       <p:ext uri="{BB962C8B-B14F-4D97-AF65-F5344CB8AC3E}">
-        <p14:creationId xmlns:p14="http://schemas.microsoft.com/office/powerpoint/2010/main" val="2622310162"/>
+        <p14:creationId xmlns:p14="http://schemas.microsoft.com/office/powerpoint/2010/main" val="210771045"/>
       </p:ext>
     </p:extLst>
   </p:cSld>
@@ -9056,7 +9838,7 @@
           <a:p>
             <a:r>
               <a:rPr lang="en-US" dirty="0" smtClean="0"/>
-              <a:t>2015 Development</a:t>
+              <a:t>Encoder Demo</a:t>
             </a:r>
             <a:endParaRPr lang="en-US" dirty="0"/>
           </a:p>
@@ -9064,7 +9846,7 @@
       </p:sp>
       <p:sp>
         <p:nvSpPr>
-          <p:cNvPr id="3" name="Content Placeholder 2"/>
+          <p:cNvPr id="7" name="Content Placeholder 2"/>
           <p:cNvSpPr>
             <a:spLocks noGrp="1"/>
           </p:cNvSpPr>
@@ -9072,79 +9854,217 @@
             <p:ph idx="1"/>
           </p:nvPr>
         </p:nvSpPr>
-        <p:spPr/>
+        <p:spPr>
+          <a:xfrm>
+            <a:off x="457200" y="1600201"/>
+            <a:ext cx="8229600" cy="1234854"/>
+          </a:xfrm>
+        </p:spPr>
         <p:txBody>
           <a:bodyPr>
-            <a:normAutofit lnSpcReduction="10000"/>
+            <a:normAutofit/>
           </a:bodyPr>
           <a:lstStyle/>
           <a:p>
             <a:r>
               <a:rPr lang="en-US" dirty="0" smtClean="0"/>
-              <a:t>We’re still adding features!</a:t>
-            </a:r>
-          </a:p>
-          <a:p>
-            <a:r>
-              <a:rPr lang="en-US" dirty="0" smtClean="0"/>
-              <a:t>Lots of help needed before kickoff</a:t>
-            </a:r>
-          </a:p>
-          <a:p>
-            <a:pPr lvl="1"/>
-            <a:r>
-              <a:rPr lang="en-US" dirty="0" smtClean="0"/>
-              <a:t>Unit tests</a:t>
-            </a:r>
-          </a:p>
-          <a:p>
-            <a:pPr lvl="1"/>
-            <a:r>
-              <a:rPr lang="en-US" dirty="0" smtClean="0"/>
-              <a:t>Tool refinement</a:t>
-            </a:r>
-          </a:p>
-          <a:p>
-            <a:pPr lvl="1"/>
-            <a:r>
-              <a:rPr lang="en-US" dirty="0" smtClean="0"/>
-              <a:t>Eclipse plugin development + testing</a:t>
-            </a:r>
-          </a:p>
-          <a:p>
-            <a:pPr lvl="1"/>
-            <a:r>
-              <a:rPr lang="en-US" dirty="0" smtClean="0"/>
-              <a:t>Documentation improvement</a:t>
-            </a:r>
-          </a:p>
-          <a:p>
-            <a:r>
-              <a:rPr lang="en-US" dirty="0" smtClean="0"/>
-              <a:t>Access to 2015 C++/Java </a:t>
-            </a:r>
-            <a:r>
-              <a:rPr lang="en-US" dirty="0" err="1" smtClean="0"/>
-              <a:t>WPILib</a:t>
-            </a:r>
-            <a:r>
-              <a:rPr lang="en-US" dirty="0" smtClean="0"/>
-              <a:t> available to contributors</a:t>
-            </a:r>
-          </a:p>
-          <a:p>
-            <a:r>
-              <a:rPr lang="en-US" dirty="0" smtClean="0"/>
-              <a:t>See me afterward if you want to help</a:t>
-            </a:r>
-            <a:endParaRPr lang="en-US" dirty="0"/>
-          </a:p>
-        </p:txBody>
-      </p:sp>
+              <a:t>This is the robot code that does the work</a:t>
+            </a:r>
+            <a:endParaRPr lang="en-US" dirty="0" smtClean="0"/>
+          </a:p>
+        </p:txBody>
+      </p:sp>
+      <p:graphicFrame>
+        <p:nvGraphicFramePr>
+          <p:cNvPr id="8" name="Table 7"/>
+          <p:cNvGraphicFramePr>
+            <a:graphicFrameLocks noGrp="1"/>
+          </p:cNvGraphicFramePr>
+          <p:nvPr>
+            <p:extLst>
+              <p:ext uri="{D42A27DB-BD31-4B8C-83A1-F6EECF244321}">
+                <p14:modId xmlns:p14="http://schemas.microsoft.com/office/powerpoint/2010/main" val="3948227815"/>
+              </p:ext>
+            </p:extLst>
+          </p:nvPr>
+        </p:nvGraphicFramePr>
+        <p:xfrm>
+          <a:off x="457200" y="2835055"/>
+          <a:ext cx="8229600" cy="3526324"/>
+        </p:xfrm>
+        <a:graphic>
+          <a:graphicData uri="http://schemas.openxmlformats.org/drawingml/2006/table">
+            <a:tbl>
+              <a:tblPr bandRow="1">
+                <a:tableStyleId>{2D5ABB26-0587-4C30-8999-92F81FD0307C}</a:tableStyleId>
+              </a:tblPr>
+              <a:tblGrid>
+                <a:gridCol w="8229600"/>
+              </a:tblGrid>
+              <a:tr h="3526324">
+                <a:tc>
+                  <a:txBody>
+                    <a:bodyPr/>
+                    <a:lstStyle/>
+                    <a:p>
+                      <a:endParaRPr lang="en-US" sz="2400" baseline="0" dirty="0" smtClean="0">
+                        <a:latin typeface="Consolas"/>
+                        <a:cs typeface="Consolas"/>
+                      </a:endParaRPr>
+                    </a:p>
+                    <a:p>
+                      <a:r>
+                        <a:rPr lang="en-US" sz="2400" baseline="0" dirty="0" err="1" smtClean="0">
+                          <a:latin typeface="Consolas"/>
+                          <a:cs typeface="Consolas"/>
+                        </a:rPr>
+                        <a:t>sd</a:t>
+                      </a:r>
+                      <a:r>
+                        <a:rPr lang="en-US" sz="2400" baseline="0" dirty="0" smtClean="0">
+                          <a:latin typeface="Consolas"/>
+                          <a:cs typeface="Consolas"/>
+                        </a:rPr>
+                        <a:t> = </a:t>
+                      </a:r>
+                      <a:r>
+                        <a:rPr lang="en-US" sz="2400" baseline="0" dirty="0" err="1" smtClean="0">
+                          <a:latin typeface="Consolas"/>
+                          <a:cs typeface="Consolas"/>
+                        </a:rPr>
+                        <a:t>wpilib.SmartDashboard</a:t>
+                      </a:r>
+                      <a:endParaRPr lang="en-US" sz="2400" baseline="0" dirty="0" smtClean="0">
+                        <a:latin typeface="Consolas"/>
+                        <a:cs typeface="Consolas"/>
+                      </a:endParaRPr>
+                    </a:p>
+                    <a:p>
+                      <a:r>
+                        <a:rPr lang="en-US" sz="2400" baseline="0" dirty="0" smtClean="0">
+                          <a:latin typeface="Consolas"/>
+                          <a:cs typeface="Consolas"/>
+                        </a:rPr>
+                        <a:t>sensor = </a:t>
+                      </a:r>
+                      <a:r>
+                        <a:rPr lang="en-US" sz="2400" baseline="0" dirty="0" err="1" smtClean="0">
+                          <a:latin typeface="Consolas"/>
+                          <a:cs typeface="Consolas"/>
+                        </a:rPr>
+                        <a:t>wpilib.AnalogInput</a:t>
+                      </a:r>
+                      <a:r>
+                        <a:rPr lang="en-US" sz="2400" baseline="0" dirty="0" smtClean="0">
+                          <a:latin typeface="Consolas"/>
+                          <a:cs typeface="Consolas"/>
+                        </a:rPr>
+                        <a:t>(0)</a:t>
+                      </a:r>
+                    </a:p>
+                    <a:p>
+                      <a:r>
+                        <a:rPr lang="en-US" sz="2400" baseline="0" dirty="0" smtClean="0">
+                          <a:latin typeface="Consolas"/>
+                          <a:cs typeface="Consolas"/>
+                        </a:rPr>
+                        <a:t>...</a:t>
+                      </a:r>
+                    </a:p>
+                    <a:p>
+                      <a:endParaRPr lang="en-US" sz="2400" baseline="0" dirty="0" smtClean="0">
+                        <a:latin typeface="Consolas"/>
+                        <a:cs typeface="Consolas"/>
+                      </a:endParaRPr>
+                    </a:p>
+                    <a:p>
+                      <a:r>
+                        <a:rPr lang="en-US" sz="2400" baseline="0" dirty="0" err="1" smtClean="0">
+                          <a:latin typeface="Consolas"/>
+                          <a:cs typeface="Consolas"/>
+                        </a:rPr>
+                        <a:t>sd.putDouble</a:t>
+                      </a:r>
+                      <a:r>
+                        <a:rPr lang="en-US" sz="2400" baseline="0" dirty="0" smtClean="0">
+                          <a:latin typeface="Consolas"/>
+                          <a:cs typeface="Consolas"/>
+                        </a:rPr>
+                        <a:t>('sensor', </a:t>
+                      </a:r>
+                      <a:r>
+                        <a:rPr lang="en-US" sz="2400" baseline="0" dirty="0" err="1" smtClean="0">
+                          <a:latin typeface="Consolas"/>
+                          <a:cs typeface="Consolas"/>
+                        </a:rPr>
+                        <a:t>sensor.getVoltage</a:t>
+                      </a:r>
+                      <a:r>
+                        <a:rPr lang="en-US" sz="2400" baseline="0" dirty="0" smtClean="0">
+                          <a:latin typeface="Consolas"/>
+                          <a:cs typeface="Consolas"/>
+                        </a:rPr>
+                        <a:t>())</a:t>
+                      </a:r>
+                      <a:endParaRPr lang="en-US" sz="2400" baseline="0" dirty="0" smtClean="0">
+                        <a:latin typeface="Consolas"/>
+                        <a:cs typeface="Consolas"/>
+                      </a:endParaRPr>
+                    </a:p>
+                  </a:txBody>
+                  <a:tcPr>
+                    <a:lnL w="12700" cap="flat" cmpd="sng" algn="ctr">
+                      <a:solidFill>
+                        <a:prstClr val="black"/>
+                      </a:solidFill>
+                      <a:prstDash val="lgDash"/>
+                      <a:round/>
+                      <a:headEnd type="none" w="med" len="med"/>
+                      <a:tailEnd type="none" w="med" len="med"/>
+                    </a:lnL>
+                    <a:lnR w="12700" cap="flat" cmpd="sng" algn="ctr">
+                      <a:solidFill>
+                        <a:prstClr val="black"/>
+                      </a:solidFill>
+                      <a:prstDash val="lgDash"/>
+                      <a:round/>
+                      <a:headEnd type="none" w="med" len="med"/>
+                      <a:tailEnd type="none" w="med" len="med"/>
+                    </a:lnR>
+                    <a:lnT w="12700" cap="flat" cmpd="sng" algn="ctr">
+                      <a:solidFill>
+                        <a:prstClr val="black"/>
+                      </a:solidFill>
+                      <a:prstDash val="lgDash"/>
+                      <a:round/>
+                      <a:headEnd type="none" w="med" len="med"/>
+                      <a:tailEnd type="none" w="med" len="med"/>
+                    </a:lnT>
+                    <a:lnB w="12700" cap="flat" cmpd="sng" algn="ctr">
+                      <a:solidFill>
+                        <a:prstClr val="black"/>
+                      </a:solidFill>
+                      <a:prstDash val="lgDash"/>
+                      <a:round/>
+                      <a:headEnd type="none" w="med" len="med"/>
+                      <a:tailEnd type="none" w="med" len="med"/>
+                    </a:lnB>
+                    <a:solidFill>
+                      <a:schemeClr val="bg1">
+                        <a:lumMod val="95000"/>
+                      </a:schemeClr>
+                    </a:solidFill>
+                  </a:tcPr>
+                </a:tc>
+              </a:tr>
+            </a:tbl>
+          </a:graphicData>
+        </a:graphic>
+      </p:graphicFrame>
     </p:spTree>
     <p:extLst>
       <p:ext uri="{BB962C8B-B14F-4D97-AF65-F5344CB8AC3E}">
-        <p14:creationId xmlns:p14="http://schemas.microsoft.com/office/powerpoint/2010/main" val="165069530"/>
+        <p14:creationId xmlns:p14="http://schemas.microsoft.com/office/powerpoint/2010/main" val="2542823324"/>
       </p:ext>
     </p:extLst>
   </p:cSld>
@@ -9188,7 +10108,7 @@
           <a:p>
             <a:r>
               <a:rPr lang="en-US" dirty="0" smtClean="0"/>
-              <a:t>Learn Python</a:t>
+              <a:t>Encoder demo</a:t>
             </a:r>
             <a:endParaRPr lang="en-US" dirty="0"/>
           </a:p>
@@ -9196,7 +10116,7 @@
       </p:sp>
       <p:sp>
         <p:nvSpPr>
-          <p:cNvPr id="3" name="Content Placeholder 2"/>
+          <p:cNvPr id="4" name="Content Placeholder 2"/>
           <p:cNvSpPr>
             <a:spLocks noGrp="1"/>
           </p:cNvSpPr>
@@ -9204,68 +10124,312 @@
             <p:ph idx="1"/>
           </p:nvPr>
         </p:nvSpPr>
-        <p:spPr/>
-        <p:txBody>
-          <a:bodyPr/>
-          <a:lstStyle/>
-          <a:p>
-            <a:r>
-              <a:rPr lang="en-US" dirty="0" smtClean="0"/>
-              <a:t>Code Academy</a:t>
+        <p:spPr>
+          <a:xfrm>
+            <a:off x="457200" y="1600201"/>
+            <a:ext cx="8229600" cy="1234854"/>
+          </a:xfrm>
+        </p:spPr>
+        <p:txBody>
+          <a:bodyPr>
+            <a:normAutofit fontScale="92500"/>
+          </a:bodyPr>
+          <a:lstStyle/>
+          <a:p>
+            <a:r>
+              <a:rPr lang="en-US" dirty="0" smtClean="0"/>
+              <a:t>Let’s make a webpage!</a:t>
             </a:r>
           </a:p>
           <a:p>
             <a:pPr lvl="1"/>
             <a:r>
-              <a:rPr lang="en-US" dirty="0" smtClean="0">
-                <a:hlinkClick r:id="rId2"/>
-              </a:rPr>
-              <a:t>http://www.codecademy.com/tracks/python</a:t>
+              <a:rPr lang="en-US" dirty="0" err="1" smtClean="0"/>
+              <a:t>Javascript</a:t>
+            </a:r>
+            <a:r>
+              <a:rPr lang="en-US" dirty="0" smtClean="0"/>
+              <a:t> to interact with pynetworktables2js</a:t>
             </a:r>
             <a:endParaRPr lang="en-US" dirty="0" smtClean="0"/>
           </a:p>
-          <a:p>
-            <a:r>
-              <a:rPr lang="en-US" dirty="0" err="1" smtClean="0"/>
-              <a:t>Wikibooks</a:t>
-            </a:r>
-            <a:r>
-              <a:rPr lang="en-US" dirty="0" smtClean="0"/>
-              <a:t> Python Tutorial</a:t>
-            </a:r>
-          </a:p>
-          <a:p>
-            <a:pPr lvl="1"/>
-            <a:r>
-              <a:rPr lang="en-US" dirty="0" smtClean="0">
-                <a:hlinkClick r:id="rId3"/>
-              </a:rPr>
-              <a:t>https://en.wikibooks.org/wiki/Non-Programmer’s_Tutorial_for_Python_3</a:t>
-            </a:r>
-            <a:endParaRPr lang="en-US" dirty="0" smtClean="0"/>
-          </a:p>
-          <a:p>
-            <a:r>
-              <a:rPr lang="en-US" dirty="0" smtClean="0"/>
-              <a:t>Official Python Tutorial</a:t>
-            </a:r>
-          </a:p>
-          <a:p>
-            <a:pPr lvl="1"/>
-            <a:r>
-              <a:rPr lang="en-US" dirty="0" smtClean="0">
-                <a:hlinkClick r:id="rId4"/>
-              </a:rPr>
-              <a:t>https://docs.python.org/3.4/tutorial/</a:t>
-            </a:r>
-            <a:endParaRPr lang="en-US" dirty="0" smtClean="0"/>
-          </a:p>
-        </p:txBody>
-      </p:sp>
+        </p:txBody>
+      </p:sp>
+      <p:graphicFrame>
+        <p:nvGraphicFramePr>
+          <p:cNvPr id="5" name="Table 4"/>
+          <p:cNvGraphicFramePr>
+            <a:graphicFrameLocks noGrp="1"/>
+          </p:cNvGraphicFramePr>
+          <p:nvPr>
+            <p:extLst>
+              <p:ext uri="{D42A27DB-BD31-4B8C-83A1-F6EECF244321}">
+                <p14:modId xmlns:p14="http://schemas.microsoft.com/office/powerpoint/2010/main" val="1116640883"/>
+              </p:ext>
+            </p:extLst>
+          </p:nvPr>
+        </p:nvGraphicFramePr>
+        <p:xfrm>
+          <a:off x="457200" y="2835055"/>
+          <a:ext cx="8229600" cy="3526324"/>
+        </p:xfrm>
+        <a:graphic>
+          <a:graphicData uri="http://schemas.openxmlformats.org/drawingml/2006/table">
+            <a:tbl>
+              <a:tblPr bandRow="1">
+                <a:tableStyleId>{2D5ABB26-0587-4C30-8999-92F81FD0307C}</a:tableStyleId>
+              </a:tblPr>
+              <a:tblGrid>
+                <a:gridCol w="8229600"/>
+              </a:tblGrid>
+              <a:tr h="3526324">
+                <a:tc>
+                  <a:txBody>
+                    <a:bodyPr/>
+                    <a:lstStyle/>
+                    <a:p>
+                      <a:r>
+                        <a:rPr lang="en-US" sz="2400" baseline="0" dirty="0" err="1" smtClean="0">
+                          <a:latin typeface="Consolas"/>
+                          <a:cs typeface="Consolas"/>
+                        </a:rPr>
+                        <a:t>var</a:t>
+                      </a:r>
+                      <a:r>
+                        <a:rPr lang="en-US" sz="2400" baseline="0" dirty="0" smtClean="0">
+                          <a:latin typeface="Consolas"/>
+                          <a:cs typeface="Consolas"/>
+                        </a:rPr>
+                        <a:t> </a:t>
+                      </a:r>
+                      <a:r>
+                        <a:rPr lang="en-US" sz="2400" baseline="0" dirty="0" err="1" smtClean="0">
+                          <a:latin typeface="Consolas"/>
+                          <a:cs typeface="Consolas"/>
+                        </a:rPr>
+                        <a:t>nt</a:t>
+                      </a:r>
+                      <a:r>
+                        <a:rPr lang="en-US" sz="2400" baseline="0" dirty="0" smtClean="0">
+                          <a:latin typeface="Consolas"/>
+                          <a:cs typeface="Consolas"/>
+                        </a:rPr>
+                        <a:t> = </a:t>
+                      </a:r>
+                      <a:r>
+                        <a:rPr lang="en-US" sz="2400" baseline="0" dirty="0" err="1" smtClean="0">
+                          <a:latin typeface="Consolas"/>
+                          <a:cs typeface="Consolas"/>
+                        </a:rPr>
+                        <a:t>NetworkTables</a:t>
+                      </a:r>
+                      <a:r>
+                        <a:rPr lang="en-US" sz="2400" baseline="0" dirty="0" smtClean="0">
+                          <a:latin typeface="Consolas"/>
+                          <a:cs typeface="Consolas"/>
+                        </a:rPr>
+                        <a:t>;</a:t>
+                      </a:r>
+                    </a:p>
+                    <a:p>
+                      <a:r>
+                        <a:rPr lang="en-US" sz="2400" baseline="0" dirty="0" err="1" smtClean="0">
+                          <a:latin typeface="Consolas"/>
+                          <a:cs typeface="Consolas"/>
+                        </a:rPr>
+                        <a:t>var</a:t>
+                      </a:r>
+                      <a:r>
+                        <a:rPr lang="en-US" sz="2400" baseline="0" dirty="0" smtClean="0">
+                          <a:latin typeface="Consolas"/>
+                          <a:cs typeface="Consolas"/>
+                        </a:rPr>
+                        <a:t> key= '/</a:t>
+                      </a:r>
+                      <a:r>
+                        <a:rPr lang="en-US" sz="2400" baseline="0" dirty="0" err="1" smtClean="0">
+                          <a:latin typeface="Consolas"/>
+                          <a:cs typeface="Consolas"/>
+                        </a:rPr>
+                        <a:t>SmartDashboard</a:t>
+                      </a:r>
+                      <a:r>
+                        <a:rPr lang="en-US" sz="2400" baseline="0" dirty="0" smtClean="0">
+                          <a:latin typeface="Consolas"/>
+                          <a:cs typeface="Consolas"/>
+                        </a:rPr>
+                        <a:t>/</a:t>
+                      </a:r>
+                      <a:r>
+                        <a:rPr lang="en-US" sz="2400" baseline="0" dirty="0" err="1" smtClean="0">
+                          <a:latin typeface="Consolas"/>
+                          <a:cs typeface="Consolas"/>
+                        </a:rPr>
+                        <a:t>sensorDegrees</a:t>
+                      </a:r>
+                      <a:r>
+                        <a:rPr lang="en-US" sz="2400" baseline="0" dirty="0" smtClean="0">
+                          <a:latin typeface="Consolas"/>
+                          <a:cs typeface="Consolas"/>
+                        </a:rPr>
+                        <a:t>’</a:t>
+                      </a:r>
+                    </a:p>
+                    <a:p>
+                      <a:endParaRPr lang="en-US" sz="2400" baseline="0" dirty="0" smtClean="0">
+                        <a:latin typeface="Consolas"/>
+                        <a:cs typeface="Consolas"/>
+                      </a:endParaRPr>
+                    </a:p>
+                    <a:p>
+                      <a:r>
+                        <a:rPr lang="en-US" sz="2400" baseline="0" dirty="0" err="1" smtClean="0">
+                          <a:latin typeface="Consolas"/>
+                          <a:cs typeface="Consolas"/>
+                        </a:rPr>
+                        <a:t>nt.addKeyListener</a:t>
+                      </a:r>
+                      <a:r>
+                        <a:rPr lang="en-US" sz="2400" baseline="0" dirty="0" smtClean="0">
+                          <a:latin typeface="Consolas"/>
+                          <a:cs typeface="Consolas"/>
+                        </a:rPr>
+                        <a:t>(key, </a:t>
+                      </a:r>
+                      <a:r>
+                        <a:rPr lang="en-US" sz="2400" baseline="0" dirty="0" err="1" smtClean="0">
+                          <a:latin typeface="Consolas"/>
+                          <a:cs typeface="Consolas"/>
+                        </a:rPr>
+                        <a:t>onValueChanged</a:t>
+                      </a:r>
+                      <a:r>
+                        <a:rPr lang="en-US" sz="2400" baseline="0" dirty="0" smtClean="0">
+                          <a:latin typeface="Consolas"/>
+                          <a:cs typeface="Consolas"/>
+                        </a:rPr>
+                        <a:t>, true);</a:t>
+                      </a:r>
+                    </a:p>
+                    <a:p>
+                      <a:endParaRPr lang="en-US" sz="2400" baseline="0" dirty="0" smtClean="0">
+                        <a:latin typeface="Consolas"/>
+                        <a:cs typeface="Consolas"/>
+                      </a:endParaRPr>
+                    </a:p>
+                    <a:p>
+                      <a:r>
+                        <a:rPr lang="en-US" sz="2400" baseline="0" dirty="0" smtClean="0">
+                          <a:latin typeface="Consolas"/>
+                          <a:cs typeface="Consolas"/>
+                        </a:rPr>
+                        <a:t>function </a:t>
+                      </a:r>
+                      <a:r>
+                        <a:rPr lang="en-US" sz="2400" baseline="0" dirty="0" err="1" smtClean="0">
+                          <a:latin typeface="Consolas"/>
+                          <a:cs typeface="Consolas"/>
+                        </a:rPr>
+                        <a:t>onValueChanged</a:t>
+                      </a:r>
+                      <a:r>
+                        <a:rPr lang="en-US" sz="2400" baseline="0" dirty="0" smtClean="0">
+                          <a:latin typeface="Consolas"/>
+                          <a:cs typeface="Consolas"/>
+                        </a:rPr>
+                        <a:t>(key, value, </a:t>
+                      </a:r>
+                      <a:r>
+                        <a:rPr lang="en-US" sz="2400" baseline="0" dirty="0" err="1" smtClean="0">
+                          <a:latin typeface="Consolas"/>
+                          <a:cs typeface="Consolas"/>
+                        </a:rPr>
+                        <a:t>isNew</a:t>
+                      </a:r>
+                      <a:r>
+                        <a:rPr lang="en-US" sz="2400" baseline="0" dirty="0" smtClean="0">
+                          <a:latin typeface="Consolas"/>
+                          <a:cs typeface="Consolas"/>
+                        </a:rPr>
+                        <a:t>) {</a:t>
+                      </a:r>
+                    </a:p>
+                    <a:p>
+                      <a:r>
+                        <a:rPr lang="en-US" sz="2400" baseline="0" dirty="0" smtClean="0">
+                          <a:latin typeface="Consolas"/>
+                          <a:cs typeface="Consolas"/>
+                        </a:rPr>
+                        <a:t>  // do something with it</a:t>
+                      </a:r>
+                    </a:p>
+                    <a:p>
+                      <a:r>
+                        <a:rPr lang="en-US" sz="2400" baseline="0" dirty="0" smtClean="0">
+                          <a:latin typeface="Consolas"/>
+                          <a:cs typeface="Consolas"/>
+                        </a:rPr>
+                        <a:t>}</a:t>
+                      </a:r>
+                      <a:endParaRPr lang="en-US" sz="2400" baseline="0" dirty="0" smtClean="0">
+                        <a:latin typeface="Consolas"/>
+                        <a:cs typeface="Consolas"/>
+                      </a:endParaRPr>
+                    </a:p>
+                  </a:txBody>
+                  <a:tcPr>
+                    <a:lnL w="12700" cap="flat" cmpd="sng" algn="ctr">
+                      <a:solidFill>
+                        <a:prstClr val="black"/>
+                      </a:solidFill>
+                      <a:prstDash val="lgDash"/>
+                      <a:round/>
+                      <a:headEnd type="none" w="med" len="med"/>
+                      <a:tailEnd type="none" w="med" len="med"/>
+                    </a:lnL>
+                    <a:lnR w="12700" cap="flat" cmpd="sng" algn="ctr">
+                      <a:solidFill>
+                        <a:prstClr val="black"/>
+                      </a:solidFill>
+                      <a:prstDash val="lgDash"/>
+                      <a:round/>
+                      <a:headEnd type="none" w="med" len="med"/>
+                      <a:tailEnd type="none" w="med" len="med"/>
+                    </a:lnR>
+                    <a:lnT w="12700" cap="flat" cmpd="sng" algn="ctr">
+                      <a:solidFill>
+                        <a:prstClr val="black"/>
+                      </a:solidFill>
+                      <a:prstDash val="lgDash"/>
+                      <a:round/>
+                      <a:headEnd type="none" w="med" len="med"/>
+                      <a:tailEnd type="none" w="med" len="med"/>
+                    </a:lnT>
+                    <a:lnB w="12700" cap="flat" cmpd="sng" algn="ctr">
+                      <a:solidFill>
+                        <a:prstClr val="black"/>
+                      </a:solidFill>
+                      <a:prstDash val="lgDash"/>
+                      <a:round/>
+                      <a:headEnd type="none" w="med" len="med"/>
+                      <a:tailEnd type="none" w="med" len="med"/>
+                    </a:lnB>
+                    <a:solidFill>
+                      <a:schemeClr val="bg1">
+                        <a:lumMod val="95000"/>
+                      </a:schemeClr>
+                    </a:solidFill>
+                  </a:tcPr>
+                </a:tc>
+              </a:tr>
+            </a:tbl>
+          </a:graphicData>
+        </a:graphic>
+      </p:graphicFrame>
     </p:spTree>
     <p:extLst>
       <p:ext uri="{BB962C8B-B14F-4D97-AF65-F5344CB8AC3E}">
-        <p14:creationId xmlns:p14="http://schemas.microsoft.com/office/powerpoint/2010/main" val="2753387442"/>
+        <p14:creationId xmlns:p14="http://schemas.microsoft.com/office/powerpoint/2010/main" val="812159339"/>
       </p:ext>
     </p:extLst>
   </p:cSld>
@@ -9309,7 +10473,7 @@
           <a:p>
             <a:r>
               <a:rPr lang="en-US" dirty="0" smtClean="0"/>
-              <a:t>Resources</a:t>
+              <a:t>Encoder demo</a:t>
             </a:r>
             <a:endParaRPr lang="en-US" dirty="0"/>
           </a:p>
@@ -9331,46 +10495,9 @@
           <a:lstStyle/>
           <a:p>
             <a:r>
-              <a:rPr lang="en-US" dirty="0" err="1" smtClean="0"/>
-              <a:t>RobotPy</a:t>
-            </a:r>
-            <a:r>
-              <a:rPr lang="en-US" dirty="0" smtClean="0"/>
-              <a:t> mailing list</a:t>
-            </a:r>
-          </a:p>
-          <a:p>
-            <a:pPr lvl="1"/>
-            <a:r>
-              <a:rPr lang="en-US" dirty="0" smtClean="0">
-                <a:hlinkClick r:id="rId2"/>
-              </a:rPr>
-              <a:t>https://groups.google.com/forum/#!forum/robotpy</a:t>
-            </a:r>
-            <a:endParaRPr lang="en-US" dirty="0"/>
-          </a:p>
-          <a:p>
-            <a:r>
-              <a:rPr lang="en-US" dirty="0" err="1" smtClean="0"/>
-              <a:t>ChiefDelphi</a:t>
-            </a:r>
-            <a:r>
-              <a:rPr lang="en-US" dirty="0" smtClean="0"/>
-              <a:t> Forums</a:t>
-            </a:r>
-          </a:p>
-          <a:p>
-            <a:pPr lvl="1"/>
-            <a:r>
-              <a:rPr lang="en-US" dirty="0" smtClean="0">
-                <a:hlinkClick r:id="rId3"/>
-              </a:rPr>
-              <a:t>http://www.chiefdelphi.com/forums/forumdisplay.php?f=187</a:t>
-            </a:r>
-            <a:endParaRPr lang="en-US" dirty="0" smtClean="0"/>
-          </a:p>
-          <a:p>
-            <a:pPr lvl="1"/>
+              <a:rPr lang="en-US" dirty="0" smtClean="0"/>
+              <a:t>Let’s run this code!</a:t>
+            </a:r>
             <a:endParaRPr lang="en-US" dirty="0"/>
           </a:p>
         </p:txBody>
@@ -9378,7 +10505,7 @@
     </p:spTree>
     <p:extLst>
       <p:ext uri="{BB962C8B-B14F-4D97-AF65-F5344CB8AC3E}">
-        <p14:creationId xmlns:p14="http://schemas.microsoft.com/office/powerpoint/2010/main" val="1663881977"/>
+        <p14:creationId xmlns:p14="http://schemas.microsoft.com/office/powerpoint/2010/main" val="982177117"/>
       </p:ext>
     </p:extLst>
   </p:cSld>
@@ -9422,7 +10549,7 @@
           <a:p>
             <a:r>
               <a:rPr lang="en-US" dirty="0" smtClean="0"/>
-              <a:t>Code Links</a:t>
+              <a:t>Want More?</a:t>
             </a:r>
             <a:endParaRPr lang="en-US" dirty="0"/>
           </a:p>
@@ -9444,21 +10571,43 @@
           <a:lstStyle/>
           <a:p>
             <a:r>
-              <a:rPr lang="en-US" dirty="0" err="1" smtClean="0"/>
-              <a:t>RobotPy</a:t>
-            </a:r>
-            <a:r>
-              <a:rPr lang="en-US" dirty="0" smtClean="0"/>
-              <a:t> </a:t>
+              <a:rPr lang="en-US" dirty="0" smtClean="0"/>
+              <a:t>pyfrc has ‘physics’ support</a:t>
+            </a:r>
+          </a:p>
+          <a:p>
+            <a:pPr lvl="1"/>
+            <a:r>
+              <a:rPr lang="en-US" dirty="0" smtClean="0"/>
+              <a:t>Allows you to adjust various robot objects on the fly to make the simulation more </a:t>
+            </a:r>
+            <a:r>
+              <a:rPr lang="en-US" dirty="0" smtClean="0"/>
+              <a:t>useful</a:t>
+            </a:r>
+            <a:endParaRPr lang="en-US" dirty="0" smtClean="0"/>
+          </a:p>
+          <a:p>
+            <a:pPr lvl="1"/>
+            <a:r>
+              <a:rPr lang="en-US" dirty="0" smtClean="0"/>
+              <a:t>There might be a web-based simulator in 2016</a:t>
+            </a:r>
+          </a:p>
+          <a:p>
+            <a:r>
+              <a:rPr lang="en-US" dirty="0" smtClean="0"/>
+              <a:t>There </a:t>
+            </a:r>
+            <a:r>
+              <a:rPr lang="en-US" dirty="0" smtClean="0"/>
+              <a:t>are more pyfrc samples on </a:t>
             </a:r>
             <a:r>
               <a:rPr lang="en-US" dirty="0" err="1" smtClean="0"/>
               <a:t>github</a:t>
             </a:r>
-            <a:r>
-              <a:rPr lang="en-US" dirty="0" smtClean="0"/>
-              <a:t> site</a:t>
-            </a:r>
+            <a:endParaRPr lang="en-US" dirty="0" smtClean="0"/>
           </a:p>
           <a:p>
             <a:pPr lvl="1"/>
@@ -9466,52 +10615,22 @@
               <a:rPr lang="en-US" dirty="0" smtClean="0">
                 <a:hlinkClick r:id="rId2"/>
               </a:rPr>
-              <a:t>https://github.com/robotpy</a:t>
+              <a:t>https://github.com/robotpy/pyfrc/tree/master/samples</a:t>
             </a:r>
             <a:endParaRPr lang="en-US" dirty="0" smtClean="0"/>
           </a:p>
           <a:p>
-            <a:r>
-              <a:rPr lang="en-US" dirty="0" smtClean="0"/>
-              <a:t>pyfrc documentation</a:t>
-            </a:r>
-          </a:p>
-          <a:p>
-            <a:pPr lvl="1"/>
-            <a:r>
-              <a:rPr lang="en-US" dirty="0" smtClean="0">
-                <a:hlinkClick r:id="rId3"/>
-              </a:rPr>
-              <a:t>http://pyfrc.readthedocs.org/</a:t>
-            </a:r>
-            <a:endParaRPr lang="en-US" dirty="0" smtClean="0"/>
-          </a:p>
-          <a:p>
-            <a:r>
-              <a:rPr lang="en-US" dirty="0" smtClean="0"/>
-              <a:t>Team 1418’s 2014 code</a:t>
-            </a:r>
-          </a:p>
-          <a:p>
-            <a:pPr lvl="1"/>
-            <a:r>
-              <a:rPr lang="en-US" dirty="0" smtClean="0">
-                <a:hlinkClick r:id="rId4"/>
-              </a:rPr>
-              <a:t>https://github.com/frc1418/2014</a:t>
-            </a:r>
-            <a:endParaRPr lang="en-US" dirty="0" smtClean="0"/>
-          </a:p>
-          <a:p>
-            <a:pPr lvl="1"/>
-            <a:endParaRPr lang="en-US" dirty="0" smtClean="0"/>
+            <a:pPr marL="457200" lvl="1" indent="0">
+              <a:buNone/>
+            </a:pPr>
+            <a:endParaRPr lang="en-US" dirty="0"/>
           </a:p>
         </p:txBody>
       </p:sp>
     </p:spTree>
     <p:extLst>
       <p:ext uri="{BB962C8B-B14F-4D97-AF65-F5344CB8AC3E}">
-        <p14:creationId xmlns:p14="http://schemas.microsoft.com/office/powerpoint/2010/main" val="3739680537"/>
+        <p14:creationId xmlns:p14="http://schemas.microsoft.com/office/powerpoint/2010/main" val="3196418949"/>
       </p:ext>
     </p:extLst>
   </p:cSld>
@@ -9555,7 +10674,7 @@
           <a:p>
             <a:r>
               <a:rPr lang="en-US" dirty="0" smtClean="0"/>
-              <a:t>Questions</a:t>
+              <a:t>Want More?</a:t>
             </a:r>
             <a:endParaRPr lang="en-US" dirty="0"/>
           </a:p>
@@ -9563,38 +10682,68 @@
       </p:sp>
       <p:sp>
         <p:nvSpPr>
-          <p:cNvPr id="4" name="TextBox 3"/>
-          <p:cNvSpPr txBox="1"/>
-          <p:nvPr/>
-        </p:nvSpPr>
-        <p:spPr>
-          <a:xfrm>
-            <a:off x="3670418" y="2528242"/>
-            <a:ext cx="1896072" cy="1569660"/>
-          </a:xfrm>
-          <a:prstGeom prst="rect">
-            <a:avLst/>
-          </a:prstGeom>
-          <a:noFill/>
-        </p:spPr>
-        <p:txBody>
-          <a:bodyPr wrap="none" rtlCol="0">
-            <a:spAutoFit/>
-          </a:bodyPr>
-          <a:lstStyle/>
-          <a:p>
-            <a:r>
-              <a:rPr lang="en-US" sz="9600" dirty="0" smtClean="0"/>
-              <a:t>???</a:t>
-            </a:r>
-            <a:endParaRPr lang="en-US" sz="9600" dirty="0"/>
+          <p:cNvPr id="3" name="Content Placeholder 2"/>
+          <p:cNvSpPr>
+            <a:spLocks noGrp="1"/>
+          </p:cNvSpPr>
+          <p:nvPr>
+            <p:ph idx="1"/>
+          </p:nvPr>
+        </p:nvSpPr>
+        <p:spPr/>
+        <p:txBody>
+          <a:bodyPr/>
+          <a:lstStyle/>
+          <a:p>
+            <a:r>
+              <a:rPr lang="en-US" dirty="0" smtClean="0"/>
+              <a:t>This presentation + code available online</a:t>
+            </a:r>
+          </a:p>
+          <a:p>
+            <a:pPr lvl="1"/>
+            <a:r>
+              <a:rPr lang="en-US" sz="2400" dirty="0">
+                <a:hlinkClick r:id="rId2"/>
+              </a:rPr>
+              <a:t>https://github.com/virtuald/frc-robotpy-</a:t>
+            </a:r>
+            <a:r>
+              <a:rPr lang="en-US" sz="2400" dirty="0" smtClean="0">
+                <a:hlinkClick r:id="rId2"/>
+              </a:rPr>
+              <a:t>workshop</a:t>
+            </a:r>
+            <a:endParaRPr lang="en-US" sz="2400" dirty="0" smtClean="0"/>
+          </a:p>
+          <a:p>
+            <a:pPr lvl="1"/>
+            <a:r>
+              <a:rPr lang="en-US" sz="2400" dirty="0">
+                <a:hlinkClick r:id="rId3"/>
+              </a:rPr>
+              <a:t>https://github.com/frc2423/encoder-</a:t>
+            </a:r>
+            <a:r>
+              <a:rPr lang="en-US" sz="2400" dirty="0" smtClean="0">
+                <a:hlinkClick r:id="rId3"/>
+              </a:rPr>
+              <a:t>demo</a:t>
+            </a:r>
+            <a:endParaRPr lang="en-US" sz="2400" dirty="0" smtClean="0"/>
+          </a:p>
+          <a:p>
+            <a:pPr marL="457200" lvl="1" indent="0">
+              <a:buNone/>
+            </a:pPr>
+            <a:endParaRPr lang="en-US" dirty="0"/>
           </a:p>
         </p:txBody>
       </p:sp>
     </p:spTree>
     <p:extLst>
       <p:ext uri="{BB962C8B-B14F-4D97-AF65-F5344CB8AC3E}">
-        <p14:creationId xmlns:p14="http://schemas.microsoft.com/office/powerpoint/2010/main" val="1317132149"/>
+        <p14:creationId xmlns:p14="http://schemas.microsoft.com/office/powerpoint/2010/main" val="3460562210"/>
       </p:ext>
     </p:extLst>
   </p:cSld>
@@ -9638,7 +10787,11 @@
           <a:p>
             <a:r>
               <a:rPr lang="en-US" dirty="0" smtClean="0"/>
-              <a:t>Special Thanks</a:t>
+              <a:t>Learn </a:t>
+            </a:r>
+            <a:r>
+              <a:rPr lang="en-US" dirty="0" err="1" smtClean="0"/>
+              <a:t>RobotPy</a:t>
             </a:r>
             <a:endParaRPr lang="en-US" dirty="0"/>
           </a:p>
@@ -9661,22 +10814,218 @@
           <a:p>
             <a:r>
               <a:rPr lang="en-US" dirty="0" smtClean="0"/>
-              <a:t>Team 1418 Programming Team</a:t>
-            </a:r>
-          </a:p>
-          <a:p>
-            <a:r>
-              <a:rPr lang="en-US" dirty="0" smtClean="0"/>
-              <a:t>Tim Winters for python tutorial help</a:t>
-            </a:r>
-            <a:endParaRPr lang="en-US" dirty="0"/>
+              <a:t>Anatomy of a robot</a:t>
+            </a:r>
+          </a:p>
+          <a:p>
+            <a:pPr lvl="1"/>
+            <a:r>
+              <a:rPr lang="en-US" u="sng" dirty="0">
+                <a:solidFill>
+                  <a:srgbClr val="0000FF"/>
+                </a:solidFill>
+              </a:rPr>
+              <a:t>http://robotpy.readthedocs.org/en/latest/guide/</a:t>
+            </a:r>
+            <a:r>
+              <a:rPr lang="en-US" u="sng" dirty="0" smtClean="0">
+                <a:solidFill>
+                  <a:srgbClr val="0000FF"/>
+                </a:solidFill>
+              </a:rPr>
+              <a:t>anatomy.html</a:t>
+            </a:r>
+          </a:p>
+          <a:p>
+            <a:r>
+              <a:rPr lang="en-US" dirty="0" err="1" smtClean="0"/>
+              <a:t>pyrobottraining</a:t>
+            </a:r>
+            <a:endParaRPr lang="en-US" dirty="0" smtClean="0"/>
+          </a:p>
+          <a:p>
+            <a:pPr lvl="1"/>
+            <a:r>
+              <a:rPr lang="en-US" u="sng" dirty="0">
+                <a:solidFill>
+                  <a:srgbClr val="0000FF"/>
+                </a:solidFill>
+              </a:rPr>
+              <a:t>https://</a:t>
+            </a:r>
+            <a:r>
+              <a:rPr lang="en-US" u="sng" dirty="0" err="1">
+                <a:solidFill>
+                  <a:srgbClr val="0000FF"/>
+                </a:solidFill>
+              </a:rPr>
+              <a:t>github.com</a:t>
+            </a:r>
+            <a:r>
+              <a:rPr lang="en-US" u="sng" dirty="0" smtClean="0">
+                <a:solidFill>
+                  <a:srgbClr val="0000FF"/>
+                </a:solidFill>
+              </a:rPr>
+              <a:t>/</a:t>
+            </a:r>
+            <a:r>
+              <a:rPr lang="en-US" u="sng" dirty="0" err="1" smtClean="0">
+                <a:solidFill>
+                  <a:srgbClr val="0000FF"/>
+                </a:solidFill>
+              </a:rPr>
+              <a:t>robotpy</a:t>
+            </a:r>
+            <a:r>
+              <a:rPr lang="en-US" u="sng" dirty="0" smtClean="0">
+                <a:solidFill>
+                  <a:srgbClr val="0000FF"/>
+                </a:solidFill>
+              </a:rPr>
+              <a:t>/</a:t>
+            </a:r>
+            <a:r>
+              <a:rPr lang="en-US" u="sng" dirty="0" err="1">
+                <a:solidFill>
+                  <a:srgbClr val="0000FF"/>
+                </a:solidFill>
+              </a:rPr>
+              <a:t>pyrobottraining</a:t>
+            </a:r>
+            <a:endParaRPr lang="en-US" u="sng" dirty="0">
+              <a:solidFill>
+                <a:srgbClr val="0000FF"/>
+              </a:solidFill>
+            </a:endParaRPr>
           </a:p>
         </p:txBody>
       </p:sp>
     </p:spTree>
     <p:extLst>
       <p:ext uri="{BB962C8B-B14F-4D97-AF65-F5344CB8AC3E}">
-        <p14:creationId xmlns:p14="http://schemas.microsoft.com/office/powerpoint/2010/main" val="4144396658"/>
+        <p14:creationId xmlns:p14="http://schemas.microsoft.com/office/powerpoint/2010/main" val="124009041"/>
+      </p:ext>
+    </p:extLst>
+  </p:cSld>
+  <p:clrMapOvr>
+    <a:masterClrMapping/>
+  </p:clrMapOvr>
+</p:sld>
+</file>
+
+<file path=ppt/slides/slide39.xml><?xml version="1.0" encoding="utf-8"?>
+<p:sld xmlns:a="http://schemas.openxmlformats.org/drawingml/2006/main" xmlns:r="http://schemas.openxmlformats.org/officeDocument/2006/relationships" xmlns:p="http://schemas.openxmlformats.org/presentationml/2006/main">
+  <p:cSld>
+    <p:spTree>
+      <p:nvGrpSpPr>
+        <p:cNvPr id="1" name=""/>
+        <p:cNvGrpSpPr/>
+        <p:nvPr/>
+      </p:nvGrpSpPr>
+      <p:grpSpPr>
+        <a:xfrm>
+          <a:off x="0" y="0"/>
+          <a:ext cx="0" cy="0"/>
+          <a:chOff x="0" y="0"/>
+          <a:chExt cx="0" cy="0"/>
+        </a:xfrm>
+      </p:grpSpPr>
+      <p:sp>
+        <p:nvSpPr>
+          <p:cNvPr id="2" name="Title 1"/>
+          <p:cNvSpPr>
+            <a:spLocks noGrp="1"/>
+          </p:cNvSpPr>
+          <p:nvPr>
+            <p:ph type="title"/>
+          </p:nvPr>
+        </p:nvSpPr>
+        <p:spPr/>
+        <p:txBody>
+          <a:bodyPr/>
+          <a:lstStyle/>
+          <a:p>
+            <a:r>
+              <a:rPr lang="en-US" dirty="0" smtClean="0"/>
+              <a:t>Learn Python</a:t>
+            </a:r>
+            <a:endParaRPr lang="en-US" dirty="0"/>
+          </a:p>
+        </p:txBody>
+      </p:sp>
+      <p:sp>
+        <p:nvSpPr>
+          <p:cNvPr id="3" name="Content Placeholder 2"/>
+          <p:cNvSpPr>
+            <a:spLocks noGrp="1"/>
+          </p:cNvSpPr>
+          <p:nvPr>
+            <p:ph idx="1"/>
+          </p:nvPr>
+        </p:nvSpPr>
+        <p:spPr/>
+        <p:txBody>
+          <a:bodyPr/>
+          <a:lstStyle/>
+          <a:p>
+            <a:r>
+              <a:rPr lang="en-US" dirty="0" smtClean="0"/>
+              <a:t>Code Academy</a:t>
+            </a:r>
+          </a:p>
+          <a:p>
+            <a:pPr lvl="1"/>
+            <a:r>
+              <a:rPr lang="en-US" dirty="0" smtClean="0">
+                <a:hlinkClick r:id="rId2"/>
+              </a:rPr>
+              <a:t>http://www.codecademy.com/tracks/python</a:t>
+            </a:r>
+            <a:endParaRPr lang="en-US" dirty="0" smtClean="0"/>
+          </a:p>
+          <a:p>
+            <a:r>
+              <a:rPr lang="en-US" dirty="0" err="1" smtClean="0"/>
+              <a:t>Wikibooks</a:t>
+            </a:r>
+            <a:r>
+              <a:rPr lang="en-US" dirty="0" smtClean="0"/>
+              <a:t> Python Tutorial</a:t>
+            </a:r>
+          </a:p>
+          <a:p>
+            <a:pPr lvl="1"/>
+            <a:r>
+              <a:rPr lang="en-US" dirty="0" smtClean="0">
+                <a:hlinkClick r:id="rId3"/>
+              </a:rPr>
+              <a:t>https://en.wikibooks.org/wiki/Non-Programmer’s_Tutorial_for_Python_3</a:t>
+            </a:r>
+            <a:endParaRPr lang="en-US" dirty="0" smtClean="0"/>
+          </a:p>
+          <a:p>
+            <a:r>
+              <a:rPr lang="en-US" dirty="0" smtClean="0"/>
+              <a:t>Official Python Tutorial</a:t>
+            </a:r>
+          </a:p>
+          <a:p>
+            <a:pPr lvl="1"/>
+            <a:r>
+              <a:rPr lang="en-US" dirty="0" smtClean="0">
+                <a:hlinkClick r:id="rId4"/>
+              </a:rPr>
+              <a:t>https://docs.python.org/3.4/tutorial/</a:t>
+            </a:r>
+            <a:endParaRPr lang="en-US" dirty="0" smtClean="0"/>
+          </a:p>
+        </p:txBody>
+      </p:sp>
+    </p:spTree>
+    <p:extLst>
+      <p:ext uri="{BB962C8B-B14F-4D97-AF65-F5344CB8AC3E}">
+        <p14:creationId xmlns:p14="http://schemas.microsoft.com/office/powerpoint/2010/main" val="2753387442"/>
       </p:ext>
     </p:extLst>
   </p:cSld>
@@ -9738,7 +11087,9 @@
         </p:nvSpPr>
         <p:spPr/>
         <p:txBody>
-          <a:bodyPr/>
+          <a:bodyPr>
+            <a:normAutofit fontScale="92500" lnSpcReduction="10000"/>
+          </a:bodyPr>
           <a:lstStyle/>
           <a:p>
             <a:r>
@@ -9753,16 +11104,17 @@
             </a:r>
           </a:p>
           <a:p>
-            <a:pPr lvl="1"/>
-            <a:r>
-              <a:rPr lang="en-US" dirty="0" smtClean="0"/>
-              <a:t>Currently mentor for Team 1418</a:t>
-            </a:r>
-          </a:p>
-          <a:p>
-            <a:r>
-              <a:rPr lang="en-US" dirty="0" smtClean="0"/>
-              <a:t>Co-maintainer of </a:t>
+            <a:r>
+              <a:rPr lang="en-US" dirty="0" smtClean="0"/>
+              <a:t>Co</a:t>
+            </a:r>
+            <a:r>
+              <a:rPr lang="en-US" dirty="0"/>
+              <a:t>-</a:t>
+            </a:r>
+            <a:r>
+              <a:rPr lang="en-US" dirty="0" smtClean="0"/>
+              <a:t>maintainer of </a:t>
             </a:r>
             <a:r>
               <a:rPr lang="en-US" dirty="0" err="1" smtClean="0"/>
@@ -9772,7 +11124,55 @@
               <a:rPr lang="en-US" dirty="0" smtClean="0"/>
               <a:t> since 2010</a:t>
             </a:r>
-            <a:endParaRPr lang="en-US" dirty="0"/>
+          </a:p>
+          <a:p>
+            <a:r>
+              <a:rPr lang="en-US" dirty="0" smtClean="0"/>
+              <a:t>My contributions have helped win awards for my teams:</a:t>
+            </a:r>
+          </a:p>
+          <a:p>
+            <a:pPr lvl="1"/>
+            <a:r>
+              <a:rPr lang="en-US" dirty="0" smtClean="0"/>
+              <a:t>2012 Boston Regional; Innovation in Control</a:t>
+            </a:r>
+          </a:p>
+          <a:p>
+            <a:pPr lvl="1"/>
+            <a:r>
+              <a:rPr lang="en-US" dirty="0" smtClean="0"/>
+              <a:t>2013 Boston Regional</a:t>
+            </a:r>
+            <a:r>
+              <a:rPr lang="en-US" dirty="0"/>
+              <a:t>; Innovation in Control</a:t>
+            </a:r>
+            <a:endParaRPr lang="en-US" dirty="0" smtClean="0"/>
+          </a:p>
+          <a:p>
+            <a:pPr lvl="1"/>
+            <a:r>
+              <a:rPr lang="en-US" dirty="0" smtClean="0"/>
+              <a:t>2014 </a:t>
+            </a:r>
+            <a:r>
+              <a:rPr lang="en-US" dirty="0"/>
+              <a:t>Virginia Regional; Innovation in Control</a:t>
+            </a:r>
+            <a:endParaRPr lang="en-US" dirty="0" smtClean="0"/>
+          </a:p>
+          <a:p>
+            <a:pPr lvl="1"/>
+            <a:r>
+              <a:rPr lang="en-US" dirty="0" smtClean="0"/>
+              <a:t>2015 Greater DC Regional</a:t>
+            </a:r>
+            <a:r>
+              <a:rPr lang="en-US" dirty="0"/>
+              <a:t>; Innovation in Control</a:t>
+            </a:r>
+            <a:endParaRPr lang="en-US" dirty="0" smtClean="0"/>
           </a:p>
         </p:txBody>
       </p:sp>
@@ -9780,6 +11180,438 @@
     <p:extLst>
       <p:ext uri="{BB962C8B-B14F-4D97-AF65-F5344CB8AC3E}">
         <p14:creationId xmlns:p14="http://schemas.microsoft.com/office/powerpoint/2010/main" val="3904451236"/>
+      </p:ext>
+    </p:extLst>
+  </p:cSld>
+  <p:clrMapOvr>
+    <a:masterClrMapping/>
+  </p:clrMapOvr>
+  <p:timing>
+    <p:tnLst>
+      <p:par>
+        <p:cTn xmlns:p14="http://schemas.microsoft.com/office/powerpoint/2010/main" id="1" dur="indefinite" restart="never" nodeType="tmRoot"/>
+      </p:par>
+    </p:tnLst>
+  </p:timing>
+</p:sld>
+</file>
+
+<file path=ppt/slides/slide40.xml><?xml version="1.0" encoding="utf-8"?>
+<p:sld xmlns:a="http://schemas.openxmlformats.org/drawingml/2006/main" xmlns:r="http://schemas.openxmlformats.org/officeDocument/2006/relationships" xmlns:p="http://schemas.openxmlformats.org/presentationml/2006/main">
+  <p:cSld>
+    <p:spTree>
+      <p:nvGrpSpPr>
+        <p:cNvPr id="1" name=""/>
+        <p:cNvGrpSpPr/>
+        <p:nvPr/>
+      </p:nvGrpSpPr>
+      <p:grpSpPr>
+        <a:xfrm>
+          <a:off x="0" y="0"/>
+          <a:ext cx="0" cy="0"/>
+          <a:chOff x="0" y="0"/>
+          <a:chExt cx="0" cy="0"/>
+        </a:xfrm>
+      </p:grpSpPr>
+      <p:sp>
+        <p:nvSpPr>
+          <p:cNvPr id="2" name="Title 1"/>
+          <p:cNvSpPr>
+            <a:spLocks noGrp="1"/>
+          </p:cNvSpPr>
+          <p:nvPr>
+            <p:ph type="title"/>
+          </p:nvPr>
+        </p:nvSpPr>
+        <p:spPr/>
+        <p:txBody>
+          <a:bodyPr/>
+          <a:lstStyle/>
+          <a:p>
+            <a:r>
+              <a:rPr lang="en-US" dirty="0" smtClean="0"/>
+              <a:t>Resources</a:t>
+            </a:r>
+            <a:endParaRPr lang="en-US" dirty="0"/>
+          </a:p>
+        </p:txBody>
+      </p:sp>
+      <p:sp>
+        <p:nvSpPr>
+          <p:cNvPr id="3" name="Content Placeholder 2"/>
+          <p:cNvSpPr>
+            <a:spLocks noGrp="1"/>
+          </p:cNvSpPr>
+          <p:nvPr>
+            <p:ph idx="1"/>
+          </p:nvPr>
+        </p:nvSpPr>
+        <p:spPr/>
+        <p:txBody>
+          <a:bodyPr/>
+          <a:lstStyle/>
+          <a:p>
+            <a:r>
+              <a:rPr lang="en-US" dirty="0" err="1" smtClean="0"/>
+              <a:t>RobotPy</a:t>
+            </a:r>
+            <a:r>
+              <a:rPr lang="en-US" dirty="0" smtClean="0"/>
+              <a:t> mailing list</a:t>
+            </a:r>
+          </a:p>
+          <a:p>
+            <a:pPr lvl="1"/>
+            <a:r>
+              <a:rPr lang="en-US" dirty="0" smtClean="0">
+                <a:hlinkClick r:id="rId2"/>
+              </a:rPr>
+              <a:t>https://groups.google.com/forum/#!forum/robotpy</a:t>
+            </a:r>
+            <a:endParaRPr lang="en-US" dirty="0"/>
+          </a:p>
+          <a:p>
+            <a:r>
+              <a:rPr lang="en-US" dirty="0" err="1" smtClean="0"/>
+              <a:t>ChiefDelphi</a:t>
+            </a:r>
+            <a:r>
+              <a:rPr lang="en-US" dirty="0" smtClean="0"/>
+              <a:t> Forums</a:t>
+            </a:r>
+          </a:p>
+          <a:p>
+            <a:pPr lvl="1"/>
+            <a:r>
+              <a:rPr lang="en-US" dirty="0" smtClean="0">
+                <a:hlinkClick r:id="rId3"/>
+              </a:rPr>
+              <a:t>http://www.chiefdelphi.com/forums/forumdisplay.php?f=187</a:t>
+            </a:r>
+            <a:endParaRPr lang="en-US" dirty="0" smtClean="0"/>
+          </a:p>
+          <a:p>
+            <a:pPr lvl="1"/>
+            <a:endParaRPr lang="en-US" dirty="0"/>
+          </a:p>
+        </p:txBody>
+      </p:sp>
+    </p:spTree>
+    <p:extLst>
+      <p:ext uri="{BB962C8B-B14F-4D97-AF65-F5344CB8AC3E}">
+        <p14:creationId xmlns:p14="http://schemas.microsoft.com/office/powerpoint/2010/main" val="1663881977"/>
+      </p:ext>
+    </p:extLst>
+  </p:cSld>
+  <p:clrMapOvr>
+    <a:masterClrMapping/>
+  </p:clrMapOvr>
+</p:sld>
+</file>
+
+<file path=ppt/slides/slide41.xml><?xml version="1.0" encoding="utf-8"?>
+<p:sld xmlns:a="http://schemas.openxmlformats.org/drawingml/2006/main" xmlns:r="http://schemas.openxmlformats.org/officeDocument/2006/relationships" xmlns:p="http://schemas.openxmlformats.org/presentationml/2006/main">
+  <p:cSld>
+    <p:spTree>
+      <p:nvGrpSpPr>
+        <p:cNvPr id="1" name=""/>
+        <p:cNvGrpSpPr/>
+        <p:nvPr/>
+      </p:nvGrpSpPr>
+      <p:grpSpPr>
+        <a:xfrm>
+          <a:off x="0" y="0"/>
+          <a:ext cx="0" cy="0"/>
+          <a:chOff x="0" y="0"/>
+          <a:chExt cx="0" cy="0"/>
+        </a:xfrm>
+      </p:grpSpPr>
+      <p:sp>
+        <p:nvSpPr>
+          <p:cNvPr id="2" name="Title 1"/>
+          <p:cNvSpPr>
+            <a:spLocks noGrp="1"/>
+          </p:cNvSpPr>
+          <p:nvPr>
+            <p:ph type="title"/>
+          </p:nvPr>
+        </p:nvSpPr>
+        <p:spPr/>
+        <p:txBody>
+          <a:bodyPr/>
+          <a:lstStyle/>
+          <a:p>
+            <a:r>
+              <a:rPr lang="en-US" dirty="0" smtClean="0"/>
+              <a:t>Code Links</a:t>
+            </a:r>
+            <a:endParaRPr lang="en-US" dirty="0"/>
+          </a:p>
+        </p:txBody>
+      </p:sp>
+      <p:sp>
+        <p:nvSpPr>
+          <p:cNvPr id="3" name="Content Placeholder 2"/>
+          <p:cNvSpPr>
+            <a:spLocks noGrp="1"/>
+          </p:cNvSpPr>
+          <p:nvPr>
+            <p:ph idx="1"/>
+          </p:nvPr>
+        </p:nvSpPr>
+        <p:spPr/>
+        <p:txBody>
+          <a:bodyPr/>
+          <a:lstStyle/>
+          <a:p>
+            <a:r>
+              <a:rPr lang="en-US" dirty="0" err="1" smtClean="0"/>
+              <a:t>RobotPy</a:t>
+            </a:r>
+            <a:r>
+              <a:rPr lang="en-US" dirty="0" smtClean="0"/>
+              <a:t> </a:t>
+            </a:r>
+            <a:r>
+              <a:rPr lang="en-US" dirty="0" err="1" smtClean="0"/>
+              <a:t>github</a:t>
+            </a:r>
+            <a:r>
+              <a:rPr lang="en-US" dirty="0" smtClean="0"/>
+              <a:t> site</a:t>
+            </a:r>
+          </a:p>
+          <a:p>
+            <a:pPr lvl="1"/>
+            <a:r>
+              <a:rPr lang="en-US" dirty="0" smtClean="0">
+                <a:hlinkClick r:id="rId2"/>
+              </a:rPr>
+              <a:t>https://github.com/robotpy</a:t>
+            </a:r>
+            <a:endParaRPr lang="en-US" dirty="0" smtClean="0"/>
+          </a:p>
+          <a:p>
+            <a:r>
+              <a:rPr lang="en-US" dirty="0" smtClean="0"/>
+              <a:t>pyfrc documentation</a:t>
+            </a:r>
+          </a:p>
+          <a:p>
+            <a:pPr lvl="1"/>
+            <a:r>
+              <a:rPr lang="en-US" dirty="0" smtClean="0">
+                <a:hlinkClick r:id="rId3"/>
+              </a:rPr>
+              <a:t>http://pyfrc.readthedocs.org/</a:t>
+            </a:r>
+            <a:endParaRPr lang="en-US" dirty="0" smtClean="0"/>
+          </a:p>
+          <a:p>
+            <a:r>
+              <a:rPr lang="en-US" dirty="0" smtClean="0"/>
+              <a:t>Team 1418’s </a:t>
+            </a:r>
+            <a:r>
+              <a:rPr lang="en-US" dirty="0" smtClean="0"/>
+              <a:t>2015 </a:t>
+            </a:r>
+            <a:r>
+              <a:rPr lang="en-US" dirty="0" smtClean="0"/>
+              <a:t>code</a:t>
+            </a:r>
+          </a:p>
+          <a:p>
+            <a:pPr lvl="1"/>
+            <a:r>
+              <a:rPr lang="en-US" dirty="0" smtClean="0">
+                <a:hlinkClick r:id="rId4"/>
+              </a:rPr>
+              <a:t>https://github.com/frc1418/</a:t>
+            </a:r>
+            <a:r>
+              <a:rPr lang="en-US" dirty="0" smtClean="0">
+                <a:hlinkClick r:id="rId4"/>
+              </a:rPr>
+              <a:t>2015</a:t>
+            </a:r>
+            <a:endParaRPr lang="en-US" dirty="0" smtClean="0"/>
+          </a:p>
+          <a:p>
+            <a:pPr lvl="1"/>
+            <a:endParaRPr lang="en-US" dirty="0" smtClean="0"/>
+          </a:p>
+        </p:txBody>
+      </p:sp>
+    </p:spTree>
+    <p:extLst>
+      <p:ext uri="{BB962C8B-B14F-4D97-AF65-F5344CB8AC3E}">
+        <p14:creationId xmlns:p14="http://schemas.microsoft.com/office/powerpoint/2010/main" val="3739680537"/>
+      </p:ext>
+    </p:extLst>
+  </p:cSld>
+  <p:clrMapOvr>
+    <a:masterClrMapping/>
+  </p:clrMapOvr>
+</p:sld>
+</file>
+
+<file path=ppt/slides/slide42.xml><?xml version="1.0" encoding="utf-8"?>
+<p:sld xmlns:a="http://schemas.openxmlformats.org/drawingml/2006/main" xmlns:r="http://schemas.openxmlformats.org/officeDocument/2006/relationships" xmlns:p="http://schemas.openxmlformats.org/presentationml/2006/main">
+  <p:cSld>
+    <p:spTree>
+      <p:nvGrpSpPr>
+        <p:cNvPr id="1" name=""/>
+        <p:cNvGrpSpPr/>
+        <p:nvPr/>
+      </p:nvGrpSpPr>
+      <p:grpSpPr>
+        <a:xfrm>
+          <a:off x="0" y="0"/>
+          <a:ext cx="0" cy="0"/>
+          <a:chOff x="0" y="0"/>
+          <a:chExt cx="0" cy="0"/>
+        </a:xfrm>
+      </p:grpSpPr>
+      <p:sp>
+        <p:nvSpPr>
+          <p:cNvPr id="2" name="Title 1"/>
+          <p:cNvSpPr>
+            <a:spLocks noGrp="1"/>
+          </p:cNvSpPr>
+          <p:nvPr>
+            <p:ph type="title"/>
+          </p:nvPr>
+        </p:nvSpPr>
+        <p:spPr/>
+        <p:txBody>
+          <a:bodyPr/>
+          <a:lstStyle/>
+          <a:p>
+            <a:r>
+              <a:rPr lang="en-US" dirty="0" smtClean="0"/>
+              <a:t>Questions</a:t>
+            </a:r>
+            <a:endParaRPr lang="en-US" dirty="0"/>
+          </a:p>
+        </p:txBody>
+      </p:sp>
+      <p:sp>
+        <p:nvSpPr>
+          <p:cNvPr id="4" name="TextBox 3"/>
+          <p:cNvSpPr txBox="1"/>
+          <p:nvPr/>
+        </p:nvSpPr>
+        <p:spPr>
+          <a:xfrm>
+            <a:off x="3670418" y="2528242"/>
+            <a:ext cx="1896072" cy="1569660"/>
+          </a:xfrm>
+          <a:prstGeom prst="rect">
+            <a:avLst/>
+          </a:prstGeom>
+          <a:noFill/>
+        </p:spPr>
+        <p:txBody>
+          <a:bodyPr wrap="none" rtlCol="0">
+            <a:spAutoFit/>
+          </a:bodyPr>
+          <a:lstStyle/>
+          <a:p>
+            <a:r>
+              <a:rPr lang="en-US" sz="9600" dirty="0" smtClean="0"/>
+              <a:t>???</a:t>
+            </a:r>
+            <a:endParaRPr lang="en-US" sz="9600" dirty="0"/>
+          </a:p>
+        </p:txBody>
+      </p:sp>
+    </p:spTree>
+    <p:extLst>
+      <p:ext uri="{BB962C8B-B14F-4D97-AF65-F5344CB8AC3E}">
+        <p14:creationId xmlns:p14="http://schemas.microsoft.com/office/powerpoint/2010/main" val="1317132149"/>
+      </p:ext>
+    </p:extLst>
+  </p:cSld>
+  <p:clrMapOvr>
+    <a:masterClrMapping/>
+  </p:clrMapOvr>
+</p:sld>
+</file>
+
+<file path=ppt/slides/slide43.xml><?xml version="1.0" encoding="utf-8"?>
+<p:sld xmlns:a="http://schemas.openxmlformats.org/drawingml/2006/main" xmlns:r="http://schemas.openxmlformats.org/officeDocument/2006/relationships" xmlns:p="http://schemas.openxmlformats.org/presentationml/2006/main">
+  <p:cSld>
+    <p:spTree>
+      <p:nvGrpSpPr>
+        <p:cNvPr id="1" name=""/>
+        <p:cNvGrpSpPr/>
+        <p:nvPr/>
+      </p:nvGrpSpPr>
+      <p:grpSpPr>
+        <a:xfrm>
+          <a:off x="0" y="0"/>
+          <a:ext cx="0" cy="0"/>
+          <a:chOff x="0" y="0"/>
+          <a:chExt cx="0" cy="0"/>
+        </a:xfrm>
+      </p:grpSpPr>
+      <p:sp>
+        <p:nvSpPr>
+          <p:cNvPr id="2" name="Title 1"/>
+          <p:cNvSpPr>
+            <a:spLocks noGrp="1"/>
+          </p:cNvSpPr>
+          <p:nvPr>
+            <p:ph type="title"/>
+          </p:nvPr>
+        </p:nvSpPr>
+        <p:spPr/>
+        <p:txBody>
+          <a:bodyPr/>
+          <a:lstStyle/>
+          <a:p>
+            <a:r>
+              <a:rPr lang="en-US" dirty="0" smtClean="0"/>
+              <a:t>Special Thanks</a:t>
+            </a:r>
+            <a:endParaRPr lang="en-US" dirty="0"/>
+          </a:p>
+        </p:txBody>
+      </p:sp>
+      <p:sp>
+        <p:nvSpPr>
+          <p:cNvPr id="3" name="Content Placeholder 2"/>
+          <p:cNvSpPr>
+            <a:spLocks noGrp="1"/>
+          </p:cNvSpPr>
+          <p:nvPr>
+            <p:ph idx="1"/>
+          </p:nvPr>
+        </p:nvSpPr>
+        <p:spPr/>
+        <p:txBody>
+          <a:bodyPr/>
+          <a:lstStyle/>
+          <a:p>
+            <a:r>
+              <a:rPr lang="en-US" dirty="0" smtClean="0"/>
+              <a:t>Team 1418 Programming Team</a:t>
+            </a:r>
+          </a:p>
+          <a:p>
+            <a:r>
+              <a:rPr lang="en-US" dirty="0" smtClean="0"/>
+              <a:t>Tim Winters for python tutorial help</a:t>
+            </a:r>
+            <a:endParaRPr lang="en-US" dirty="0"/>
+          </a:p>
+        </p:txBody>
+      </p:sp>
+    </p:spTree>
+    <p:extLst>
+      <p:ext uri="{BB962C8B-B14F-4D97-AF65-F5344CB8AC3E}">
+        <p14:creationId xmlns:p14="http://schemas.microsoft.com/office/powerpoint/2010/main" val="4144396658"/>
       </p:ext>
     </p:extLst>
   </p:cSld>
@@ -9818,7 +11650,9 @@
         </p:nvSpPr>
         <p:spPr/>
         <p:txBody>
-          <a:bodyPr/>
+          <a:bodyPr>
+            <a:normAutofit/>
+          </a:bodyPr>
           <a:lstStyle/>
           <a:p>
             <a:r>
@@ -9849,7 +11683,9 @@
         </p:nvSpPr>
         <p:spPr/>
         <p:txBody>
-          <a:bodyPr/>
+          <a:bodyPr>
+            <a:normAutofit/>
+          </a:bodyPr>
           <a:lstStyle/>
           <a:p>
             <a:r>
@@ -9913,6 +11749,13 @@
   <p:clrMapOvr>
     <a:masterClrMapping/>
   </p:clrMapOvr>
+  <p:timing>
+    <p:tnLst>
+      <p:par>
+        <p:cTn xmlns:p14="http://schemas.microsoft.com/office/powerpoint/2010/main" id="1" dur="indefinite" restart="never" nodeType="tmRoot"/>
+      </p:par>
+    </p:tnLst>
+  </p:timing>
 </p:sld>
 </file>
 
@@ -10045,6 +11888,13 @@
   <p:clrMapOvr>
     <a:masterClrMapping/>
   </p:clrMapOvr>
+  <p:timing>
+    <p:tnLst>
+      <p:par>
+        <p:cTn xmlns:p14="http://schemas.microsoft.com/office/powerpoint/2010/main" id="1" dur="indefinite" restart="never" nodeType="tmRoot"/>
+      </p:par>
+    </p:tnLst>
+  </p:timing>
 </p:sld>
 </file>
 
@@ -10108,7 +11958,9 @@
         </p:nvSpPr>
         <p:spPr/>
         <p:txBody>
-          <a:bodyPr/>
+          <a:bodyPr>
+            <a:normAutofit lnSpcReduction="10000"/>
+          </a:bodyPr>
           <a:lstStyle/>
           <a:p>
             <a:r>
@@ -10161,6 +12013,12 @@
             <a:r>
               <a:rPr lang="en-US" dirty="0" smtClean="0"/>
               <a:t>? They don’t respond quickly.</a:t>
+            </a:r>
+          </a:p>
+          <a:p>
+            <a:r>
+              <a:rPr lang="en-US" dirty="0" smtClean="0"/>
+              <a:t>Good documentation</a:t>
             </a:r>
             <a:endParaRPr lang="en-US" dirty="0"/>
           </a:p>
@@ -10176,6 +12034,13 @@
   <p:clrMapOvr>
     <a:masterClrMapping/>
   </p:clrMapOvr>
+  <p:timing>
+    <p:tnLst>
+      <p:par>
+        <p:cTn xmlns:p14="http://schemas.microsoft.com/office/powerpoint/2010/main" id="1" dur="indefinite" restart="never" nodeType="tmRoot"/>
+      </p:par>
+    </p:tnLst>
+  </p:timing>
 </p:sld>
 </file>
 
@@ -10213,7 +12078,15 @@
           <a:p>
             <a:r>
               <a:rPr lang="en-US" dirty="0" smtClean="0"/>
-              <a:t>Why Not Python?</a:t>
+              <a:t>Why </a:t>
+            </a:r>
+            <a:r>
+              <a:rPr lang="en-US" dirty="0" err="1" smtClean="0"/>
+              <a:t>RobotPy</a:t>
+            </a:r>
+            <a:r>
+              <a:rPr lang="en-US" dirty="0" smtClean="0"/>
+              <a:t> + Python?</a:t>
             </a:r>
             <a:endParaRPr lang="en-US" dirty="0"/>
           </a:p>
@@ -10232,69 +12105,39 @@
         <p:spPr/>
         <p:txBody>
           <a:bodyPr>
-            <a:normAutofit fontScale="92500" lnSpcReduction="10000"/>
+            <a:normAutofit/>
           </a:bodyPr>
           <a:lstStyle/>
           <a:p>
             <a:r>
               <a:rPr lang="en-US" dirty="0" smtClean="0"/>
-              <a:t>Not officially supported by FIRST</a:t>
-            </a:r>
-          </a:p>
-          <a:p>
-            <a:r>
-              <a:rPr lang="en-US" dirty="0" smtClean="0"/>
-              <a:t>Community isn’t as big as official languages</a:t>
-            </a:r>
-          </a:p>
-          <a:p>
-            <a:r>
-              <a:rPr lang="en-US" dirty="0" smtClean="0"/>
-              <a:t>Support at competitions is low</a:t>
+              <a:t>Superior support for running your code without a robot</a:t>
             </a:r>
           </a:p>
           <a:p>
             <a:pPr lvl="1"/>
             <a:r>
               <a:rPr lang="en-US" dirty="0" smtClean="0"/>
-              <a:t>However, because </a:t>
+              <a:t>Integrated unit testing (with </a:t>
             </a:r>
             <a:r>
               <a:rPr lang="en-US" dirty="0" err="1" smtClean="0"/>
-              <a:t>WPILib</a:t>
-            </a:r>
-            <a:r>
-              <a:rPr lang="en-US" dirty="0" smtClean="0"/>
-              <a:t> is the same, other teams can help you with problems that aren’t specific to python</a:t>
+              <a:t>builtin</a:t>
+            </a:r>
+            <a:r>
+              <a:rPr lang="en-US" dirty="0" smtClean="0"/>
+              <a:t> tests)</a:t>
             </a:r>
           </a:p>
           <a:p>
             <a:pPr lvl="1"/>
             <a:r>
               <a:rPr lang="en-US" dirty="0" smtClean="0"/>
-              <a:t>Most problems are </a:t>
-            </a:r>
-            <a:r>
-              <a:rPr lang="en-US" dirty="0" err="1" smtClean="0"/>
-              <a:t>WPILib</a:t>
-            </a:r>
-            <a:r>
-              <a:rPr lang="en-US" dirty="0" smtClean="0"/>
-              <a:t> problems, not python problems</a:t>
-            </a:r>
-          </a:p>
-          <a:p>
-            <a:r>
-              <a:rPr lang="en-US" dirty="0" smtClean="0"/>
-              <a:t>Documentation isn’t quite as good</a:t>
+              <a:t>Zero-configuration low fidelity simulator</a:t>
             </a:r>
           </a:p>
           <a:p>
             <a:pPr lvl="1"/>
-            <a:r>
-              <a:rPr lang="en-US" dirty="0" smtClean="0"/>
-              <a:t>But it’s getting better every year!</a:t>
-            </a:r>
             <a:endParaRPr lang="en-US" dirty="0"/>
           </a:p>
         </p:txBody>
@@ -10302,13 +12145,20 @@
     </p:spTree>
     <p:extLst>
       <p:ext uri="{BB962C8B-B14F-4D97-AF65-F5344CB8AC3E}">
-        <p14:creationId xmlns:p14="http://schemas.microsoft.com/office/powerpoint/2010/main" val="3438330948"/>
+        <p14:creationId xmlns:p14="http://schemas.microsoft.com/office/powerpoint/2010/main" val="2753988676"/>
       </p:ext>
     </p:extLst>
   </p:cSld>
   <p:clrMapOvr>
     <a:masterClrMapping/>
   </p:clrMapOvr>
+  <p:timing>
+    <p:tnLst>
+      <p:par>
+        <p:cTn xmlns:p14="http://schemas.microsoft.com/office/powerpoint/2010/main" id="1" dur="indefinite" restart="never" nodeType="tmRoot"/>
+      </p:par>
+    </p:tnLst>
+  </p:timing>
 </p:sld>
 </file>
 
@@ -10364,39 +12214,67 @@
         </p:nvSpPr>
         <p:spPr/>
         <p:txBody>
-          <a:bodyPr/>
-          <a:lstStyle/>
-          <a:p>
-            <a:r>
-              <a:rPr lang="en-US" dirty="0" smtClean="0"/>
-              <a:t>Spacing matters</a:t>
+          <a:bodyPr>
+            <a:normAutofit fontScale="92500"/>
+          </a:bodyPr>
+          <a:lstStyle/>
+          <a:p>
+            <a:r>
+              <a:rPr lang="en-US" dirty="0" smtClean="0"/>
+              <a:t>Not officially supported by FIRST</a:t>
+            </a:r>
+          </a:p>
+          <a:p>
+            <a:r>
+              <a:rPr lang="en-US" dirty="0" smtClean="0"/>
+              <a:t>Community isn’t as big as official languages</a:t>
+            </a:r>
+          </a:p>
+          <a:p>
+            <a:r>
+              <a:rPr lang="en-US" dirty="0" smtClean="0"/>
+              <a:t>Support at competitions is low</a:t>
             </a:r>
           </a:p>
           <a:p>
             <a:pPr lvl="1"/>
             <a:r>
               <a:rPr lang="en-US" dirty="0" smtClean="0"/>
-              <a:t>Indentation is syntax</a:t>
-            </a:r>
-          </a:p>
-          <a:p>
-            <a:r>
-              <a:rPr lang="en-US" dirty="0" smtClean="0"/>
-              <a:t>Requires that you actually test your code</a:t>
+              <a:t>However, because </a:t>
+            </a:r>
+            <a:r>
+              <a:rPr lang="en-US" dirty="0" err="1" smtClean="0"/>
+              <a:t>WPILib</a:t>
+            </a:r>
+            <a:r>
+              <a:rPr lang="en-US" dirty="0" smtClean="0"/>
+              <a:t> is the same, other teams can help you with problems that aren’t specific to python</a:t>
             </a:r>
           </a:p>
           <a:p>
             <a:pPr lvl="1"/>
             <a:r>
               <a:rPr lang="en-US" dirty="0" smtClean="0"/>
-              <a:t>Syntax error or mistyping something could crash your code</a:t>
+              <a:t>Most problems are </a:t>
+            </a:r>
+            <a:r>
+              <a:rPr lang="en-US" dirty="0" err="1" smtClean="0"/>
+              <a:t>WPILib</a:t>
+            </a:r>
+            <a:r>
+              <a:rPr lang="en-US" dirty="0" smtClean="0"/>
+              <a:t> problems, not python problems</a:t>
             </a:r>
           </a:p>
           <a:p>
             <a:pPr lvl="1"/>
             <a:r>
-              <a:rPr lang="en-US" dirty="0" smtClean="0"/>
-              <a:t>You DO test your code, right?</a:t>
+              <a:rPr lang="en-US" dirty="0"/>
+              <a:t>I’ll be CSA at Reading and Boston district </a:t>
+            </a:r>
+            <a:r>
+              <a:rPr lang="en-US" dirty="0" smtClean="0"/>
+              <a:t>events</a:t>
             </a:r>
             <a:endParaRPr lang="en-US" dirty="0"/>
           </a:p>
@@ -10405,17 +12283,284 @@
     </p:spTree>
     <p:extLst>
       <p:ext uri="{BB962C8B-B14F-4D97-AF65-F5344CB8AC3E}">
-        <p14:creationId xmlns:p14="http://schemas.microsoft.com/office/powerpoint/2010/main" val="1758515311"/>
+        <p14:creationId xmlns:p14="http://schemas.microsoft.com/office/powerpoint/2010/main" val="3438330948"/>
       </p:ext>
     </p:extLst>
   </p:cSld>
   <p:clrMapOvr>
     <a:masterClrMapping/>
   </p:clrMapOvr>
+  <p:timing>
+    <p:tnLst>
+      <p:par>
+        <p:cTn xmlns:p14="http://schemas.microsoft.com/office/powerpoint/2010/main" id="1" dur="indefinite" restart="never" nodeType="tmRoot"/>
+      </p:par>
+    </p:tnLst>
+  </p:timing>
 </p:sld>
 </file>
 
 <file path=ppt/theme/theme1.xml><?xml version="1.0" encoding="utf-8"?>
+<a:theme xmlns:a="http://schemas.openxmlformats.org/drawingml/2006/main" name="Office Theme">
+  <a:themeElements>
+    <a:clrScheme name="Office">
+      <a:dk1>
+        <a:sysClr val="windowText" lastClr="000000"/>
+      </a:dk1>
+      <a:lt1>
+        <a:sysClr val="window" lastClr="FFFFFF"/>
+      </a:lt1>
+      <a:dk2>
+        <a:srgbClr val="1F497D"/>
+      </a:dk2>
+      <a:lt2>
+        <a:srgbClr val="EEECE1"/>
+      </a:lt2>
+      <a:accent1>
+        <a:srgbClr val="4F81BD"/>
+      </a:accent1>
+      <a:accent2>
+        <a:srgbClr val="C0504D"/>
+      </a:accent2>
+      <a:accent3>
+        <a:srgbClr val="9BBB59"/>
+      </a:accent3>
+      <a:accent4>
+        <a:srgbClr val="8064A2"/>
+      </a:accent4>
+      <a:accent5>
+        <a:srgbClr val="4BACC6"/>
+      </a:accent5>
+      <a:accent6>
+        <a:srgbClr val="F79646"/>
+      </a:accent6>
+      <a:hlink>
+        <a:srgbClr val="0000FF"/>
+      </a:hlink>
+      <a:folHlink>
+        <a:srgbClr val="800080"/>
+      </a:folHlink>
+    </a:clrScheme>
+    <a:fontScheme name="Test">
+      <a:majorFont>
+        <a:latin typeface="Roboto"/>
+        <a:ea typeface=""/>
+        <a:cs typeface=""/>
+      </a:majorFont>
+      <a:minorFont>
+        <a:latin typeface="Roboto"/>
+        <a:ea typeface=""/>
+        <a:cs typeface=""/>
+      </a:minorFont>
+    </a:fontScheme>
+    <a:fmtScheme name="Office">
+      <a:fillStyleLst>
+        <a:solidFill>
+          <a:schemeClr val="phClr"/>
+        </a:solidFill>
+        <a:gradFill rotWithShape="1">
+          <a:gsLst>
+            <a:gs pos="0">
+              <a:schemeClr val="phClr">
+                <a:tint val="50000"/>
+                <a:satMod val="300000"/>
+              </a:schemeClr>
+            </a:gs>
+            <a:gs pos="35000">
+              <a:schemeClr val="phClr">
+                <a:tint val="37000"/>
+                <a:satMod val="300000"/>
+              </a:schemeClr>
+            </a:gs>
+            <a:gs pos="100000">
+              <a:schemeClr val="phClr">
+                <a:tint val="15000"/>
+                <a:satMod val="350000"/>
+              </a:schemeClr>
+            </a:gs>
+          </a:gsLst>
+          <a:lin ang="16200000" scaled="1"/>
+        </a:gradFill>
+        <a:gradFill rotWithShape="1">
+          <a:gsLst>
+            <a:gs pos="0">
+              <a:schemeClr val="phClr">
+                <a:tint val="100000"/>
+                <a:shade val="100000"/>
+                <a:satMod val="130000"/>
+              </a:schemeClr>
+            </a:gs>
+            <a:gs pos="100000">
+              <a:schemeClr val="phClr">
+                <a:tint val="50000"/>
+                <a:shade val="100000"/>
+                <a:satMod val="350000"/>
+              </a:schemeClr>
+            </a:gs>
+          </a:gsLst>
+          <a:lin ang="16200000" scaled="0"/>
+        </a:gradFill>
+      </a:fillStyleLst>
+      <a:lnStyleLst>
+        <a:ln w="9525" cap="flat" cmpd="sng" algn="ctr">
+          <a:solidFill>
+            <a:schemeClr val="phClr">
+              <a:shade val="95000"/>
+              <a:satMod val="105000"/>
+            </a:schemeClr>
+          </a:solidFill>
+          <a:prstDash val="solid"/>
+        </a:ln>
+        <a:ln w="25400" cap="flat" cmpd="sng" algn="ctr">
+          <a:solidFill>
+            <a:schemeClr val="phClr"/>
+          </a:solidFill>
+          <a:prstDash val="solid"/>
+        </a:ln>
+        <a:ln w="38100" cap="flat" cmpd="sng" algn="ctr">
+          <a:solidFill>
+            <a:schemeClr val="phClr"/>
+          </a:solidFill>
+          <a:prstDash val="solid"/>
+        </a:ln>
+      </a:lnStyleLst>
+      <a:effectStyleLst>
+        <a:effectStyle>
+          <a:effectLst>
+            <a:outerShdw blurRad="40000" dist="20000" dir="5400000" rotWithShape="0">
+              <a:srgbClr val="000000">
+                <a:alpha val="38000"/>
+              </a:srgbClr>
+            </a:outerShdw>
+          </a:effectLst>
+        </a:effectStyle>
+        <a:effectStyle>
+          <a:effectLst>
+            <a:outerShdw blurRad="40000" dist="23000" dir="5400000" rotWithShape="0">
+              <a:srgbClr val="000000">
+                <a:alpha val="35000"/>
+              </a:srgbClr>
+            </a:outerShdw>
+          </a:effectLst>
+        </a:effectStyle>
+        <a:effectStyle>
+          <a:effectLst>
+            <a:outerShdw blurRad="40000" dist="23000" dir="5400000" rotWithShape="0">
+              <a:srgbClr val="000000">
+                <a:alpha val="35000"/>
+              </a:srgbClr>
+            </a:outerShdw>
+          </a:effectLst>
+          <a:scene3d>
+            <a:camera prst="orthographicFront">
+              <a:rot lat="0" lon="0" rev="0"/>
+            </a:camera>
+            <a:lightRig rig="threePt" dir="t">
+              <a:rot lat="0" lon="0" rev="1200000"/>
+            </a:lightRig>
+          </a:scene3d>
+          <a:sp3d>
+            <a:bevelT w="63500" h="25400"/>
+          </a:sp3d>
+        </a:effectStyle>
+      </a:effectStyleLst>
+      <a:bgFillStyleLst>
+        <a:solidFill>
+          <a:schemeClr val="phClr"/>
+        </a:solidFill>
+        <a:gradFill rotWithShape="1">
+          <a:gsLst>
+            <a:gs pos="0">
+              <a:schemeClr val="phClr">
+                <a:tint val="40000"/>
+                <a:satMod val="350000"/>
+              </a:schemeClr>
+            </a:gs>
+            <a:gs pos="40000">
+              <a:schemeClr val="phClr">
+                <a:tint val="45000"/>
+                <a:shade val="99000"/>
+                <a:satMod val="350000"/>
+              </a:schemeClr>
+            </a:gs>
+            <a:gs pos="100000">
+              <a:schemeClr val="phClr">
+                <a:shade val="20000"/>
+                <a:satMod val="255000"/>
+              </a:schemeClr>
+            </a:gs>
+          </a:gsLst>
+          <a:path path="circle">
+            <a:fillToRect l="50000" t="-80000" r="50000" b="180000"/>
+          </a:path>
+        </a:gradFill>
+        <a:gradFill rotWithShape="1">
+          <a:gsLst>
+            <a:gs pos="0">
+              <a:schemeClr val="phClr">
+                <a:tint val="80000"/>
+                <a:satMod val="300000"/>
+              </a:schemeClr>
+            </a:gs>
+            <a:gs pos="100000">
+              <a:schemeClr val="phClr">
+                <a:shade val="30000"/>
+                <a:satMod val="200000"/>
+              </a:schemeClr>
+            </a:gs>
+          </a:gsLst>
+          <a:path path="circle">
+            <a:fillToRect l="50000" t="50000" r="50000" b="50000"/>
+          </a:path>
+        </a:gradFill>
+      </a:bgFillStyleLst>
+    </a:fmtScheme>
+  </a:themeElements>
+  <a:objectDefaults>
+    <a:spDef>
+      <a:spPr/>
+      <a:bodyPr/>
+      <a:lstStyle/>
+      <a:style>
+        <a:lnRef idx="1">
+          <a:schemeClr val="accent1"/>
+        </a:lnRef>
+        <a:fillRef idx="3">
+          <a:schemeClr val="accent1"/>
+        </a:fillRef>
+        <a:effectRef idx="2">
+          <a:schemeClr val="accent1"/>
+        </a:effectRef>
+        <a:fontRef idx="minor">
+          <a:schemeClr val="lt1"/>
+        </a:fontRef>
+      </a:style>
+    </a:spDef>
+    <a:lnDef>
+      <a:spPr/>
+      <a:bodyPr/>
+      <a:lstStyle/>
+      <a:style>
+        <a:lnRef idx="2">
+          <a:schemeClr val="accent1"/>
+        </a:lnRef>
+        <a:fillRef idx="0">
+          <a:schemeClr val="accent1"/>
+        </a:fillRef>
+        <a:effectRef idx="1">
+          <a:schemeClr val="accent1"/>
+        </a:effectRef>
+        <a:fontRef idx="minor">
+          <a:schemeClr val="tx1"/>
+        </a:fontRef>
+      </a:style>
+    </a:lnDef>
+  </a:objectDefaults>
+  <a:extraClrSchemeLst/>
+</a:theme>
+</file>
+
+<file path=ppt/theme/theme2.xml><?xml version="1.0" encoding="utf-8"?>
 <a:theme xmlns:a="http://schemas.openxmlformats.org/drawingml/2006/main" name="Office Theme">
   <a:themeElements>
     <a:clrScheme name="Office">

--- a/pyfrc.pptx
+++ b/pyfrc.pptx
@@ -5,7 +5,7 @@
     <p:sldMasterId id="2147483648" r:id="rId1"/>
   </p:sldMasterIdLst>
   <p:notesMasterIdLst>
-    <p:notesMasterId r:id="rId45"/>
+    <p:notesMasterId r:id="rId46"/>
   </p:notesMasterIdLst>
   <p:sldIdLst>
     <p:sldId id="256" r:id="rId2"/>
@@ -49,8 +49,9 @@
     <p:sldId id="268" r:id="rId40"/>
     <p:sldId id="266" r:id="rId41"/>
     <p:sldId id="267" r:id="rId42"/>
-    <p:sldId id="260" r:id="rId43"/>
-    <p:sldId id="258" r:id="rId44"/>
+    <p:sldId id="308" r:id="rId43"/>
+    <p:sldId id="260" r:id="rId44"/>
+    <p:sldId id="258" r:id="rId45"/>
   </p:sldIdLst>
   <p:sldSz cx="9144000" cy="6858000" type="screen4x3"/>
   <p:notesSz cx="6858000" cy="9144000"/>
@@ -234,7 +235,7 @@
           <a:p>
             <a:fld id="{E59F1345-7B83-3F40-BB81-46EE4F819762}" type="datetimeFigureOut">
               <a:rPr lang="en-US" smtClean="0"/>
-              <a:t>1/8/16</a:t>
+              <a:t>9/10/16</a:t>
             </a:fld>
             <a:endParaRPr lang="en-US"/>
           </a:p>
@@ -767,7 +768,7 @@
           <a:p>
             <a:fld id="{D535EA7C-FD01-9142-BA29-0F93DE6D4157}" type="datetimeFigureOut">
               <a:rPr lang="en-US" smtClean="0"/>
-              <a:t>1/8/16</a:t>
+              <a:t>9/10/16</a:t>
             </a:fld>
             <a:endParaRPr lang="en-US"/>
           </a:p>
@@ -937,7 +938,7 @@
           <a:p>
             <a:fld id="{D535EA7C-FD01-9142-BA29-0F93DE6D4157}" type="datetimeFigureOut">
               <a:rPr lang="en-US" smtClean="0"/>
-              <a:t>1/8/16</a:t>
+              <a:t>9/10/16</a:t>
             </a:fld>
             <a:endParaRPr lang="en-US"/>
           </a:p>
@@ -1117,7 +1118,7 @@
           <a:p>
             <a:fld id="{D535EA7C-FD01-9142-BA29-0F93DE6D4157}" type="datetimeFigureOut">
               <a:rPr lang="en-US" smtClean="0"/>
-              <a:t>1/8/16</a:t>
+              <a:t>9/10/16</a:t>
             </a:fld>
             <a:endParaRPr lang="en-US"/>
           </a:p>
@@ -1296,7 +1297,7 @@
           <a:p>
             <a:fld id="{D535EA7C-FD01-9142-BA29-0F93DE6D4157}" type="datetimeFigureOut">
               <a:rPr lang="en-US" smtClean="0"/>
-              <a:t>1/8/16</a:t>
+              <a:t>9/10/16</a:t>
             </a:fld>
             <a:endParaRPr lang="en-US"/>
           </a:p>
@@ -1616,7 +1617,7 @@
           <a:p>
             <a:fld id="{D535EA7C-FD01-9142-BA29-0F93DE6D4157}" type="datetimeFigureOut">
               <a:rPr lang="en-US" smtClean="0"/>
-              <a:t>1/8/16</a:t>
+              <a:t>9/10/16</a:t>
             </a:fld>
             <a:endParaRPr lang="en-US"/>
           </a:p>
@@ -1913,7 +1914,7 @@
           <a:p>
             <a:fld id="{D535EA7C-FD01-9142-BA29-0F93DE6D4157}" type="datetimeFigureOut">
               <a:rPr lang="en-US" smtClean="0"/>
-              <a:t>1/8/16</a:t>
+              <a:t>9/10/16</a:t>
             </a:fld>
             <a:endParaRPr lang="en-US"/>
           </a:p>
@@ -2414,7 +2415,7 @@
           <a:p>
             <a:fld id="{D535EA7C-FD01-9142-BA29-0F93DE6D4157}" type="datetimeFigureOut">
               <a:rPr lang="en-US" smtClean="0"/>
-              <a:t>1/8/16</a:t>
+              <a:t>9/10/16</a:t>
             </a:fld>
             <a:endParaRPr lang="en-US"/>
           </a:p>
@@ -2615,7 +2616,7 @@
           <a:p>
             <a:fld id="{D535EA7C-FD01-9142-BA29-0F93DE6D4157}" type="datetimeFigureOut">
               <a:rPr lang="en-US" smtClean="0"/>
-              <a:t>1/8/16</a:t>
+              <a:t>9/10/16</a:t>
             </a:fld>
             <a:endParaRPr lang="en-US"/>
           </a:p>
@@ -2784,7 +2785,7 @@
           <a:p>
             <a:fld id="{D535EA7C-FD01-9142-BA29-0F93DE6D4157}" type="datetimeFigureOut">
               <a:rPr lang="en-US" smtClean="0"/>
-              <a:t>1/8/16</a:t>
+              <a:t>9/10/16</a:t>
             </a:fld>
             <a:endParaRPr lang="en-US"/>
           </a:p>
@@ -3061,7 +3062,7 @@
           <a:p>
             <a:fld id="{D535EA7C-FD01-9142-BA29-0F93DE6D4157}" type="datetimeFigureOut">
               <a:rPr lang="en-US" smtClean="0"/>
-              <a:t>1/8/16</a:t>
+              <a:t>9/10/16</a:t>
             </a:fld>
             <a:endParaRPr lang="en-US"/>
           </a:p>
@@ -3314,7 +3315,7 @@
           <a:p>
             <a:fld id="{D535EA7C-FD01-9142-BA29-0F93DE6D4157}" type="datetimeFigureOut">
               <a:rPr lang="en-US" smtClean="0"/>
-              <a:t>1/8/16</a:t>
+              <a:t>9/10/16</a:t>
             </a:fld>
             <a:endParaRPr lang="en-US"/>
           </a:p>
@@ -3527,7 +3528,7 @@
           <a:p>
             <a:fld id="{D535EA7C-FD01-9142-BA29-0F93DE6D4157}" type="datetimeFigureOut">
               <a:rPr lang="en-US" smtClean="0"/>
-              <a:t>1/8/16</a:t>
+              <a:t>9/10/16</a:t>
             </a:fld>
             <a:endParaRPr lang="en-US"/>
           </a:p>
@@ -3961,13 +3962,13 @@
           <a:p>
             <a:r>
               <a:rPr lang="en-US" dirty="0" smtClean="0"/>
-              <a:t>Dustin Spicuzza (Team 2423)</a:t>
-            </a:r>
-          </a:p>
-          <a:p>
-            <a:r>
-              <a:rPr lang="en-US" dirty="0" smtClean="0"/>
-              <a:t>January 9, 2015</a:t>
+              <a:t>Dustin Spicuzza </a:t>
+            </a:r>
+          </a:p>
+          <a:p>
+            <a:r>
+              <a:rPr lang="en-US" dirty="0" smtClean="0"/>
+              <a:t>September 10, 2016</a:t>
             </a:r>
           </a:p>
           <a:p>
@@ -3976,11 +3977,7 @@
           <a:p>
             <a:r>
               <a:rPr lang="en-US" dirty="0" smtClean="0"/>
-              <a:t>NEU Kickoff </a:t>
-            </a:r>
-            <a:r>
-              <a:rPr lang="en-US" dirty="0" smtClean="0"/>
-              <a:t>Seminar</a:t>
+              <a:t>NE FIRST University Day</a:t>
             </a:r>
             <a:endParaRPr lang="en-US" dirty="0"/>
           </a:p>
@@ -4325,11 +4322,7 @@
           <a:p>
             <a:r>
               <a:rPr lang="en-US" dirty="0" smtClean="0"/>
-              <a:t>Robot </a:t>
-            </a:r>
-            <a:r>
-              <a:rPr lang="en-US" dirty="0" smtClean="0"/>
-              <a:t>code is written in python</a:t>
+              <a:t>Robot code is written in python</a:t>
             </a:r>
           </a:p>
           <a:p>
@@ -6522,7 +6515,6 @@
               <a:rPr lang="en-US" dirty="0" smtClean="0"/>
               <a:t>Quick Simulation Demo</a:t>
             </a:r>
-            <a:endParaRPr lang="en-US" dirty="0" smtClean="0"/>
           </a:p>
           <a:p>
             <a:r>
@@ -6533,27 +6525,8 @@
           <a:p>
             <a:r>
               <a:rPr lang="en-US" dirty="0" smtClean="0"/>
-              <a:t>Putting it all </a:t>
-            </a:r>
-            <a:r>
-              <a:rPr lang="en-US" dirty="0" smtClean="0"/>
-              <a:t>together</a:t>
-            </a:r>
-          </a:p>
-          <a:p>
-            <a:pPr lvl="1"/>
-            <a:r>
-              <a:rPr lang="en-US" dirty="0" smtClean="0"/>
-              <a:t>Robot code</a:t>
-            </a:r>
-          </a:p>
-          <a:p>
-            <a:pPr lvl="1"/>
-            <a:r>
-              <a:rPr lang="en-US" dirty="0" smtClean="0"/>
-              <a:t>Encoder demo</a:t>
-            </a:r>
-            <a:endParaRPr lang="en-US" dirty="0" smtClean="0"/>
+              <a:t>Putting it all together</a:t>
+            </a:r>
           </a:p>
           <a:p>
             <a:r>
@@ -9167,10 +9140,6 @@
                         </a:rPr>
                         <a:t>)</a:t>
                       </a:r>
-                      <a:endParaRPr lang="en-US" sz="2400" baseline="0" dirty="0" smtClean="0">
-                        <a:latin typeface="Consolas"/>
-                        <a:cs typeface="Consolas"/>
-                      </a:endParaRPr>
                     </a:p>
                   </a:txBody>
                   <a:tcPr>
@@ -9271,15 +9240,7 @@
           <a:p>
             <a:r>
               <a:rPr lang="en-US" dirty="0" smtClean="0"/>
-              <a:t>Real Robot </a:t>
-            </a:r>
-            <a:r>
-              <a:rPr lang="en-US" dirty="0" smtClean="0"/>
-              <a:t>Code: Running </a:t>
-            </a:r>
-            <a:r>
-              <a:rPr lang="en-US" dirty="0" smtClean="0"/>
-              <a:t>it</a:t>
+              <a:t>Real Robot Code: Running it</a:t>
             </a:r>
             <a:endParaRPr lang="en-US" dirty="0"/>
           </a:p>
@@ -9657,7 +9618,7 @@
                 <a:latin typeface="Roboto Black"/>
                 <a:cs typeface="Roboto Black"/>
               </a:rPr>
-              <a:t>ENCODER DEMO</a:t>
+              <a:t>DEMO</a:t>
             </a:r>
             <a:endParaRPr lang="en-US" b="0" dirty="0">
               <a:latin typeface="Roboto Black"/>
@@ -9736,7 +9697,7 @@
           <a:p>
             <a:r>
               <a:rPr lang="en-US" dirty="0" smtClean="0"/>
-              <a:t>Encoder Demo</a:t>
+              <a:t>Demo</a:t>
             </a:r>
             <a:endParaRPr lang="en-US" dirty="0"/>
           </a:p>
@@ -9838,7 +9799,7 @@
           <a:p>
             <a:r>
               <a:rPr lang="en-US" dirty="0" smtClean="0"/>
-              <a:t>Encoder Demo</a:t>
+              <a:t>Demo</a:t>
             </a:r>
             <a:endParaRPr lang="en-US" dirty="0"/>
           </a:p>
@@ -9870,7 +9831,6 @@
               <a:rPr lang="en-US" dirty="0" smtClean="0"/>
               <a:t>This is the robot code that does the work</a:t>
             </a:r>
-            <a:endParaRPr lang="en-US" dirty="0" smtClean="0"/>
           </a:p>
         </p:txBody>
       </p:sp>
@@ -9883,7 +9843,7 @@
           <p:nvPr>
             <p:extLst>
               <p:ext uri="{D42A27DB-BD31-4B8C-83A1-F6EECF244321}">
-                <p14:modId xmlns:p14="http://schemas.microsoft.com/office/powerpoint/2010/main" val="3948227815"/>
+                <p14:modId xmlns:p14="http://schemas.microsoft.com/office/powerpoint/2010/main" val="3087488212"/>
               </p:ext>
             </p:extLst>
           </p:nvPr>
@@ -9959,7 +9919,7 @@
                           <a:latin typeface="Consolas"/>
                           <a:cs typeface="Consolas"/>
                         </a:rPr>
-                        <a:t>(0)</a:t>
+                        <a:t>(2)</a:t>
                       </a:r>
                     </a:p>
                     <a:p>
@@ -10006,10 +9966,6 @@
                         </a:rPr>
                         <a:t>())</a:t>
                       </a:r>
-                      <a:endParaRPr lang="en-US" sz="2400" baseline="0" dirty="0" smtClean="0">
-                        <a:latin typeface="Consolas"/>
-                        <a:cs typeface="Consolas"/>
-                      </a:endParaRPr>
                     </a:p>
                   </a:txBody>
                   <a:tcPr>
@@ -10108,7 +10064,7 @@
           <a:p>
             <a:r>
               <a:rPr lang="en-US" dirty="0" smtClean="0"/>
-              <a:t>Encoder demo</a:t>
+              <a:t>Demo</a:t>
             </a:r>
             <a:endParaRPr lang="en-US" dirty="0"/>
           </a:p>
@@ -10151,7 +10107,6 @@
               <a:rPr lang="en-US" dirty="0" smtClean="0"/>
               <a:t> to interact with pynetworktables2js</a:t>
             </a:r>
-            <a:endParaRPr lang="en-US" dirty="0" smtClean="0"/>
           </a:p>
         </p:txBody>
       </p:sp>
@@ -10371,10 +10326,6 @@
                         </a:rPr>
                         <a:t>}</a:t>
                       </a:r>
-                      <a:endParaRPr lang="en-US" sz="2400" baseline="0" dirty="0" smtClean="0">
-                        <a:latin typeface="Consolas"/>
-                        <a:cs typeface="Consolas"/>
-                      </a:endParaRPr>
                     </a:p>
                   </a:txBody>
                   <a:tcPr>
@@ -10579,29 +10530,20 @@
             <a:pPr lvl="1"/>
             <a:r>
               <a:rPr lang="en-US" dirty="0" smtClean="0"/>
-              <a:t>Allows you to adjust various robot objects on the fly to make the simulation more </a:t>
-            </a:r>
-            <a:r>
-              <a:rPr lang="en-US" dirty="0" smtClean="0"/>
-              <a:t>useful</a:t>
-            </a:r>
-            <a:endParaRPr lang="en-US" dirty="0" smtClean="0"/>
+              <a:t>Allows you to adjust various robot objects on the fly to make the simulation more useful</a:t>
+            </a:r>
           </a:p>
           <a:p>
             <a:pPr lvl="1"/>
             <a:r>
               <a:rPr lang="en-US" dirty="0" smtClean="0"/>
-              <a:t>There might be a web-based simulator in 2016</a:t>
-            </a:r>
-          </a:p>
-          <a:p>
-            <a:r>
-              <a:rPr lang="en-US" dirty="0" smtClean="0"/>
-              <a:t>There </a:t>
-            </a:r>
-            <a:r>
-              <a:rPr lang="en-US" dirty="0" smtClean="0"/>
-              <a:t>are more pyfrc samples on </a:t>
+              <a:t>There might be a web-based simulator in 2017</a:t>
+            </a:r>
+          </a:p>
+          <a:p>
+            <a:r>
+              <a:rPr lang="en-US" dirty="0" smtClean="0"/>
+              <a:t>There are more pyfrc samples on </a:t>
             </a:r>
             <a:r>
               <a:rPr lang="en-US" dirty="0" err="1" smtClean="0"/>
@@ -10825,7 +10767,31 @@
                   <a:srgbClr val="0000FF"/>
                 </a:solidFill>
               </a:rPr>
-              <a:t>http://robotpy.readthedocs.org/en/latest/guide/</a:t>
+              <a:t>http://</a:t>
+            </a:r>
+            <a:r>
+              <a:rPr lang="en-US" u="sng" dirty="0" err="1" smtClean="0">
+                <a:solidFill>
+                  <a:srgbClr val="0000FF"/>
+                </a:solidFill>
+              </a:rPr>
+              <a:t>robotpy.readthedocs.io</a:t>
+            </a:r>
+            <a:r>
+              <a:rPr lang="en-US" u="sng" dirty="0" smtClean="0">
+                <a:solidFill>
+                  <a:srgbClr val="0000FF"/>
+                </a:solidFill>
+              </a:rPr>
+              <a:t>/</a:t>
+            </a:r>
+            <a:r>
+              <a:rPr lang="en-US" u="sng" dirty="0">
+                <a:solidFill>
+                  <a:srgbClr val="0000FF"/>
+                </a:solidFill>
+              </a:rPr>
+              <a:t>en/latest/guide/</a:t>
             </a:r>
             <a:r>
               <a:rPr lang="en-US" u="sng" dirty="0" smtClean="0">
@@ -11016,7 +10982,19 @@
               <a:rPr lang="en-US" dirty="0" smtClean="0">
                 <a:hlinkClick r:id="rId4"/>
               </a:rPr>
-              <a:t>https://docs.python.org/3.4/tutorial/</a:t>
+              <a:t>https://docs.python.org/</a:t>
+            </a:r>
+            <a:r>
+              <a:rPr lang="en-US" dirty="0" smtClean="0">
+                <a:hlinkClick r:id="rId4"/>
+              </a:rPr>
+              <a:t>3.5/</a:t>
+            </a:r>
+            <a:r>
+              <a:rPr lang="en-US" dirty="0" smtClean="0">
+                <a:hlinkClick r:id="rId4"/>
+              </a:rPr>
+              <a:t>tutorial/</a:t>
             </a:r>
             <a:endParaRPr lang="en-US" dirty="0" smtClean="0"/>
           </a:p>
@@ -11088,7 +11066,7 @@
         <p:spPr/>
         <p:txBody>
           <a:bodyPr>
-            <a:normAutofit fontScale="92500" lnSpcReduction="10000"/>
+            <a:normAutofit fontScale="92500" lnSpcReduction="20000"/>
           </a:bodyPr>
           <a:lstStyle/>
           <a:p>
@@ -11158,9 +11136,12 @@
             </a:r>
             <a:r>
               <a:rPr lang="en-US" dirty="0"/>
-              <a:t>Virginia Regional; Innovation in Control</a:t>
-            </a:r>
-            <a:endParaRPr lang="en-US" dirty="0" smtClean="0"/>
+              <a:t>Virginia Regional; </a:t>
+            </a:r>
+            <a:r>
+              <a:rPr lang="en-US" dirty="0" smtClean="0"/>
+              <a:t>Industrial Design</a:t>
+            </a:r>
           </a:p>
           <a:p>
             <a:pPr lvl="1"/>
@@ -11170,9 +11151,19 @@
             </a:r>
             <a:r>
               <a:rPr lang="en-US" dirty="0"/>
-              <a:t>; Innovation in Control</a:t>
-            </a:r>
-            <a:endParaRPr lang="en-US" dirty="0" smtClean="0"/>
+              <a:t>; Innovation in </a:t>
+            </a:r>
+            <a:r>
+              <a:rPr lang="en-US" dirty="0" smtClean="0"/>
+              <a:t>Control</a:t>
+            </a:r>
+          </a:p>
+          <a:p>
+            <a:pPr lvl="1"/>
+            <a:r>
+              <a:rPr lang="en-US" dirty="0" smtClean="0"/>
+              <a:t>2016 Chesapeake Champs; Innovation in Control</a:t>
+            </a:r>
           </a:p>
         </p:txBody>
       </p:sp>
@@ -11403,22 +11394,20 @@
               <a:rPr lang="en-US" dirty="0" smtClean="0">
                 <a:hlinkClick r:id="rId3"/>
               </a:rPr>
-              <a:t>http://pyfrc.readthedocs.org/</a:t>
+              <a:t>http://</a:t>
+            </a:r>
+            <a:r>
+              <a:rPr lang="en-US" smtClean="0">
+                <a:hlinkClick r:id="rId3"/>
+              </a:rPr>
+              <a:t>pyfrc.readthedocs.io/</a:t>
             </a:r>
             <a:endParaRPr lang="en-US" dirty="0" smtClean="0"/>
           </a:p>
           <a:p>
             <a:r>
               <a:rPr lang="en-US" dirty="0" smtClean="0"/>
-              <a:t>Team 1418’s </a:t>
-            </a:r>
-            <a:r>
-              <a:rPr lang="en-US" dirty="0" smtClean="0"/>
-              <a:t>2015 </a:t>
-            </a:r>
-            <a:r>
-              <a:rPr lang="en-US" dirty="0" smtClean="0"/>
-              <a:t>code</a:t>
+              <a:t>Team 1418’s 2015 code</a:t>
             </a:r>
           </a:p>
           <a:p>
@@ -11427,13 +11416,7 @@
               <a:rPr lang="en-US" dirty="0" smtClean="0">
                 <a:hlinkClick r:id="rId4"/>
               </a:rPr>
-              <a:t>https://github.com/frc1418/</a:t>
-            </a:r>
-            <a:r>
-              <a:rPr lang="en-US" dirty="0" smtClean="0">
-                <a:hlinkClick r:id="rId4"/>
-              </a:rPr>
-              <a:t>2015</a:t>
+              <a:t>https://github.com/frc1418/2015</a:t>
             </a:r>
             <a:endParaRPr lang="en-US" dirty="0" smtClean="0"/>
           </a:p>
@@ -11490,6 +11473,196 @@
           <a:p>
             <a:r>
               <a:rPr lang="en-US" dirty="0" smtClean="0"/>
+              <a:t>One more thing</a:t>
+            </a:r>
+            <a:r>
+              <a:rPr lang="is-IS" dirty="0" smtClean="0"/>
+              <a:t>…</a:t>
+            </a:r>
+            <a:endParaRPr lang="en-US" dirty="0"/>
+          </a:p>
+        </p:txBody>
+      </p:sp>
+      <p:sp>
+        <p:nvSpPr>
+          <p:cNvPr id="4" name="Content Placeholder 3"/>
+          <p:cNvSpPr>
+            <a:spLocks noGrp="1"/>
+          </p:cNvSpPr>
+          <p:nvPr>
+            <p:ph sz="half" idx="1"/>
+          </p:nvPr>
+        </p:nvSpPr>
+        <p:spPr/>
+        <p:txBody>
+          <a:bodyPr/>
+          <a:lstStyle/>
+          <a:p>
+            <a:r>
+              <a:rPr lang="en-US" dirty="0"/>
+              <a:t>Publicly editable </a:t>
+            </a:r>
+            <a:r>
+              <a:rPr lang="en-US" dirty="0" smtClean="0"/>
+              <a:t>repository </a:t>
+            </a:r>
+            <a:r>
+              <a:rPr lang="en-US" dirty="0"/>
+              <a:t>of information related to FIRST </a:t>
+            </a:r>
+            <a:r>
+              <a:rPr lang="en-US" dirty="0" smtClean="0"/>
+              <a:t>Robotics</a:t>
+            </a:r>
+          </a:p>
+          <a:p>
+            <a:pPr lvl="1"/>
+            <a:r>
+              <a:rPr lang="en-US" dirty="0" smtClean="0"/>
+              <a:t>Technical topics</a:t>
+            </a:r>
+          </a:p>
+          <a:p>
+            <a:pPr lvl="1"/>
+            <a:r>
+              <a:rPr lang="en-US" dirty="0" smtClean="0"/>
+              <a:t>Non-technical</a:t>
+            </a:r>
+          </a:p>
+          <a:p>
+            <a:pPr lvl="1"/>
+            <a:r>
+              <a:rPr lang="en-US" dirty="0" smtClean="0"/>
+              <a:t>Team pages</a:t>
+            </a:r>
+          </a:p>
+          <a:p>
+            <a:r>
+              <a:rPr lang="en-US" dirty="0" smtClean="0"/>
+              <a:t>Add content to your team’s page!</a:t>
+            </a:r>
+          </a:p>
+          <a:p>
+            <a:endParaRPr lang="en-US" dirty="0"/>
+          </a:p>
+          <a:p>
+            <a:endParaRPr lang="en-US" dirty="0"/>
+          </a:p>
+          <a:p>
+            <a:endParaRPr lang="en-US" dirty="0"/>
+          </a:p>
+        </p:txBody>
+      </p:sp>
+      <p:pic>
+        <p:nvPicPr>
+          <p:cNvPr id="6" name="Picture 5" descr="logo.png"/>
+          <p:cNvPicPr>
+            <a:picLocks noChangeAspect="1"/>
+          </p:cNvPicPr>
+          <p:nvPr/>
+        </p:nvPicPr>
+        <p:blipFill>
+          <a:blip r:embed="rId2">
+            <a:extLst>
+              <a:ext uri="{28A0092B-C50C-407E-A947-70E740481C1C}">
+                <a14:useLocalDpi xmlns:a14="http://schemas.microsoft.com/office/drawing/2010/main" val="0"/>
+              </a:ext>
+            </a:extLst>
+          </a:blip>
+          <a:stretch>
+            <a:fillRect/>
+          </a:stretch>
+        </p:blipFill>
+        <p:spPr>
+          <a:xfrm>
+            <a:off x="4495800" y="1602973"/>
+            <a:ext cx="3561649" cy="3561649"/>
+          </a:xfrm>
+          <a:prstGeom prst="rect">
+            <a:avLst/>
+          </a:prstGeom>
+        </p:spPr>
+      </p:pic>
+      <p:sp>
+        <p:nvSpPr>
+          <p:cNvPr id="7" name="Rectangle 6"/>
+          <p:cNvSpPr/>
+          <p:nvPr/>
+        </p:nvSpPr>
+        <p:spPr>
+          <a:xfrm>
+            <a:off x="4571999" y="5313639"/>
+            <a:ext cx="4295574" cy="523220"/>
+          </a:xfrm>
+          <a:prstGeom prst="rect">
+            <a:avLst/>
+          </a:prstGeom>
+        </p:spPr>
+        <p:txBody>
+          <a:bodyPr wrap="square">
+            <a:spAutoFit/>
+          </a:bodyPr>
+          <a:lstStyle/>
+          <a:p>
+            <a:r>
+              <a:rPr lang="en-US" sz="2800" dirty="0" smtClean="0"/>
+              <a:t>https://</a:t>
+            </a:r>
+            <a:r>
+              <a:rPr lang="en-US" sz="2800" dirty="0" err="1" smtClean="0"/>
+              <a:t>firstwiki.github.io</a:t>
+            </a:r>
+            <a:endParaRPr lang="en-US" sz="2800" dirty="0"/>
+          </a:p>
+        </p:txBody>
+      </p:sp>
+    </p:spTree>
+    <p:extLst>
+      <p:ext uri="{BB962C8B-B14F-4D97-AF65-F5344CB8AC3E}">
+        <p14:creationId xmlns:p14="http://schemas.microsoft.com/office/powerpoint/2010/main" val="538560291"/>
+      </p:ext>
+    </p:extLst>
+  </p:cSld>
+  <p:clrMapOvr>
+    <a:masterClrMapping/>
+  </p:clrMapOvr>
+</p:sld>
+</file>
+
+<file path=ppt/slides/slide43.xml><?xml version="1.0" encoding="utf-8"?>
+<p:sld xmlns:a="http://schemas.openxmlformats.org/drawingml/2006/main" xmlns:r="http://schemas.openxmlformats.org/officeDocument/2006/relationships" xmlns:p="http://schemas.openxmlformats.org/presentationml/2006/main">
+  <p:cSld>
+    <p:spTree>
+      <p:nvGrpSpPr>
+        <p:cNvPr id="1" name=""/>
+        <p:cNvGrpSpPr/>
+        <p:nvPr/>
+      </p:nvGrpSpPr>
+      <p:grpSpPr>
+        <a:xfrm>
+          <a:off x="0" y="0"/>
+          <a:ext cx="0" cy="0"/>
+          <a:chOff x="0" y="0"/>
+          <a:chExt cx="0" cy="0"/>
+        </a:xfrm>
+      </p:grpSpPr>
+      <p:sp>
+        <p:nvSpPr>
+          <p:cNvPr id="2" name="Title 1"/>
+          <p:cNvSpPr>
+            <a:spLocks noGrp="1"/>
+          </p:cNvSpPr>
+          <p:nvPr>
+            <p:ph type="title"/>
+          </p:nvPr>
+        </p:nvSpPr>
+        <p:spPr/>
+        <p:txBody>
+          <a:bodyPr/>
+          <a:lstStyle/>
+          <a:p>
+            <a:r>
+              <a:rPr lang="en-US" dirty="0" smtClean="0"/>
               <a:t>Questions</a:t>
             </a:r>
             <a:endParaRPr lang="en-US" dirty="0"/>
@@ -11539,7 +11712,7 @@
 </p:sld>
 </file>
 
-<file path=ppt/slides/slide43.xml><?xml version="1.0" encoding="utf-8"?>
+<file path=ppt/slides/slide44.xml><?xml version="1.0" encoding="utf-8"?>
 <p:sld xmlns:a="http://schemas.openxmlformats.org/drawingml/2006/main" xmlns:r="http://schemas.openxmlformats.org/officeDocument/2006/relationships" xmlns:p="http://schemas.openxmlformats.org/presentationml/2006/main">
   <p:cSld>
     <p:spTree>
@@ -12012,7 +12185,7 @@
             </a:r>
             <a:r>
               <a:rPr lang="en-US" dirty="0" smtClean="0"/>
-              <a:t>? They don’t respond quickly.</a:t>
+              <a:t>? They don’t respond quickly*</a:t>
             </a:r>
           </a:p>
           <a:p>
@@ -12231,6 +12404,13 @@
             </a:r>
           </a:p>
           <a:p>
+            <a:pPr lvl="1"/>
+            <a:r>
+              <a:rPr lang="en-US" dirty="0" smtClean="0"/>
+              <a:t>33 teams used Python in 2016</a:t>
+            </a:r>
+          </a:p>
+          <a:p>
             <a:r>
               <a:rPr lang="en-US" dirty="0" smtClean="0"/>
               <a:t>Support at competitions is low</a:t>
@@ -12264,17 +12444,6 @@
             <a:r>
               <a:rPr lang="en-US" dirty="0" smtClean="0"/>
               <a:t> problems, not python problems</a:t>
-            </a:r>
-          </a:p>
-          <a:p>
-            <a:pPr lvl="1"/>
-            <a:r>
-              <a:rPr lang="en-US" dirty="0"/>
-              <a:t>I’ll be CSA at Reading and Boston district </a:t>
-            </a:r>
-            <a:r>
-              <a:rPr lang="en-US" dirty="0" smtClean="0"/>
-              <a:t>events</a:t>
             </a:r>
             <a:endParaRPr lang="en-US" dirty="0"/>
           </a:p>
